--- a/pub_writing/20200229_imbalance/挿絵.pptx
+++ b/pub_writing/20200229_imbalance/挿絵.pptx
@@ -7,6 +7,8 @@
   <p:sldIdLst>
     <p:sldId id="256" r:id="rId2"/>
     <p:sldId id="257" r:id="rId3"/>
+    <p:sldId id="258" r:id="rId4"/>
+    <p:sldId id="259" r:id="rId5"/>
   </p:sldIdLst>
   <p:sldSz cx="12192000" cy="6858000"/>
   <p:notesSz cx="6858000" cy="9144000"/>
@@ -105,6 +107,11 @@
       </a:defRPr>
     </a:lvl9pPr>
   </p:defaultTextStyle>
+  <p:extLst>
+    <p:ext uri="{EFAFB233-063F-42B5-8137-9DF3F51BA10A}">
+      <p15:sldGuideLst xmlns:p15="http://schemas.microsoft.com/office/powerpoint/2012/main"/>
+    </p:ext>
+  </p:extLst>
 </p:presentation>
 </file>
 
@@ -3692,10 +3699,10 @@
       </p:grpSpPr>
       <p:sp>
         <p:nvSpPr>
-          <p:cNvPr id="14" name="正方形/長方形 13">
-            <a:extLst>
-              <a:ext uri="{FF2B5EF4-FFF2-40B4-BE49-F238E27FC236}">
-                <a16:creationId xmlns:a16="http://schemas.microsoft.com/office/drawing/2014/main" id="{514B3208-F36E-48BE-AEDA-563A7FDCA8C8}"/>
+          <p:cNvPr id="11" name="正方形/長方形 10">
+            <a:extLst>
+              <a:ext uri="{FF2B5EF4-FFF2-40B4-BE49-F238E27FC236}">
+                <a16:creationId xmlns:a16="http://schemas.microsoft.com/office/drawing/2014/main" id="{8F525938-EB1C-4338-9ADE-D93221847E74}"/>
               </a:ext>
             </a:extLst>
           </p:cNvPr>
@@ -3704,8 +3711,8 @@
         </p:nvSpPr>
         <p:spPr>
           <a:xfrm>
-            <a:off x="1228164" y="779930"/>
-            <a:ext cx="788894" cy="690273"/>
+            <a:off x="5392270" y="877693"/>
+            <a:ext cx="2330824" cy="1138501"/>
           </a:xfrm>
           <a:prstGeom prst="rect">
             <a:avLst/>
@@ -3736,19 +3743,21 @@
           <a:p>
             <a:pPr algn="ctr"/>
             <a:r>
-              <a:rPr kumimoji="1" lang="en-US" altLang="ja-JP" dirty="0"/>
-              <a:t>TP</a:t>
-            </a:r>
-            <a:endParaRPr kumimoji="1" lang="ja-JP" altLang="en-US" dirty="0"/>
-          </a:p>
-        </p:txBody>
-      </p:sp>
-      <p:sp>
-        <p:nvSpPr>
-          <p:cNvPr id="15" name="正方形/長方形 14">
-            <a:extLst>
-              <a:ext uri="{FF2B5EF4-FFF2-40B4-BE49-F238E27FC236}">
-                <a16:creationId xmlns:a16="http://schemas.microsoft.com/office/drawing/2014/main" id="{DFF573B5-F9F5-4A8D-AAE4-16028E280ADA}"/>
+              <a:rPr kumimoji="1" lang="ja-JP" altLang="en-US" b="1" dirty="0">
+                <a:latin typeface="Meiryo UI" panose="020B0604030504040204" pitchFamily="50" charset="-128"/>
+                <a:ea typeface="Meiryo UI" panose="020B0604030504040204" pitchFamily="50" charset="-128"/>
+              </a:rPr>
+              <a:t>真実が正</a:t>
+            </a:r>
+          </a:p>
+        </p:txBody>
+      </p:sp>
+      <p:sp>
+        <p:nvSpPr>
+          <p:cNvPr id="30" name="正方形/長方形 29">
+            <a:extLst>
+              <a:ext uri="{FF2B5EF4-FFF2-40B4-BE49-F238E27FC236}">
+                <a16:creationId xmlns:a16="http://schemas.microsoft.com/office/drawing/2014/main" id="{E1925137-BADD-4389-967B-7866621C4DA6}"/>
               </a:ext>
             </a:extLst>
           </p:cNvPr>
@@ -3757,8 +3766,8 @@
         </p:nvSpPr>
         <p:spPr>
           <a:xfrm>
-            <a:off x="2017058" y="1470201"/>
-            <a:ext cx="1577789" cy="1667447"/>
+            <a:off x="5392270" y="2016193"/>
+            <a:ext cx="2330824" cy="1114425"/>
           </a:xfrm>
           <a:prstGeom prst="rect">
             <a:avLst/>
@@ -3789,19 +3798,21 @@
           <a:p>
             <a:pPr algn="ctr"/>
             <a:r>
-              <a:rPr kumimoji="1" lang="en-US" altLang="ja-JP" dirty="0"/>
-              <a:t>TN</a:t>
-            </a:r>
-            <a:endParaRPr kumimoji="1" lang="ja-JP" altLang="en-US" dirty="0"/>
-          </a:p>
-        </p:txBody>
-      </p:sp>
-      <p:sp>
-        <p:nvSpPr>
-          <p:cNvPr id="16" name="正方形/長方形 15">
-            <a:extLst>
-              <a:ext uri="{FF2B5EF4-FFF2-40B4-BE49-F238E27FC236}">
-                <a16:creationId xmlns:a16="http://schemas.microsoft.com/office/drawing/2014/main" id="{E8C23628-AAB4-439E-B571-9D7B877DE317}"/>
+              <a:rPr kumimoji="1" lang="ja-JP" altLang="en-US" b="1" dirty="0">
+                <a:latin typeface="Meiryo UI" panose="020B0604030504040204" pitchFamily="50" charset="-128"/>
+                <a:ea typeface="Meiryo UI" panose="020B0604030504040204" pitchFamily="50" charset="-128"/>
+              </a:rPr>
+              <a:t>真実が負</a:t>
+            </a:r>
+          </a:p>
+        </p:txBody>
+      </p:sp>
+      <p:sp>
+        <p:nvSpPr>
+          <p:cNvPr id="31" name="正方形/長方形 30">
+            <a:extLst>
+              <a:ext uri="{FF2B5EF4-FFF2-40B4-BE49-F238E27FC236}">
+                <a16:creationId xmlns:a16="http://schemas.microsoft.com/office/drawing/2014/main" id="{CC8C7DEB-15D5-4784-ABDC-C0AD97EEE7D0}"/>
               </a:ext>
             </a:extLst>
           </p:cNvPr>
@@ -3810,12 +3821,15 @@
         </p:nvSpPr>
         <p:spPr>
           <a:xfrm>
-            <a:off x="1228164" y="1470213"/>
-            <a:ext cx="788894" cy="1667436"/>
+            <a:off x="5392270" y="4025767"/>
+            <a:ext cx="1160930" cy="2252925"/>
           </a:xfrm>
           <a:prstGeom prst="rect">
             <a:avLst/>
           </a:prstGeom>
+          <a:solidFill>
+            <a:schemeClr val="accent1"/>
+          </a:solidFill>
         </p:spPr>
         <p:style>
           <a:lnRef idx="2">
@@ -3839,19 +3853,28 @@
           <a:p>
             <a:pPr algn="ctr"/>
             <a:r>
-              <a:rPr kumimoji="1" lang="en-US" altLang="ja-JP" dirty="0"/>
-              <a:t>FP</a:t>
-            </a:r>
-            <a:endParaRPr kumimoji="1" lang="ja-JP" altLang="en-US" dirty="0"/>
-          </a:p>
-        </p:txBody>
-      </p:sp>
-      <p:sp>
-        <p:nvSpPr>
-          <p:cNvPr id="17" name="正方形/長方形 16">
-            <a:extLst>
-              <a:ext uri="{FF2B5EF4-FFF2-40B4-BE49-F238E27FC236}">
-                <a16:creationId xmlns:a16="http://schemas.microsoft.com/office/drawing/2014/main" id="{681DE5B2-8F3C-49E7-A8BB-DE9FC8E5AE93}"/>
+              <a:rPr lang="ja-JP" altLang="en-US" b="1" dirty="0">
+                <a:latin typeface="Meiryo UI" panose="020B0604030504040204" pitchFamily="50" charset="-128"/>
+                <a:ea typeface="Meiryo UI" panose="020B0604030504040204" pitchFamily="50" charset="-128"/>
+              </a:rPr>
+              <a:t>予測</a:t>
+            </a:r>
+            <a:r>
+              <a:rPr kumimoji="1" lang="ja-JP" altLang="en-US" b="1" dirty="0">
+                <a:latin typeface="Meiryo UI" panose="020B0604030504040204" pitchFamily="50" charset="-128"/>
+                <a:ea typeface="Meiryo UI" panose="020B0604030504040204" pitchFamily="50" charset="-128"/>
+              </a:rPr>
+              <a:t>が正</a:t>
+            </a:r>
+          </a:p>
+        </p:txBody>
+      </p:sp>
+      <p:sp>
+        <p:nvSpPr>
+          <p:cNvPr id="32" name="正方形/長方形 31">
+            <a:extLst>
+              <a:ext uri="{FF2B5EF4-FFF2-40B4-BE49-F238E27FC236}">
+                <a16:creationId xmlns:a16="http://schemas.microsoft.com/office/drawing/2014/main" id="{5C485457-960C-4E93-88DB-5E434CD89F23}"/>
               </a:ext>
             </a:extLst>
           </p:cNvPr>
@@ -3860,8 +3883,8 @@
         </p:nvSpPr>
         <p:spPr>
           <a:xfrm>
-            <a:off x="2017058" y="779928"/>
-            <a:ext cx="1577789" cy="690272"/>
+            <a:off x="6553200" y="4025767"/>
+            <a:ext cx="1169894" cy="2252925"/>
           </a:xfrm>
           <a:prstGeom prst="rect">
             <a:avLst/>
@@ -3892,19 +3915,21 @@
           <a:p>
             <a:pPr algn="ctr"/>
             <a:r>
-              <a:rPr kumimoji="1" lang="en-US" altLang="ja-JP" dirty="0"/>
-              <a:t>FN</a:t>
-            </a:r>
-            <a:endParaRPr kumimoji="1" lang="ja-JP" altLang="en-US" dirty="0"/>
-          </a:p>
-        </p:txBody>
-      </p:sp>
-      <p:sp>
-        <p:nvSpPr>
-          <p:cNvPr id="21" name="正方形/長方形 20">
-            <a:extLst>
-              <a:ext uri="{FF2B5EF4-FFF2-40B4-BE49-F238E27FC236}">
-                <a16:creationId xmlns:a16="http://schemas.microsoft.com/office/drawing/2014/main" id="{A8073061-27A5-4CE6-9EE7-1526C3B6C425}"/>
+              <a:rPr kumimoji="1" lang="ja-JP" altLang="en-US" b="1" dirty="0">
+                <a:latin typeface="Meiryo UI" panose="020B0604030504040204" pitchFamily="50" charset="-128"/>
+                <a:ea typeface="Meiryo UI" panose="020B0604030504040204" pitchFamily="50" charset="-128"/>
+              </a:rPr>
+              <a:t>予測が負</a:t>
+            </a:r>
+          </a:p>
+        </p:txBody>
+      </p:sp>
+      <p:sp>
+        <p:nvSpPr>
+          <p:cNvPr id="33" name="正方形/長方形 32">
+            <a:extLst>
+              <a:ext uri="{FF2B5EF4-FFF2-40B4-BE49-F238E27FC236}">
+                <a16:creationId xmlns:a16="http://schemas.microsoft.com/office/drawing/2014/main" id="{5426A07C-DC9D-469B-881E-8DE1FA4049A1}"/>
               </a:ext>
             </a:extLst>
           </p:cNvPr>
@@ -3913,14 +3938,14 @@
         </p:nvSpPr>
         <p:spPr>
           <a:xfrm>
-            <a:off x="6302188" y="968189"/>
-            <a:ext cx="788894" cy="1568821"/>
+            <a:off x="1966074" y="877692"/>
+            <a:ext cx="2330824" cy="2252925"/>
           </a:xfrm>
           <a:prstGeom prst="rect">
             <a:avLst/>
           </a:prstGeom>
           <a:solidFill>
-            <a:schemeClr val="accent2"/>
+            <a:schemeClr val="bg2"/>
           </a:solidFill>
         </p:spPr>
         <p:style>
@@ -3945,19 +3970,24 @@
           <a:p>
             <a:pPr algn="ctr"/>
             <a:r>
-              <a:rPr kumimoji="1" lang="en-US" altLang="ja-JP" dirty="0"/>
-              <a:t>TP</a:t>
-            </a:r>
-            <a:endParaRPr kumimoji="1" lang="ja-JP" altLang="en-US" dirty="0"/>
-          </a:p>
-        </p:txBody>
-      </p:sp>
-      <p:sp>
-        <p:nvSpPr>
-          <p:cNvPr id="22" name="正方形/長方形 21">
-            <a:extLst>
-              <a:ext uri="{FF2B5EF4-FFF2-40B4-BE49-F238E27FC236}">
-                <a16:creationId xmlns:a16="http://schemas.microsoft.com/office/drawing/2014/main" id="{41A4BE9C-0ABC-48C6-AF8F-3021816EE175}"/>
+              <a:rPr kumimoji="1" lang="ja-JP" altLang="en-US" b="1" dirty="0">
+                <a:solidFill>
+                  <a:schemeClr val="tx1"/>
+                </a:solidFill>
+                <a:latin typeface="Meiryo UI" panose="020B0604030504040204" pitchFamily="50" charset="-128"/>
+                <a:ea typeface="Meiryo UI" panose="020B0604030504040204" pitchFamily="50" charset="-128"/>
+              </a:rPr>
+              <a:t>母集団</a:t>
+            </a:r>
+          </a:p>
+        </p:txBody>
+      </p:sp>
+      <p:sp>
+        <p:nvSpPr>
+          <p:cNvPr id="12" name="矢印: 右 11">
+            <a:extLst>
+              <a:ext uri="{FF2B5EF4-FFF2-40B4-BE49-F238E27FC236}">
+                <a16:creationId xmlns:a16="http://schemas.microsoft.com/office/drawing/2014/main" id="{BB2D97C3-0A3E-456C-9DFD-8FDF6FD2ABE3}"/>
               </a:ext>
             </a:extLst>
           </p:cNvPr>
@@ -3966,15 +3996,12 @@
         </p:nvSpPr>
         <p:spPr>
           <a:xfrm>
-            <a:off x="7091082" y="2537005"/>
-            <a:ext cx="1577789" cy="788902"/>
-          </a:xfrm>
-          <a:prstGeom prst="rect">
+            <a:off x="4580964" y="1555087"/>
+            <a:ext cx="524436" cy="781050"/>
+          </a:xfrm>
+          <a:prstGeom prst="rightArrow">
             <a:avLst/>
           </a:prstGeom>
-          <a:solidFill>
-            <a:schemeClr val="accent4"/>
-          </a:solidFill>
         </p:spPr>
         <p:style>
           <a:lnRef idx="2">
@@ -3997,20 +4024,19 @@
           <a:lstStyle/>
           <a:p>
             <a:pPr algn="ctr"/>
-            <a:r>
-              <a:rPr kumimoji="1" lang="en-US" altLang="ja-JP" dirty="0"/>
-              <a:t>TN</a:t>
-            </a:r>
-            <a:endParaRPr kumimoji="1" lang="ja-JP" altLang="en-US" dirty="0"/>
-          </a:p>
-        </p:txBody>
-      </p:sp>
-      <p:sp>
-        <p:nvSpPr>
-          <p:cNvPr id="23" name="正方形/長方形 22">
-            <a:extLst>
-              <a:ext uri="{FF2B5EF4-FFF2-40B4-BE49-F238E27FC236}">
-                <a16:creationId xmlns:a16="http://schemas.microsoft.com/office/drawing/2014/main" id="{F925A0B4-1882-4986-9E25-C685A0A10E93}"/>
+            <a:endParaRPr kumimoji="1" lang="ja-JP" altLang="en-US" b="1">
+              <a:latin typeface="Meiryo UI" panose="020B0604030504040204" pitchFamily="50" charset="-128"/>
+              <a:ea typeface="Meiryo UI" panose="020B0604030504040204" pitchFamily="50" charset="-128"/>
+            </a:endParaRPr>
+          </a:p>
+        </p:txBody>
+      </p:sp>
+      <p:sp>
+        <p:nvSpPr>
+          <p:cNvPr id="36" name="正方形/長方形 35">
+            <a:extLst>
+              <a:ext uri="{FF2B5EF4-FFF2-40B4-BE49-F238E27FC236}">
+                <a16:creationId xmlns:a16="http://schemas.microsoft.com/office/drawing/2014/main" id="{1C8D97F0-255D-49C3-8CDA-665999C19640}"/>
               </a:ext>
             </a:extLst>
           </p:cNvPr>
@@ -4019,12 +4045,15 @@
         </p:nvSpPr>
         <p:spPr>
           <a:xfrm>
-            <a:off x="6302188" y="2537010"/>
-            <a:ext cx="788894" cy="788897"/>
+            <a:off x="1966074" y="4025767"/>
+            <a:ext cx="2330824" cy="2252925"/>
           </a:xfrm>
           <a:prstGeom prst="rect">
             <a:avLst/>
           </a:prstGeom>
+          <a:solidFill>
+            <a:schemeClr val="bg2"/>
+          </a:solidFill>
         </p:spPr>
         <p:style>
           <a:lnRef idx="2">
@@ -4048,19 +4077,24 @@
           <a:p>
             <a:pPr algn="ctr"/>
             <a:r>
-              <a:rPr kumimoji="1" lang="en-US" altLang="ja-JP" dirty="0"/>
-              <a:t>FP</a:t>
-            </a:r>
-            <a:endParaRPr kumimoji="1" lang="ja-JP" altLang="en-US" dirty="0"/>
-          </a:p>
-        </p:txBody>
-      </p:sp>
-      <p:sp>
-        <p:nvSpPr>
-          <p:cNvPr id="24" name="正方形/長方形 23">
-            <a:extLst>
-              <a:ext uri="{FF2B5EF4-FFF2-40B4-BE49-F238E27FC236}">
-                <a16:creationId xmlns:a16="http://schemas.microsoft.com/office/drawing/2014/main" id="{C070C2F0-A7A5-4B27-AB6A-04DDBB3FA920}"/>
+              <a:rPr kumimoji="1" lang="ja-JP" altLang="en-US" b="1" dirty="0">
+                <a:solidFill>
+                  <a:schemeClr val="tx1"/>
+                </a:solidFill>
+                <a:latin typeface="Meiryo UI" panose="020B0604030504040204" pitchFamily="50" charset="-128"/>
+                <a:ea typeface="Meiryo UI" panose="020B0604030504040204" pitchFamily="50" charset="-128"/>
+              </a:rPr>
+              <a:t>母集団</a:t>
+            </a:r>
+          </a:p>
+        </p:txBody>
+      </p:sp>
+      <p:sp>
+        <p:nvSpPr>
+          <p:cNvPr id="37" name="矢印: 右 36">
+            <a:extLst>
+              <a:ext uri="{FF2B5EF4-FFF2-40B4-BE49-F238E27FC236}">
+                <a16:creationId xmlns:a16="http://schemas.microsoft.com/office/drawing/2014/main" id="{14D62261-AF85-4F3A-B98F-20914C564F2D}"/>
               </a:ext>
             </a:extLst>
           </p:cNvPr>
@@ -4069,15 +4103,12 @@
         </p:nvSpPr>
         <p:spPr>
           <a:xfrm>
-            <a:off x="7091082" y="968187"/>
-            <a:ext cx="1577789" cy="1568818"/>
-          </a:xfrm>
-          <a:prstGeom prst="rect">
+            <a:off x="4580964" y="4703162"/>
+            <a:ext cx="524436" cy="781050"/>
+          </a:xfrm>
+          <a:prstGeom prst="rightArrow">
             <a:avLst/>
           </a:prstGeom>
-          <a:solidFill>
-            <a:schemeClr val="accent6"/>
-          </a:solidFill>
         </p:spPr>
         <p:style>
           <a:lnRef idx="2">
@@ -4100,20 +4131,212 @@
           <a:lstStyle/>
           <a:p>
             <a:pPr algn="ctr"/>
-            <a:r>
-              <a:rPr kumimoji="1" lang="en-US" altLang="ja-JP" dirty="0"/>
-              <a:t>FN</a:t>
-            </a:r>
-            <a:endParaRPr kumimoji="1" lang="ja-JP" altLang="en-US" dirty="0"/>
-          </a:p>
-        </p:txBody>
-      </p:sp>
-      <p:sp>
-        <p:nvSpPr>
-          <p:cNvPr id="25" name="正方形/長方形 24">
-            <a:extLst>
-              <a:ext uri="{FF2B5EF4-FFF2-40B4-BE49-F238E27FC236}">
-                <a16:creationId xmlns:a16="http://schemas.microsoft.com/office/drawing/2014/main" id="{6C55D474-188A-4122-885B-9179085EE58C}"/>
+            <a:endParaRPr kumimoji="1" lang="ja-JP" altLang="en-US" b="1">
+              <a:latin typeface="Meiryo UI" panose="020B0604030504040204" pitchFamily="50" charset="-128"/>
+              <a:ea typeface="Meiryo UI" panose="020B0604030504040204" pitchFamily="50" charset="-128"/>
+            </a:endParaRPr>
+          </a:p>
+        </p:txBody>
+      </p:sp>
+      <p:sp>
+        <p:nvSpPr>
+          <p:cNvPr id="38" name="テキスト ボックス 37">
+            <a:extLst>
+              <a:ext uri="{FF2B5EF4-FFF2-40B4-BE49-F238E27FC236}">
+                <a16:creationId xmlns:a16="http://schemas.microsoft.com/office/drawing/2014/main" id="{8788DABC-1F6C-4332-A159-15A6369F824E}"/>
+              </a:ext>
+            </a:extLst>
+          </p:cNvPr>
+          <p:cNvSpPr txBox="1"/>
+          <p:nvPr/>
+        </p:nvSpPr>
+        <p:spPr>
+          <a:xfrm>
+            <a:off x="1966074" y="336101"/>
+            <a:ext cx="5757020" cy="369332"/>
+          </a:xfrm>
+          <a:prstGeom prst="rect">
+            <a:avLst/>
+          </a:prstGeom>
+          <a:noFill/>
+        </p:spPr>
+        <p:txBody>
+          <a:bodyPr wrap="square" rtlCol="0">
+            <a:spAutoFit/>
+          </a:bodyPr>
+          <a:lstStyle/>
+          <a:p>
+            <a:pPr algn="ctr"/>
+            <a:r>
+              <a:rPr kumimoji="1" lang="ja-JP" altLang="en-US" b="1" dirty="0">
+                <a:latin typeface="Meiryo UI" panose="020B0604030504040204" pitchFamily="50" charset="-128"/>
+                <a:ea typeface="Meiryo UI" panose="020B0604030504040204" pitchFamily="50" charset="-128"/>
+              </a:rPr>
+              <a:t>真実で分類</a:t>
+            </a:r>
+          </a:p>
+        </p:txBody>
+      </p:sp>
+      <p:cxnSp>
+        <p:nvCxnSpPr>
+          <p:cNvPr id="39" name="直線コネクタ 38">
+            <a:extLst>
+              <a:ext uri="{FF2B5EF4-FFF2-40B4-BE49-F238E27FC236}">
+                <a16:creationId xmlns:a16="http://schemas.microsoft.com/office/drawing/2014/main" id="{31A02F28-CB87-47F2-B531-2006E9C17EE4}"/>
+              </a:ext>
+            </a:extLst>
+          </p:cNvPr>
+          <p:cNvCxnSpPr>
+            <a:cxnSpLocks/>
+          </p:cNvCxnSpPr>
+          <p:nvPr/>
+        </p:nvCxnSpPr>
+        <p:spPr>
+          <a:xfrm>
+            <a:off x="1966074" y="705433"/>
+            <a:ext cx="5757020" cy="0"/>
+          </a:xfrm>
+          <a:prstGeom prst="line">
+            <a:avLst/>
+          </a:prstGeom>
+          <a:ln w="25400"/>
+        </p:spPr>
+        <p:style>
+          <a:lnRef idx="1">
+            <a:schemeClr val="accent1"/>
+          </a:lnRef>
+          <a:fillRef idx="0">
+            <a:schemeClr val="accent1"/>
+          </a:fillRef>
+          <a:effectRef idx="0">
+            <a:schemeClr val="accent1"/>
+          </a:effectRef>
+          <a:fontRef idx="minor">
+            <a:schemeClr val="tx1"/>
+          </a:fontRef>
+        </p:style>
+      </p:cxnSp>
+      <p:sp>
+        <p:nvSpPr>
+          <p:cNvPr id="43" name="テキスト ボックス 42">
+            <a:extLst>
+              <a:ext uri="{FF2B5EF4-FFF2-40B4-BE49-F238E27FC236}">
+                <a16:creationId xmlns:a16="http://schemas.microsoft.com/office/drawing/2014/main" id="{6B4201C6-31D7-4570-A2EE-1451369B8FE7}"/>
+              </a:ext>
+            </a:extLst>
+          </p:cNvPr>
+          <p:cNvSpPr txBox="1"/>
+          <p:nvPr/>
+        </p:nvSpPr>
+        <p:spPr>
+          <a:xfrm>
+            <a:off x="1966074" y="3542717"/>
+            <a:ext cx="5757020" cy="369332"/>
+          </a:xfrm>
+          <a:prstGeom prst="rect">
+            <a:avLst/>
+          </a:prstGeom>
+          <a:noFill/>
+        </p:spPr>
+        <p:txBody>
+          <a:bodyPr wrap="square" rtlCol="0">
+            <a:spAutoFit/>
+          </a:bodyPr>
+          <a:lstStyle/>
+          <a:p>
+            <a:pPr algn="ctr"/>
+            <a:r>
+              <a:rPr lang="ja-JP" altLang="en-US" b="1" dirty="0">
+                <a:latin typeface="Meiryo UI" panose="020B0604030504040204" pitchFamily="50" charset="-128"/>
+                <a:ea typeface="Meiryo UI" panose="020B0604030504040204" pitchFamily="50" charset="-128"/>
+              </a:rPr>
+              <a:t>予測</a:t>
+            </a:r>
+            <a:r>
+              <a:rPr kumimoji="1" lang="ja-JP" altLang="en-US" b="1" dirty="0">
+                <a:latin typeface="Meiryo UI" panose="020B0604030504040204" pitchFamily="50" charset="-128"/>
+                <a:ea typeface="Meiryo UI" panose="020B0604030504040204" pitchFamily="50" charset="-128"/>
+              </a:rPr>
+              <a:t>で分類</a:t>
+            </a:r>
+          </a:p>
+        </p:txBody>
+      </p:sp>
+      <p:cxnSp>
+        <p:nvCxnSpPr>
+          <p:cNvPr id="44" name="直線コネクタ 43">
+            <a:extLst>
+              <a:ext uri="{FF2B5EF4-FFF2-40B4-BE49-F238E27FC236}">
+                <a16:creationId xmlns:a16="http://schemas.microsoft.com/office/drawing/2014/main" id="{3F58B910-A8A4-4C82-8039-E37C662261FF}"/>
+              </a:ext>
+            </a:extLst>
+          </p:cNvPr>
+          <p:cNvCxnSpPr>
+            <a:cxnSpLocks/>
+          </p:cNvCxnSpPr>
+          <p:nvPr/>
+        </p:nvCxnSpPr>
+        <p:spPr>
+          <a:xfrm>
+            <a:off x="1966074" y="3912049"/>
+            <a:ext cx="5757020" cy="0"/>
+          </a:xfrm>
+          <a:prstGeom prst="line">
+            <a:avLst/>
+          </a:prstGeom>
+          <a:ln w="25400"/>
+        </p:spPr>
+        <p:style>
+          <a:lnRef idx="1">
+            <a:schemeClr val="accent1"/>
+          </a:lnRef>
+          <a:fillRef idx="0">
+            <a:schemeClr val="accent1"/>
+          </a:fillRef>
+          <a:effectRef idx="0">
+            <a:schemeClr val="accent1"/>
+          </a:effectRef>
+          <a:fontRef idx="minor">
+            <a:schemeClr val="tx1"/>
+          </a:fontRef>
+        </p:style>
+      </p:cxnSp>
+    </p:spTree>
+    <p:extLst>
+      <p:ext uri="{BB962C8B-B14F-4D97-AF65-F5344CB8AC3E}">
+        <p14:creationId xmlns:p14="http://schemas.microsoft.com/office/powerpoint/2010/main" val="3602269759"/>
+      </p:ext>
+    </p:extLst>
+  </p:cSld>
+  <p:clrMapOvr>
+    <a:masterClrMapping/>
+  </p:clrMapOvr>
+</p:sld>
+</file>
+
+<file path=ppt/slides/slide3.xml><?xml version="1.0" encoding="utf-8"?>
+<p:sld xmlns:a="http://schemas.openxmlformats.org/drawingml/2006/main" xmlns:r="http://schemas.openxmlformats.org/officeDocument/2006/relationships" xmlns:p="http://schemas.openxmlformats.org/presentationml/2006/main">
+  <p:cSld>
+    <p:spTree>
+      <p:nvGrpSpPr>
+        <p:cNvPr id="1" name=""/>
+        <p:cNvGrpSpPr/>
+        <p:nvPr/>
+      </p:nvGrpSpPr>
+      <p:grpSpPr>
+        <a:xfrm>
+          <a:off x="0" y="0"/>
+          <a:ext cx="0" cy="0"/>
+          <a:chOff x="0" y="0"/>
+          <a:chExt cx="0" cy="0"/>
+        </a:xfrm>
+      </p:grpSpPr>
+      <p:sp>
+        <p:nvSpPr>
+          <p:cNvPr id="14" name="正方形/長方形 13">
+            <a:extLst>
+              <a:ext uri="{FF2B5EF4-FFF2-40B4-BE49-F238E27FC236}">
+                <a16:creationId xmlns:a16="http://schemas.microsoft.com/office/drawing/2014/main" id="{514B3208-F36E-48BE-AEDA-563A7FDCA8C8}"/>
               </a:ext>
             </a:extLst>
           </p:cNvPr>
@@ -4122,8 +4345,8 @@
         </p:nvSpPr>
         <p:spPr>
           <a:xfrm>
-            <a:off x="1694329" y="3720351"/>
-            <a:ext cx="788894" cy="690273"/>
+            <a:off x="1713381" y="635920"/>
+            <a:ext cx="1563219" cy="1540410"/>
           </a:xfrm>
           <a:prstGeom prst="rect">
             <a:avLst/>
@@ -4154,19 +4377,52 @@
           <a:p>
             <a:pPr algn="ctr"/>
             <a:r>
-              <a:rPr kumimoji="1" lang="en-US" altLang="ja-JP" dirty="0"/>
+              <a:rPr kumimoji="1" lang="en-US" altLang="ja-JP" sz="1600" dirty="0">
+                <a:latin typeface="Meiryo UI" panose="020B0604030504040204" pitchFamily="50" charset="-128"/>
+                <a:ea typeface="Meiryo UI" panose="020B0604030504040204" pitchFamily="50" charset="-128"/>
+              </a:rPr>
               <a:t>TP</a:t>
             </a:r>
-            <a:endParaRPr kumimoji="1" lang="ja-JP" altLang="en-US" dirty="0"/>
-          </a:p>
-        </p:txBody>
-      </p:sp>
-      <p:sp>
-        <p:nvSpPr>
-          <p:cNvPr id="26" name="正方形/長方形 25">
-            <a:extLst>
-              <a:ext uri="{FF2B5EF4-FFF2-40B4-BE49-F238E27FC236}">
-                <a16:creationId xmlns:a16="http://schemas.microsoft.com/office/drawing/2014/main" id="{386CAB44-76CA-41C0-BA17-5A2694D7F4EA}"/>
+          </a:p>
+          <a:p>
+            <a:pPr algn="ctr"/>
+            <a:r>
+              <a:rPr kumimoji="1" lang="ja-JP" altLang="en-US" sz="1600" dirty="0">
+                <a:latin typeface="Meiryo UI" panose="020B0604030504040204" pitchFamily="50" charset="-128"/>
+                <a:ea typeface="Meiryo UI" panose="020B0604030504040204" pitchFamily="50" charset="-128"/>
+              </a:rPr>
+              <a:t>（</a:t>
+            </a:r>
+            <a:r>
+              <a:rPr kumimoji="1" lang="en-US" altLang="ja-JP" sz="1600" dirty="0">
+                <a:latin typeface="Meiryo UI" panose="020B0604030504040204" pitchFamily="50" charset="-128"/>
+                <a:ea typeface="Meiryo UI" panose="020B0604030504040204" pitchFamily="50" charset="-128"/>
+              </a:rPr>
+              <a:t>True Positive</a:t>
+            </a:r>
+          </a:p>
+          <a:p>
+            <a:pPr algn="ctr"/>
+            <a:r>
+              <a:rPr lang="ja-JP" altLang="en-US" sz="1600" dirty="0">
+                <a:latin typeface="Meiryo UI" panose="020B0604030504040204" pitchFamily="50" charset="-128"/>
+                <a:ea typeface="Meiryo UI" panose="020B0604030504040204" pitchFamily="50" charset="-128"/>
+              </a:rPr>
+              <a:t>、真陽性）</a:t>
+            </a:r>
+            <a:endParaRPr kumimoji="1" lang="ja-JP" altLang="en-US" sz="1600" dirty="0">
+              <a:latin typeface="Meiryo UI" panose="020B0604030504040204" pitchFamily="50" charset="-128"/>
+              <a:ea typeface="Meiryo UI" panose="020B0604030504040204" pitchFamily="50" charset="-128"/>
+            </a:endParaRPr>
+          </a:p>
+        </p:txBody>
+      </p:sp>
+      <p:sp>
+        <p:nvSpPr>
+          <p:cNvPr id="15" name="正方形/長方形 14">
+            <a:extLst>
+              <a:ext uri="{FF2B5EF4-FFF2-40B4-BE49-F238E27FC236}">
+                <a16:creationId xmlns:a16="http://schemas.microsoft.com/office/drawing/2014/main" id="{DFF573B5-F9F5-4A8D-AAE4-16028E280ADA}"/>
               </a:ext>
             </a:extLst>
           </p:cNvPr>
@@ -4175,8 +4431,8 @@
         </p:nvSpPr>
         <p:spPr>
           <a:xfrm>
-            <a:off x="3012140" y="4410621"/>
-            <a:ext cx="1577789" cy="1667447"/>
+            <a:off x="3276600" y="2176310"/>
+            <a:ext cx="1676400" cy="1451596"/>
           </a:xfrm>
           <a:prstGeom prst="rect">
             <a:avLst/>
@@ -4207,19 +4463,63 @@
           <a:p>
             <a:pPr algn="ctr"/>
             <a:r>
-              <a:rPr kumimoji="1" lang="en-US" altLang="ja-JP" dirty="0"/>
+              <a:rPr kumimoji="1" lang="en-US" altLang="ja-JP" sz="1600" dirty="0">
+                <a:latin typeface="Meiryo UI" panose="020B0604030504040204" pitchFamily="50" charset="-128"/>
+                <a:ea typeface="Meiryo UI" panose="020B0604030504040204" pitchFamily="50" charset="-128"/>
+              </a:rPr>
               <a:t>TN</a:t>
             </a:r>
-            <a:endParaRPr kumimoji="1" lang="ja-JP" altLang="en-US" dirty="0"/>
-          </a:p>
-        </p:txBody>
-      </p:sp>
-      <p:sp>
-        <p:nvSpPr>
-          <p:cNvPr id="27" name="正方形/長方形 26">
-            <a:extLst>
-              <a:ext uri="{FF2B5EF4-FFF2-40B4-BE49-F238E27FC236}">
-                <a16:creationId xmlns:a16="http://schemas.microsoft.com/office/drawing/2014/main" id="{90E69F2B-8FEE-4BE6-BA54-15B05AE9DDBF}"/>
+          </a:p>
+          <a:p>
+            <a:pPr algn="ctr"/>
+            <a:r>
+              <a:rPr lang="ja-JP" altLang="en-US" sz="1600" dirty="0">
+                <a:latin typeface="Meiryo UI" panose="020B0604030504040204" pitchFamily="50" charset="-128"/>
+                <a:ea typeface="Meiryo UI" panose="020B0604030504040204" pitchFamily="50" charset="-128"/>
+              </a:rPr>
+              <a:t>（</a:t>
+            </a:r>
+            <a:r>
+              <a:rPr lang="en-US" altLang="ja-JP" sz="1600" dirty="0">
+                <a:latin typeface="Meiryo UI" panose="020B0604030504040204" pitchFamily="50" charset="-128"/>
+                <a:ea typeface="Meiryo UI" panose="020B0604030504040204" pitchFamily="50" charset="-128"/>
+              </a:rPr>
+              <a:t>True</a:t>
+            </a:r>
+            <a:r>
+              <a:rPr lang="ja-JP" altLang="en-US" sz="1600" dirty="0">
+                <a:latin typeface="Meiryo UI" panose="020B0604030504040204" pitchFamily="50" charset="-128"/>
+                <a:ea typeface="Meiryo UI" panose="020B0604030504040204" pitchFamily="50" charset="-128"/>
+              </a:rPr>
+              <a:t> </a:t>
+            </a:r>
+            <a:r>
+              <a:rPr lang="en-US" altLang="ja-JP" sz="1600" dirty="0">
+                <a:latin typeface="Meiryo UI" panose="020B0604030504040204" pitchFamily="50" charset="-128"/>
+                <a:ea typeface="Meiryo UI" panose="020B0604030504040204" pitchFamily="50" charset="-128"/>
+              </a:rPr>
+              <a:t>Negative</a:t>
+            </a:r>
+            <a:r>
+              <a:rPr lang="ja-JP" altLang="en-US" sz="1600" dirty="0">
+                <a:latin typeface="Meiryo UI" panose="020B0604030504040204" pitchFamily="50" charset="-128"/>
+                <a:ea typeface="Meiryo UI" panose="020B0604030504040204" pitchFamily="50" charset="-128"/>
+              </a:rPr>
+              <a:t>、真陰性）</a:t>
+            </a:r>
+            <a:endParaRPr kumimoji="1" lang="ja-JP" altLang="en-US" sz="1600" dirty="0">
+              <a:latin typeface="Meiryo UI" panose="020B0604030504040204" pitchFamily="50" charset="-128"/>
+              <a:ea typeface="Meiryo UI" panose="020B0604030504040204" pitchFamily="50" charset="-128"/>
+            </a:endParaRPr>
+          </a:p>
+        </p:txBody>
+      </p:sp>
+      <p:sp>
+        <p:nvSpPr>
+          <p:cNvPr id="16" name="正方形/長方形 15">
+            <a:extLst>
+              <a:ext uri="{FF2B5EF4-FFF2-40B4-BE49-F238E27FC236}">
+                <a16:creationId xmlns:a16="http://schemas.microsoft.com/office/drawing/2014/main" id="{E8C23628-AAB4-439E-B571-9D7B877DE317}"/>
               </a:ext>
             </a:extLst>
           </p:cNvPr>
@@ -4228,8 +4528,8 @@
         </p:nvSpPr>
         <p:spPr>
           <a:xfrm>
-            <a:off x="2223246" y="4410633"/>
-            <a:ext cx="788894" cy="1667436"/>
+            <a:off x="1713381" y="2176317"/>
+            <a:ext cx="1563219" cy="1451586"/>
           </a:xfrm>
           <a:prstGeom prst="rect">
             <a:avLst/>
@@ -4257,19 +4557,77 @@
           <a:p>
             <a:pPr algn="ctr"/>
             <a:r>
-              <a:rPr kumimoji="1" lang="en-US" altLang="ja-JP" dirty="0"/>
+              <a:rPr kumimoji="1" lang="en-US" altLang="ja-JP" sz="1600" dirty="0">
+                <a:latin typeface="Meiryo UI" panose="020B0604030504040204" pitchFamily="50" charset="-128"/>
+                <a:ea typeface="Meiryo UI" panose="020B0604030504040204" pitchFamily="50" charset="-128"/>
+              </a:rPr>
               <a:t>FP</a:t>
             </a:r>
-            <a:endParaRPr kumimoji="1" lang="ja-JP" altLang="en-US" dirty="0"/>
-          </a:p>
-        </p:txBody>
-      </p:sp>
-      <p:sp>
-        <p:nvSpPr>
-          <p:cNvPr id="28" name="正方形/長方形 27">
-            <a:extLst>
-              <a:ext uri="{FF2B5EF4-FFF2-40B4-BE49-F238E27FC236}">
-                <a16:creationId xmlns:a16="http://schemas.microsoft.com/office/drawing/2014/main" id="{2B359F94-9239-4DEC-A0D7-9F4EFFDA97A7}"/>
+          </a:p>
+          <a:p>
+            <a:pPr algn="ctr"/>
+            <a:r>
+              <a:rPr lang="ja-JP" altLang="en-US" sz="1600" dirty="0">
+                <a:latin typeface="Meiryo UI" panose="020B0604030504040204" pitchFamily="50" charset="-128"/>
+                <a:ea typeface="Meiryo UI" panose="020B0604030504040204" pitchFamily="50" charset="-128"/>
+              </a:rPr>
+              <a:t>（</a:t>
+            </a:r>
+            <a:r>
+              <a:rPr lang="en-US" altLang="ja-JP" sz="1600" dirty="0">
+                <a:latin typeface="Meiryo UI" panose="020B0604030504040204" pitchFamily="50" charset="-128"/>
+                <a:ea typeface="Meiryo UI" panose="020B0604030504040204" pitchFamily="50" charset="-128"/>
+              </a:rPr>
+              <a:t>False</a:t>
+            </a:r>
+            <a:r>
+              <a:rPr lang="ja-JP" altLang="en-US" sz="1600" dirty="0">
+                <a:latin typeface="Meiryo UI" panose="020B0604030504040204" pitchFamily="50" charset="-128"/>
+                <a:ea typeface="Meiryo UI" panose="020B0604030504040204" pitchFamily="50" charset="-128"/>
+              </a:rPr>
+              <a:t> </a:t>
+            </a:r>
+            <a:r>
+              <a:rPr lang="en-US" altLang="ja-JP" sz="1600" dirty="0">
+                <a:latin typeface="Meiryo UI" panose="020B0604030504040204" pitchFamily="50" charset="-128"/>
+                <a:ea typeface="Meiryo UI" panose="020B0604030504040204" pitchFamily="50" charset="-128"/>
+              </a:rPr>
+              <a:t>Positive</a:t>
+            </a:r>
+            <a:r>
+              <a:rPr lang="ja-JP" altLang="en-US" sz="1600" dirty="0">
+                <a:latin typeface="Meiryo UI" panose="020B0604030504040204" pitchFamily="50" charset="-128"/>
+                <a:ea typeface="Meiryo UI" panose="020B0604030504040204" pitchFamily="50" charset="-128"/>
+              </a:rPr>
+              <a:t>、偽陽性、</a:t>
+            </a:r>
+            <a:r>
+              <a:rPr lang="ja-JP" altLang="en-US" sz="1600" b="1" dirty="0">
+                <a:latin typeface="Meiryo UI" panose="020B0604030504040204" pitchFamily="50" charset="-128"/>
+                <a:ea typeface="Meiryo UI" panose="020B0604030504040204" pitchFamily="50" charset="-128"/>
+              </a:rPr>
+              <a:t>誤検知</a:t>
+            </a:r>
+            <a:r>
+              <a:rPr lang="ja-JP" altLang="en-US" sz="1600" dirty="0">
+                <a:latin typeface="Meiryo UI" panose="020B0604030504040204" pitchFamily="50" charset="-128"/>
+                <a:ea typeface="Meiryo UI" panose="020B0604030504040204" pitchFamily="50" charset="-128"/>
+              </a:rPr>
+              <a:t>）</a:t>
+            </a:r>
+            <a:endParaRPr kumimoji="1" lang="ja-JP" altLang="en-US" sz="1600" dirty="0">
+              <a:latin typeface="Meiryo UI" panose="020B0604030504040204" pitchFamily="50" charset="-128"/>
+              <a:ea typeface="Meiryo UI" panose="020B0604030504040204" pitchFamily="50" charset="-128"/>
+            </a:endParaRPr>
+          </a:p>
+        </p:txBody>
+      </p:sp>
+      <p:sp>
+        <p:nvSpPr>
+          <p:cNvPr id="17" name="正方形/長方形 16">
+            <a:extLst>
+              <a:ext uri="{FF2B5EF4-FFF2-40B4-BE49-F238E27FC236}">
+                <a16:creationId xmlns:a16="http://schemas.microsoft.com/office/drawing/2014/main" id="{681DE5B2-8F3C-49E7-A8BB-DE9FC8E5AE93}"/>
               </a:ext>
             </a:extLst>
           </p:cNvPr>
@@ -4278,8 +4636,8 @@
         </p:nvSpPr>
         <p:spPr>
           <a:xfrm>
-            <a:off x="2483223" y="3720349"/>
-            <a:ext cx="1577789" cy="690272"/>
+            <a:off x="3276600" y="635917"/>
+            <a:ext cx="1676400" cy="1540407"/>
           </a:xfrm>
           <a:prstGeom prst="rect">
             <a:avLst/>
@@ -4310,17 +4668,2466 @@
           <a:p>
             <a:pPr algn="ctr"/>
             <a:r>
+              <a:rPr kumimoji="1" lang="en-US" altLang="ja-JP" sz="1600" dirty="0">
+                <a:latin typeface="Meiryo UI" panose="020B0604030504040204" pitchFamily="50" charset="-128"/>
+                <a:ea typeface="Meiryo UI" panose="020B0604030504040204" pitchFamily="50" charset="-128"/>
+              </a:rPr>
+              <a:t>FN</a:t>
+            </a:r>
+          </a:p>
+          <a:p>
+            <a:pPr algn="ctr"/>
+            <a:r>
+              <a:rPr lang="ja-JP" altLang="en-US" sz="1600" dirty="0">
+                <a:latin typeface="Meiryo UI" panose="020B0604030504040204" pitchFamily="50" charset="-128"/>
+                <a:ea typeface="Meiryo UI" panose="020B0604030504040204" pitchFamily="50" charset="-128"/>
+              </a:rPr>
+              <a:t>（</a:t>
+            </a:r>
+            <a:r>
+              <a:rPr lang="en-US" altLang="ja-JP" sz="1600" dirty="0">
+                <a:latin typeface="Meiryo UI" panose="020B0604030504040204" pitchFamily="50" charset="-128"/>
+                <a:ea typeface="Meiryo UI" panose="020B0604030504040204" pitchFamily="50" charset="-128"/>
+              </a:rPr>
+              <a:t>False</a:t>
+            </a:r>
+            <a:r>
+              <a:rPr lang="ja-JP" altLang="en-US" sz="1600" dirty="0">
+                <a:latin typeface="Meiryo UI" panose="020B0604030504040204" pitchFamily="50" charset="-128"/>
+                <a:ea typeface="Meiryo UI" panose="020B0604030504040204" pitchFamily="50" charset="-128"/>
+              </a:rPr>
+              <a:t> </a:t>
+            </a:r>
+            <a:r>
+              <a:rPr lang="en-US" altLang="ja-JP" sz="1600" dirty="0">
+                <a:latin typeface="Meiryo UI" panose="020B0604030504040204" pitchFamily="50" charset="-128"/>
+                <a:ea typeface="Meiryo UI" panose="020B0604030504040204" pitchFamily="50" charset="-128"/>
+              </a:rPr>
+              <a:t>Negative</a:t>
+            </a:r>
+            <a:r>
+              <a:rPr lang="ja-JP" altLang="en-US" sz="1600" dirty="0">
+                <a:latin typeface="Meiryo UI" panose="020B0604030504040204" pitchFamily="50" charset="-128"/>
+                <a:ea typeface="Meiryo UI" panose="020B0604030504040204" pitchFamily="50" charset="-128"/>
+              </a:rPr>
+              <a:t>、</a:t>
+            </a:r>
+            <a:endParaRPr lang="en-US" altLang="ja-JP" sz="1600" dirty="0">
+              <a:latin typeface="Meiryo UI" panose="020B0604030504040204" pitchFamily="50" charset="-128"/>
+              <a:ea typeface="Meiryo UI" panose="020B0604030504040204" pitchFamily="50" charset="-128"/>
+            </a:endParaRPr>
+          </a:p>
+          <a:p>
+            <a:pPr algn="ctr"/>
+            <a:r>
+              <a:rPr kumimoji="1" lang="ja-JP" altLang="en-US" sz="1600" dirty="0">
+                <a:latin typeface="Meiryo UI" panose="020B0604030504040204" pitchFamily="50" charset="-128"/>
+                <a:ea typeface="Meiryo UI" panose="020B0604030504040204" pitchFamily="50" charset="-128"/>
+              </a:rPr>
+              <a:t>偽陰性、</a:t>
+            </a:r>
+            <a:endParaRPr kumimoji="1" lang="en-US" altLang="ja-JP" sz="1600" dirty="0">
+              <a:latin typeface="Meiryo UI" panose="020B0604030504040204" pitchFamily="50" charset="-128"/>
+              <a:ea typeface="Meiryo UI" panose="020B0604030504040204" pitchFamily="50" charset="-128"/>
+            </a:endParaRPr>
+          </a:p>
+          <a:p>
+            <a:pPr algn="ctr"/>
+            <a:r>
+              <a:rPr lang="ja-JP" altLang="en-US" sz="1600" b="1" dirty="0">
+                <a:latin typeface="Meiryo UI" panose="020B0604030504040204" pitchFamily="50" charset="-128"/>
+                <a:ea typeface="Meiryo UI" panose="020B0604030504040204" pitchFamily="50" charset="-128"/>
+              </a:rPr>
+              <a:t>見逃し</a:t>
+            </a:r>
+            <a:endParaRPr kumimoji="1" lang="ja-JP" altLang="en-US" sz="1600" b="1" dirty="0">
+              <a:latin typeface="Meiryo UI" panose="020B0604030504040204" pitchFamily="50" charset="-128"/>
+              <a:ea typeface="Meiryo UI" panose="020B0604030504040204" pitchFamily="50" charset="-128"/>
+            </a:endParaRPr>
+          </a:p>
+        </p:txBody>
+      </p:sp>
+      <p:sp>
+        <p:nvSpPr>
+          <p:cNvPr id="25" name="正方形/長方形 24">
+            <a:extLst>
+              <a:ext uri="{FF2B5EF4-FFF2-40B4-BE49-F238E27FC236}">
+                <a16:creationId xmlns:a16="http://schemas.microsoft.com/office/drawing/2014/main" id="{6C55D474-188A-4122-885B-9179085EE58C}"/>
+              </a:ext>
+            </a:extLst>
+          </p:cNvPr>
+          <p:cNvSpPr/>
+          <p:nvPr/>
+        </p:nvSpPr>
+        <p:spPr>
+          <a:xfrm>
+            <a:off x="8900830" y="4269464"/>
+            <a:ext cx="788894" cy="690273"/>
+          </a:xfrm>
+          <a:prstGeom prst="rect">
+            <a:avLst/>
+          </a:prstGeom>
+          <a:solidFill>
+            <a:schemeClr val="accent2"/>
+          </a:solidFill>
+        </p:spPr>
+        <p:style>
+          <a:lnRef idx="2">
+            <a:schemeClr val="accent1">
+              <a:shade val="50000"/>
+            </a:schemeClr>
+          </a:lnRef>
+          <a:fillRef idx="1">
+            <a:schemeClr val="accent1"/>
+          </a:fillRef>
+          <a:effectRef idx="0">
+            <a:schemeClr val="accent1"/>
+          </a:effectRef>
+          <a:fontRef idx="minor">
+            <a:schemeClr val="lt1"/>
+          </a:fontRef>
+        </p:style>
+        <p:txBody>
+          <a:bodyPr rtlCol="0" anchor="ctr"/>
+          <a:lstStyle/>
+          <a:p>
+            <a:pPr algn="ctr"/>
+            <a:r>
+              <a:rPr kumimoji="1" lang="en-US" altLang="ja-JP" dirty="0"/>
+              <a:t>TP</a:t>
+            </a:r>
+            <a:endParaRPr kumimoji="1" lang="ja-JP" altLang="en-US" dirty="0"/>
+          </a:p>
+        </p:txBody>
+      </p:sp>
+      <p:sp>
+        <p:nvSpPr>
+          <p:cNvPr id="26" name="正方形/長方形 25">
+            <a:extLst>
+              <a:ext uri="{FF2B5EF4-FFF2-40B4-BE49-F238E27FC236}">
+                <a16:creationId xmlns:a16="http://schemas.microsoft.com/office/drawing/2014/main" id="{386CAB44-76CA-41C0-BA17-5A2694D7F4EA}"/>
+              </a:ext>
+            </a:extLst>
+          </p:cNvPr>
+          <p:cNvSpPr/>
+          <p:nvPr/>
+        </p:nvSpPr>
+        <p:spPr>
+          <a:xfrm>
+            <a:off x="10218641" y="4959734"/>
+            <a:ext cx="1577789" cy="1667447"/>
+          </a:xfrm>
+          <a:prstGeom prst="rect">
+            <a:avLst/>
+          </a:prstGeom>
+          <a:solidFill>
+            <a:schemeClr val="accent4"/>
+          </a:solidFill>
+        </p:spPr>
+        <p:style>
+          <a:lnRef idx="2">
+            <a:schemeClr val="accent1">
+              <a:shade val="50000"/>
+            </a:schemeClr>
+          </a:lnRef>
+          <a:fillRef idx="1">
+            <a:schemeClr val="accent1"/>
+          </a:fillRef>
+          <a:effectRef idx="0">
+            <a:schemeClr val="accent1"/>
+          </a:effectRef>
+          <a:fontRef idx="minor">
+            <a:schemeClr val="lt1"/>
+          </a:fontRef>
+        </p:style>
+        <p:txBody>
+          <a:bodyPr rtlCol="0" anchor="ctr"/>
+          <a:lstStyle/>
+          <a:p>
+            <a:pPr algn="ctr"/>
+            <a:r>
+              <a:rPr kumimoji="1" lang="en-US" altLang="ja-JP" dirty="0"/>
+              <a:t>TN</a:t>
+            </a:r>
+            <a:endParaRPr kumimoji="1" lang="ja-JP" altLang="en-US" dirty="0"/>
+          </a:p>
+        </p:txBody>
+      </p:sp>
+      <p:sp>
+        <p:nvSpPr>
+          <p:cNvPr id="27" name="正方形/長方形 26">
+            <a:extLst>
+              <a:ext uri="{FF2B5EF4-FFF2-40B4-BE49-F238E27FC236}">
+                <a16:creationId xmlns:a16="http://schemas.microsoft.com/office/drawing/2014/main" id="{90E69F2B-8FEE-4BE6-BA54-15B05AE9DDBF}"/>
+              </a:ext>
+            </a:extLst>
+          </p:cNvPr>
+          <p:cNvSpPr/>
+          <p:nvPr/>
+        </p:nvSpPr>
+        <p:spPr>
+          <a:xfrm>
+            <a:off x="9429747" y="4959746"/>
+            <a:ext cx="788894" cy="1667436"/>
+          </a:xfrm>
+          <a:prstGeom prst="rect">
+            <a:avLst/>
+          </a:prstGeom>
+        </p:spPr>
+        <p:style>
+          <a:lnRef idx="2">
+            <a:schemeClr val="accent1">
+              <a:shade val="50000"/>
+            </a:schemeClr>
+          </a:lnRef>
+          <a:fillRef idx="1">
+            <a:schemeClr val="accent1"/>
+          </a:fillRef>
+          <a:effectRef idx="0">
+            <a:schemeClr val="accent1"/>
+          </a:effectRef>
+          <a:fontRef idx="minor">
+            <a:schemeClr val="lt1"/>
+          </a:fontRef>
+        </p:style>
+        <p:txBody>
+          <a:bodyPr rtlCol="0" anchor="ctr"/>
+          <a:lstStyle/>
+          <a:p>
+            <a:pPr algn="ctr"/>
+            <a:r>
+              <a:rPr kumimoji="1" lang="en-US" altLang="ja-JP" dirty="0"/>
+              <a:t>FP</a:t>
+            </a:r>
+            <a:endParaRPr kumimoji="1" lang="ja-JP" altLang="en-US" dirty="0"/>
+          </a:p>
+        </p:txBody>
+      </p:sp>
+      <p:sp>
+        <p:nvSpPr>
+          <p:cNvPr id="28" name="正方形/長方形 27">
+            <a:extLst>
+              <a:ext uri="{FF2B5EF4-FFF2-40B4-BE49-F238E27FC236}">
+                <a16:creationId xmlns:a16="http://schemas.microsoft.com/office/drawing/2014/main" id="{2B359F94-9239-4DEC-A0D7-9F4EFFDA97A7}"/>
+              </a:ext>
+            </a:extLst>
+          </p:cNvPr>
+          <p:cNvSpPr/>
+          <p:nvPr/>
+        </p:nvSpPr>
+        <p:spPr>
+          <a:xfrm>
+            <a:off x="9689724" y="4269462"/>
+            <a:ext cx="1577789" cy="690272"/>
+          </a:xfrm>
+          <a:prstGeom prst="rect">
+            <a:avLst/>
+          </a:prstGeom>
+          <a:solidFill>
+            <a:schemeClr val="accent6"/>
+          </a:solidFill>
+        </p:spPr>
+        <p:style>
+          <a:lnRef idx="2">
+            <a:schemeClr val="accent1">
+              <a:shade val="50000"/>
+            </a:schemeClr>
+          </a:lnRef>
+          <a:fillRef idx="1">
+            <a:schemeClr val="accent1"/>
+          </a:fillRef>
+          <a:effectRef idx="0">
+            <a:schemeClr val="accent1"/>
+          </a:effectRef>
+          <a:fontRef idx="minor">
+            <a:schemeClr val="lt1"/>
+          </a:fontRef>
+        </p:style>
+        <p:txBody>
+          <a:bodyPr rtlCol="0" anchor="ctr"/>
+          <a:lstStyle/>
+          <a:p>
+            <a:pPr algn="ctr"/>
+            <a:r>
               <a:rPr kumimoji="1" lang="en-US" altLang="ja-JP" dirty="0"/>
               <a:t>FN</a:t>
             </a:r>
             <a:endParaRPr kumimoji="1" lang="ja-JP" altLang="en-US" dirty="0"/>
+          </a:p>
+        </p:txBody>
+      </p:sp>
+      <p:sp>
+        <p:nvSpPr>
+          <p:cNvPr id="2" name="テキスト ボックス 1">
+            <a:extLst>
+              <a:ext uri="{FF2B5EF4-FFF2-40B4-BE49-F238E27FC236}">
+                <a16:creationId xmlns:a16="http://schemas.microsoft.com/office/drawing/2014/main" id="{A243AA43-3361-446B-BFD4-88AA711D6F56}"/>
+              </a:ext>
+            </a:extLst>
+          </p:cNvPr>
+          <p:cNvSpPr txBox="1"/>
+          <p:nvPr/>
+        </p:nvSpPr>
+        <p:spPr>
+          <a:xfrm>
+            <a:off x="1819275" y="168629"/>
+            <a:ext cx="1381125" cy="369332"/>
+          </a:xfrm>
+          <a:prstGeom prst="rect">
+            <a:avLst/>
+          </a:prstGeom>
+          <a:noFill/>
+        </p:spPr>
+        <p:txBody>
+          <a:bodyPr wrap="square" rtlCol="0">
+            <a:spAutoFit/>
+          </a:bodyPr>
+          <a:lstStyle/>
+          <a:p>
+            <a:pPr algn="ctr"/>
+            <a:r>
+              <a:rPr lang="ja-JP" altLang="en-US" dirty="0">
+                <a:latin typeface="Meiryo UI" panose="020B0604030504040204" pitchFamily="50" charset="-128"/>
+                <a:ea typeface="Meiryo UI" panose="020B0604030504040204" pitchFamily="50" charset="-128"/>
+              </a:rPr>
+              <a:t>正と予測</a:t>
+            </a:r>
+            <a:endParaRPr kumimoji="1" lang="ja-JP" altLang="en-US" dirty="0">
+              <a:latin typeface="Meiryo UI" panose="020B0604030504040204" pitchFamily="50" charset="-128"/>
+              <a:ea typeface="Meiryo UI" panose="020B0604030504040204" pitchFamily="50" charset="-128"/>
+            </a:endParaRPr>
+          </a:p>
+        </p:txBody>
+      </p:sp>
+      <p:cxnSp>
+        <p:nvCxnSpPr>
+          <p:cNvPr id="4" name="直線コネクタ 3">
+            <a:extLst>
+              <a:ext uri="{FF2B5EF4-FFF2-40B4-BE49-F238E27FC236}">
+                <a16:creationId xmlns:a16="http://schemas.microsoft.com/office/drawing/2014/main" id="{5DE7E6EE-5DE1-4E2B-827C-50CC8ED70F3F}"/>
+              </a:ext>
+            </a:extLst>
+          </p:cNvPr>
+          <p:cNvCxnSpPr>
+            <a:cxnSpLocks/>
+          </p:cNvCxnSpPr>
+          <p:nvPr/>
+        </p:nvCxnSpPr>
+        <p:spPr>
+          <a:xfrm>
+            <a:off x="1819275" y="537962"/>
+            <a:ext cx="1381125" cy="0"/>
+          </a:xfrm>
+          <a:prstGeom prst="line">
+            <a:avLst/>
+          </a:prstGeom>
+          <a:ln w="25400"/>
+        </p:spPr>
+        <p:style>
+          <a:lnRef idx="1">
+            <a:schemeClr val="accent1"/>
+          </a:lnRef>
+          <a:fillRef idx="0">
+            <a:schemeClr val="accent1"/>
+          </a:fillRef>
+          <a:effectRef idx="0">
+            <a:schemeClr val="accent1"/>
+          </a:effectRef>
+          <a:fontRef idx="minor">
+            <a:schemeClr val="tx1"/>
+          </a:fontRef>
+        </p:style>
+      </p:cxnSp>
+      <p:sp>
+        <p:nvSpPr>
+          <p:cNvPr id="18" name="テキスト ボックス 17">
+            <a:extLst>
+              <a:ext uri="{FF2B5EF4-FFF2-40B4-BE49-F238E27FC236}">
+                <a16:creationId xmlns:a16="http://schemas.microsoft.com/office/drawing/2014/main" id="{20989E0F-2881-4334-9633-6B3CF2ECC632}"/>
+              </a:ext>
+            </a:extLst>
+          </p:cNvPr>
+          <p:cNvSpPr txBox="1"/>
+          <p:nvPr/>
+        </p:nvSpPr>
+        <p:spPr>
+          <a:xfrm>
+            <a:off x="3381375" y="168627"/>
+            <a:ext cx="1495426" cy="369332"/>
+          </a:xfrm>
+          <a:prstGeom prst="rect">
+            <a:avLst/>
+          </a:prstGeom>
+          <a:noFill/>
+        </p:spPr>
+        <p:txBody>
+          <a:bodyPr wrap="square" rtlCol="0">
+            <a:spAutoFit/>
+          </a:bodyPr>
+          <a:lstStyle/>
+          <a:p>
+            <a:pPr algn="ctr"/>
+            <a:r>
+              <a:rPr lang="ja-JP" altLang="en-US" dirty="0">
+                <a:latin typeface="Meiryo UI" panose="020B0604030504040204" pitchFamily="50" charset="-128"/>
+                <a:ea typeface="Meiryo UI" panose="020B0604030504040204" pitchFamily="50" charset="-128"/>
+              </a:rPr>
+              <a:t>負と予測</a:t>
+            </a:r>
+            <a:endParaRPr kumimoji="1" lang="ja-JP" altLang="en-US" dirty="0">
+              <a:latin typeface="Meiryo UI" panose="020B0604030504040204" pitchFamily="50" charset="-128"/>
+              <a:ea typeface="Meiryo UI" panose="020B0604030504040204" pitchFamily="50" charset="-128"/>
+            </a:endParaRPr>
+          </a:p>
+        </p:txBody>
+      </p:sp>
+      <p:cxnSp>
+        <p:nvCxnSpPr>
+          <p:cNvPr id="19" name="直線コネクタ 18">
+            <a:extLst>
+              <a:ext uri="{FF2B5EF4-FFF2-40B4-BE49-F238E27FC236}">
+                <a16:creationId xmlns:a16="http://schemas.microsoft.com/office/drawing/2014/main" id="{E6348559-54C9-4FA3-B992-E6265840CB61}"/>
+              </a:ext>
+            </a:extLst>
+          </p:cNvPr>
+          <p:cNvCxnSpPr>
+            <a:cxnSpLocks/>
+          </p:cNvCxnSpPr>
+          <p:nvPr/>
+        </p:nvCxnSpPr>
+        <p:spPr>
+          <a:xfrm>
+            <a:off x="3381375" y="537960"/>
+            <a:ext cx="1495426" cy="0"/>
+          </a:xfrm>
+          <a:prstGeom prst="line">
+            <a:avLst/>
+          </a:prstGeom>
+          <a:ln w="25400"/>
+        </p:spPr>
+        <p:style>
+          <a:lnRef idx="1">
+            <a:schemeClr val="accent1"/>
+          </a:lnRef>
+          <a:fillRef idx="0">
+            <a:schemeClr val="accent1"/>
+          </a:fillRef>
+          <a:effectRef idx="0">
+            <a:schemeClr val="accent1"/>
+          </a:effectRef>
+          <a:fontRef idx="minor">
+            <a:schemeClr val="tx1"/>
+          </a:fontRef>
+        </p:style>
+      </p:cxnSp>
+      <p:sp>
+        <p:nvSpPr>
+          <p:cNvPr id="6" name="正方形/長方形 5">
+            <a:extLst>
+              <a:ext uri="{FF2B5EF4-FFF2-40B4-BE49-F238E27FC236}">
+                <a16:creationId xmlns:a16="http://schemas.microsoft.com/office/drawing/2014/main" id="{B938064B-0231-48DA-98D4-A971BCD66417}"/>
+              </a:ext>
+            </a:extLst>
+          </p:cNvPr>
+          <p:cNvSpPr/>
+          <p:nvPr/>
+        </p:nvSpPr>
+        <p:spPr>
+          <a:xfrm>
+            <a:off x="458883" y="635917"/>
+            <a:ext cx="1160367" cy="1540391"/>
+          </a:xfrm>
+          <a:prstGeom prst="rect">
+            <a:avLst/>
+          </a:prstGeom>
+          <a:solidFill>
+            <a:schemeClr val="bg2"/>
+          </a:solidFill>
+        </p:spPr>
+        <p:style>
+          <a:lnRef idx="2">
+            <a:schemeClr val="accent1">
+              <a:shade val="50000"/>
+            </a:schemeClr>
+          </a:lnRef>
+          <a:fillRef idx="1">
+            <a:schemeClr val="accent1"/>
+          </a:fillRef>
+          <a:effectRef idx="0">
+            <a:schemeClr val="accent1"/>
+          </a:effectRef>
+          <a:fontRef idx="minor">
+            <a:schemeClr val="lt1"/>
+          </a:fontRef>
+        </p:style>
+        <p:txBody>
+          <a:bodyPr rtlCol="0" anchor="ctr"/>
+          <a:lstStyle/>
+          <a:p>
+            <a:pPr algn="ctr"/>
+            <a:r>
+              <a:rPr kumimoji="1" lang="ja-JP" altLang="en-US" dirty="0">
+                <a:solidFill>
+                  <a:schemeClr val="tx1"/>
+                </a:solidFill>
+                <a:latin typeface="Meiryo UI" panose="020B0604030504040204" pitchFamily="50" charset="-128"/>
+                <a:ea typeface="Meiryo UI" panose="020B0604030504040204" pitchFamily="50" charset="-128"/>
+              </a:rPr>
+              <a:t>正例</a:t>
+            </a:r>
+          </a:p>
+        </p:txBody>
+      </p:sp>
+      <p:sp>
+        <p:nvSpPr>
+          <p:cNvPr id="29" name="正方形/長方形 28">
+            <a:extLst>
+              <a:ext uri="{FF2B5EF4-FFF2-40B4-BE49-F238E27FC236}">
+                <a16:creationId xmlns:a16="http://schemas.microsoft.com/office/drawing/2014/main" id="{54040D69-76FC-4395-A088-CCCDED5F5723}"/>
+              </a:ext>
+            </a:extLst>
+          </p:cNvPr>
+          <p:cNvSpPr/>
+          <p:nvPr/>
+        </p:nvSpPr>
+        <p:spPr>
+          <a:xfrm>
+            <a:off x="458883" y="2176308"/>
+            <a:ext cx="1160367" cy="1451586"/>
+          </a:xfrm>
+          <a:prstGeom prst="rect">
+            <a:avLst/>
+          </a:prstGeom>
+          <a:solidFill>
+            <a:schemeClr val="bg2"/>
+          </a:solidFill>
+        </p:spPr>
+        <p:style>
+          <a:lnRef idx="2">
+            <a:schemeClr val="accent1">
+              <a:shade val="50000"/>
+            </a:schemeClr>
+          </a:lnRef>
+          <a:fillRef idx="1">
+            <a:schemeClr val="accent1"/>
+          </a:fillRef>
+          <a:effectRef idx="0">
+            <a:schemeClr val="accent1"/>
+          </a:effectRef>
+          <a:fontRef idx="minor">
+            <a:schemeClr val="lt1"/>
+          </a:fontRef>
+        </p:style>
+        <p:txBody>
+          <a:bodyPr rtlCol="0" anchor="ctr"/>
+          <a:lstStyle/>
+          <a:p>
+            <a:pPr algn="ctr"/>
+            <a:r>
+              <a:rPr kumimoji="1" lang="ja-JP" altLang="en-US" dirty="0">
+                <a:solidFill>
+                  <a:schemeClr val="tx1"/>
+                </a:solidFill>
+                <a:latin typeface="Meiryo UI" panose="020B0604030504040204" pitchFamily="50" charset="-128"/>
+                <a:ea typeface="Meiryo UI" panose="020B0604030504040204" pitchFamily="50" charset="-128"/>
+              </a:rPr>
+              <a:t>負例</a:t>
+            </a:r>
+          </a:p>
+        </p:txBody>
+      </p:sp>
+      <p:sp>
+        <p:nvSpPr>
+          <p:cNvPr id="34" name="正方形/長方形 33">
+            <a:extLst>
+              <a:ext uri="{FF2B5EF4-FFF2-40B4-BE49-F238E27FC236}">
+                <a16:creationId xmlns:a16="http://schemas.microsoft.com/office/drawing/2014/main" id="{48C9BAB8-4C74-45A4-8A6F-66025B50BCE4}"/>
+              </a:ext>
+            </a:extLst>
+          </p:cNvPr>
+          <p:cNvSpPr/>
+          <p:nvPr/>
+        </p:nvSpPr>
+        <p:spPr>
+          <a:xfrm>
+            <a:off x="7239000" y="702999"/>
+            <a:ext cx="1563219" cy="1540410"/>
+          </a:xfrm>
+          <a:prstGeom prst="rect">
+            <a:avLst/>
+          </a:prstGeom>
+          <a:solidFill>
+            <a:schemeClr val="bg1">
+              <a:lumMod val="95000"/>
+            </a:schemeClr>
+          </a:solidFill>
+          <a:ln>
+            <a:solidFill>
+              <a:schemeClr val="bg1">
+                <a:lumMod val="65000"/>
+              </a:schemeClr>
+            </a:solidFill>
+          </a:ln>
+        </p:spPr>
+        <p:style>
+          <a:lnRef idx="2">
+            <a:schemeClr val="accent1">
+              <a:shade val="50000"/>
+            </a:schemeClr>
+          </a:lnRef>
+          <a:fillRef idx="1">
+            <a:schemeClr val="accent1"/>
+          </a:fillRef>
+          <a:effectRef idx="0">
+            <a:schemeClr val="accent1"/>
+          </a:effectRef>
+          <a:fontRef idx="minor">
+            <a:schemeClr val="lt1"/>
+          </a:fontRef>
+        </p:style>
+        <p:txBody>
+          <a:bodyPr rtlCol="0" anchor="ctr"/>
+          <a:lstStyle/>
+          <a:p>
+            <a:pPr algn="ctr"/>
+            <a:r>
+              <a:rPr kumimoji="1" lang="en-US" altLang="ja-JP" sz="1600" dirty="0">
+                <a:solidFill>
+                  <a:schemeClr val="tx1"/>
+                </a:solidFill>
+                <a:latin typeface="Meiryo UI" panose="020B0604030504040204" pitchFamily="50" charset="-128"/>
+                <a:ea typeface="Meiryo UI" panose="020B0604030504040204" pitchFamily="50" charset="-128"/>
+              </a:rPr>
+              <a:t>TP</a:t>
+            </a:r>
+          </a:p>
+          <a:p>
+            <a:pPr algn="ctr"/>
+            <a:r>
+              <a:rPr kumimoji="1" lang="ja-JP" altLang="en-US" sz="1600" dirty="0">
+                <a:solidFill>
+                  <a:schemeClr val="tx1"/>
+                </a:solidFill>
+                <a:latin typeface="Meiryo UI" panose="020B0604030504040204" pitchFamily="50" charset="-128"/>
+                <a:ea typeface="Meiryo UI" panose="020B0604030504040204" pitchFamily="50" charset="-128"/>
+              </a:rPr>
+              <a:t>（</a:t>
+            </a:r>
+            <a:r>
+              <a:rPr kumimoji="1" lang="en-US" altLang="ja-JP" sz="1600" dirty="0">
+                <a:solidFill>
+                  <a:schemeClr val="tx1"/>
+                </a:solidFill>
+                <a:latin typeface="Meiryo UI" panose="020B0604030504040204" pitchFamily="50" charset="-128"/>
+                <a:ea typeface="Meiryo UI" panose="020B0604030504040204" pitchFamily="50" charset="-128"/>
+              </a:rPr>
+              <a:t>True Positive</a:t>
+            </a:r>
+          </a:p>
+          <a:p>
+            <a:pPr algn="ctr"/>
+            <a:r>
+              <a:rPr lang="ja-JP" altLang="en-US" sz="1600" dirty="0">
+                <a:solidFill>
+                  <a:schemeClr val="tx1"/>
+                </a:solidFill>
+                <a:latin typeface="Meiryo UI" panose="020B0604030504040204" pitchFamily="50" charset="-128"/>
+                <a:ea typeface="Meiryo UI" panose="020B0604030504040204" pitchFamily="50" charset="-128"/>
+              </a:rPr>
+              <a:t>、真陽性）</a:t>
+            </a:r>
+            <a:endParaRPr kumimoji="1" lang="ja-JP" altLang="en-US" sz="1600" dirty="0">
+              <a:solidFill>
+                <a:schemeClr val="tx1"/>
+              </a:solidFill>
+              <a:latin typeface="Meiryo UI" panose="020B0604030504040204" pitchFamily="50" charset="-128"/>
+              <a:ea typeface="Meiryo UI" panose="020B0604030504040204" pitchFamily="50" charset="-128"/>
+            </a:endParaRPr>
+          </a:p>
+        </p:txBody>
+      </p:sp>
+      <p:sp>
+        <p:nvSpPr>
+          <p:cNvPr id="35" name="正方形/長方形 34">
+            <a:extLst>
+              <a:ext uri="{FF2B5EF4-FFF2-40B4-BE49-F238E27FC236}">
+                <a16:creationId xmlns:a16="http://schemas.microsoft.com/office/drawing/2014/main" id="{13B96067-C03D-4A11-AA81-C9048902386D}"/>
+              </a:ext>
+            </a:extLst>
+          </p:cNvPr>
+          <p:cNvSpPr/>
+          <p:nvPr/>
+        </p:nvSpPr>
+        <p:spPr>
+          <a:xfrm>
+            <a:off x="8802219" y="2243389"/>
+            <a:ext cx="1676400" cy="1451596"/>
+          </a:xfrm>
+          <a:prstGeom prst="rect">
+            <a:avLst/>
+          </a:prstGeom>
+          <a:solidFill>
+            <a:schemeClr val="bg2">
+              <a:lumMod val="75000"/>
+            </a:schemeClr>
+          </a:solidFill>
+          <a:ln>
+            <a:solidFill>
+              <a:schemeClr val="bg1">
+                <a:lumMod val="65000"/>
+              </a:schemeClr>
+            </a:solidFill>
+          </a:ln>
+        </p:spPr>
+        <p:style>
+          <a:lnRef idx="2">
+            <a:schemeClr val="accent1">
+              <a:shade val="50000"/>
+            </a:schemeClr>
+          </a:lnRef>
+          <a:fillRef idx="1">
+            <a:schemeClr val="accent1"/>
+          </a:fillRef>
+          <a:effectRef idx="0">
+            <a:schemeClr val="accent1"/>
+          </a:effectRef>
+          <a:fontRef idx="minor">
+            <a:schemeClr val="lt1"/>
+          </a:fontRef>
+        </p:style>
+        <p:txBody>
+          <a:bodyPr rtlCol="0" anchor="ctr"/>
+          <a:lstStyle/>
+          <a:p>
+            <a:pPr algn="ctr"/>
+            <a:r>
+              <a:rPr kumimoji="1" lang="en-US" altLang="ja-JP" sz="1600" dirty="0">
+                <a:solidFill>
+                  <a:schemeClr val="tx1"/>
+                </a:solidFill>
+                <a:latin typeface="Meiryo UI" panose="020B0604030504040204" pitchFamily="50" charset="-128"/>
+                <a:ea typeface="Meiryo UI" panose="020B0604030504040204" pitchFamily="50" charset="-128"/>
+              </a:rPr>
+              <a:t>TN</a:t>
+            </a:r>
+          </a:p>
+          <a:p>
+            <a:pPr algn="ctr"/>
+            <a:r>
+              <a:rPr lang="ja-JP" altLang="en-US" sz="1600" dirty="0">
+                <a:solidFill>
+                  <a:schemeClr val="tx1"/>
+                </a:solidFill>
+                <a:latin typeface="Meiryo UI" panose="020B0604030504040204" pitchFamily="50" charset="-128"/>
+                <a:ea typeface="Meiryo UI" panose="020B0604030504040204" pitchFamily="50" charset="-128"/>
+              </a:rPr>
+              <a:t>（</a:t>
+            </a:r>
+            <a:r>
+              <a:rPr lang="en-US" altLang="ja-JP" sz="1600" dirty="0">
+                <a:solidFill>
+                  <a:schemeClr val="tx1"/>
+                </a:solidFill>
+                <a:latin typeface="Meiryo UI" panose="020B0604030504040204" pitchFamily="50" charset="-128"/>
+                <a:ea typeface="Meiryo UI" panose="020B0604030504040204" pitchFamily="50" charset="-128"/>
+              </a:rPr>
+              <a:t>True</a:t>
+            </a:r>
+            <a:r>
+              <a:rPr lang="ja-JP" altLang="en-US" sz="1600" dirty="0">
+                <a:solidFill>
+                  <a:schemeClr val="tx1"/>
+                </a:solidFill>
+                <a:latin typeface="Meiryo UI" panose="020B0604030504040204" pitchFamily="50" charset="-128"/>
+                <a:ea typeface="Meiryo UI" panose="020B0604030504040204" pitchFamily="50" charset="-128"/>
+              </a:rPr>
+              <a:t> </a:t>
+            </a:r>
+            <a:r>
+              <a:rPr lang="en-US" altLang="ja-JP" sz="1600" dirty="0">
+                <a:solidFill>
+                  <a:schemeClr val="tx1"/>
+                </a:solidFill>
+                <a:latin typeface="Meiryo UI" panose="020B0604030504040204" pitchFamily="50" charset="-128"/>
+                <a:ea typeface="Meiryo UI" panose="020B0604030504040204" pitchFamily="50" charset="-128"/>
+              </a:rPr>
+              <a:t>Negative</a:t>
+            </a:r>
+            <a:r>
+              <a:rPr lang="ja-JP" altLang="en-US" sz="1600" dirty="0">
+                <a:solidFill>
+                  <a:schemeClr val="tx1"/>
+                </a:solidFill>
+                <a:latin typeface="Meiryo UI" panose="020B0604030504040204" pitchFamily="50" charset="-128"/>
+                <a:ea typeface="Meiryo UI" panose="020B0604030504040204" pitchFamily="50" charset="-128"/>
+              </a:rPr>
+              <a:t>、真陰性）</a:t>
+            </a:r>
+            <a:endParaRPr kumimoji="1" lang="ja-JP" altLang="en-US" sz="1600" dirty="0">
+              <a:solidFill>
+                <a:schemeClr val="tx1"/>
+              </a:solidFill>
+              <a:latin typeface="Meiryo UI" panose="020B0604030504040204" pitchFamily="50" charset="-128"/>
+              <a:ea typeface="Meiryo UI" panose="020B0604030504040204" pitchFamily="50" charset="-128"/>
+            </a:endParaRPr>
+          </a:p>
+        </p:txBody>
+      </p:sp>
+      <p:sp>
+        <p:nvSpPr>
+          <p:cNvPr id="36" name="正方形/長方形 35">
+            <a:extLst>
+              <a:ext uri="{FF2B5EF4-FFF2-40B4-BE49-F238E27FC236}">
+                <a16:creationId xmlns:a16="http://schemas.microsoft.com/office/drawing/2014/main" id="{E677D2B2-D9E6-4C1D-9E4C-DCB3DEC8B803}"/>
+              </a:ext>
+            </a:extLst>
+          </p:cNvPr>
+          <p:cNvSpPr/>
+          <p:nvPr/>
+        </p:nvSpPr>
+        <p:spPr>
+          <a:xfrm>
+            <a:off x="7239000" y="2243396"/>
+            <a:ext cx="1563219" cy="1451586"/>
+          </a:xfrm>
+          <a:prstGeom prst="rect">
+            <a:avLst/>
+          </a:prstGeom>
+          <a:solidFill>
+            <a:schemeClr val="bg2">
+              <a:lumMod val="90000"/>
+            </a:schemeClr>
+          </a:solidFill>
+          <a:ln>
+            <a:solidFill>
+              <a:schemeClr val="bg1">
+                <a:lumMod val="65000"/>
+              </a:schemeClr>
+            </a:solidFill>
+          </a:ln>
+        </p:spPr>
+        <p:style>
+          <a:lnRef idx="2">
+            <a:schemeClr val="accent1">
+              <a:shade val="50000"/>
+            </a:schemeClr>
+          </a:lnRef>
+          <a:fillRef idx="1">
+            <a:schemeClr val="accent1"/>
+          </a:fillRef>
+          <a:effectRef idx="0">
+            <a:schemeClr val="accent1"/>
+          </a:effectRef>
+          <a:fontRef idx="minor">
+            <a:schemeClr val="lt1"/>
+          </a:fontRef>
+        </p:style>
+        <p:txBody>
+          <a:bodyPr rtlCol="0" anchor="ctr"/>
+          <a:lstStyle/>
+          <a:p>
+            <a:pPr algn="ctr"/>
+            <a:r>
+              <a:rPr kumimoji="1" lang="en-US" altLang="ja-JP" sz="1600" dirty="0">
+                <a:solidFill>
+                  <a:schemeClr val="tx1"/>
+                </a:solidFill>
+                <a:latin typeface="Meiryo UI" panose="020B0604030504040204" pitchFamily="50" charset="-128"/>
+                <a:ea typeface="Meiryo UI" panose="020B0604030504040204" pitchFamily="50" charset="-128"/>
+              </a:rPr>
+              <a:t>FP</a:t>
+            </a:r>
+          </a:p>
+          <a:p>
+            <a:pPr algn="ctr"/>
+            <a:r>
+              <a:rPr lang="ja-JP" altLang="en-US" sz="1600" dirty="0">
+                <a:solidFill>
+                  <a:schemeClr val="tx1"/>
+                </a:solidFill>
+                <a:latin typeface="Meiryo UI" panose="020B0604030504040204" pitchFamily="50" charset="-128"/>
+                <a:ea typeface="Meiryo UI" panose="020B0604030504040204" pitchFamily="50" charset="-128"/>
+              </a:rPr>
+              <a:t>（</a:t>
+            </a:r>
+            <a:r>
+              <a:rPr lang="en-US" altLang="ja-JP" sz="1600" dirty="0">
+                <a:solidFill>
+                  <a:schemeClr val="tx1"/>
+                </a:solidFill>
+                <a:latin typeface="Meiryo UI" panose="020B0604030504040204" pitchFamily="50" charset="-128"/>
+                <a:ea typeface="Meiryo UI" panose="020B0604030504040204" pitchFamily="50" charset="-128"/>
+              </a:rPr>
+              <a:t>False</a:t>
+            </a:r>
+            <a:r>
+              <a:rPr lang="ja-JP" altLang="en-US" sz="1600" dirty="0">
+                <a:solidFill>
+                  <a:schemeClr val="tx1"/>
+                </a:solidFill>
+                <a:latin typeface="Meiryo UI" panose="020B0604030504040204" pitchFamily="50" charset="-128"/>
+                <a:ea typeface="Meiryo UI" panose="020B0604030504040204" pitchFamily="50" charset="-128"/>
+              </a:rPr>
+              <a:t> </a:t>
+            </a:r>
+            <a:r>
+              <a:rPr lang="en-US" altLang="ja-JP" sz="1600" dirty="0">
+                <a:solidFill>
+                  <a:schemeClr val="tx1"/>
+                </a:solidFill>
+                <a:latin typeface="Meiryo UI" panose="020B0604030504040204" pitchFamily="50" charset="-128"/>
+                <a:ea typeface="Meiryo UI" panose="020B0604030504040204" pitchFamily="50" charset="-128"/>
+              </a:rPr>
+              <a:t>Positive</a:t>
+            </a:r>
+            <a:r>
+              <a:rPr lang="ja-JP" altLang="en-US" sz="1600" dirty="0">
+                <a:solidFill>
+                  <a:schemeClr val="tx1"/>
+                </a:solidFill>
+                <a:latin typeface="Meiryo UI" panose="020B0604030504040204" pitchFamily="50" charset="-128"/>
+                <a:ea typeface="Meiryo UI" panose="020B0604030504040204" pitchFamily="50" charset="-128"/>
+              </a:rPr>
+              <a:t>、偽陽性、</a:t>
+            </a:r>
+            <a:r>
+              <a:rPr lang="ja-JP" altLang="en-US" sz="1600" b="1" dirty="0">
+                <a:solidFill>
+                  <a:schemeClr val="tx1"/>
+                </a:solidFill>
+                <a:latin typeface="Meiryo UI" panose="020B0604030504040204" pitchFamily="50" charset="-128"/>
+                <a:ea typeface="Meiryo UI" panose="020B0604030504040204" pitchFamily="50" charset="-128"/>
+              </a:rPr>
+              <a:t>誤検知</a:t>
+            </a:r>
+            <a:r>
+              <a:rPr lang="ja-JP" altLang="en-US" sz="1600" dirty="0">
+                <a:solidFill>
+                  <a:schemeClr val="tx1"/>
+                </a:solidFill>
+                <a:latin typeface="Meiryo UI" panose="020B0604030504040204" pitchFamily="50" charset="-128"/>
+                <a:ea typeface="Meiryo UI" panose="020B0604030504040204" pitchFamily="50" charset="-128"/>
+              </a:rPr>
+              <a:t>）</a:t>
+            </a:r>
+            <a:endParaRPr kumimoji="1" lang="ja-JP" altLang="en-US" sz="1600" dirty="0">
+              <a:solidFill>
+                <a:schemeClr val="tx1"/>
+              </a:solidFill>
+              <a:latin typeface="Meiryo UI" panose="020B0604030504040204" pitchFamily="50" charset="-128"/>
+              <a:ea typeface="Meiryo UI" panose="020B0604030504040204" pitchFamily="50" charset="-128"/>
+            </a:endParaRPr>
+          </a:p>
+        </p:txBody>
+      </p:sp>
+      <p:sp>
+        <p:nvSpPr>
+          <p:cNvPr id="37" name="正方形/長方形 36">
+            <a:extLst>
+              <a:ext uri="{FF2B5EF4-FFF2-40B4-BE49-F238E27FC236}">
+                <a16:creationId xmlns:a16="http://schemas.microsoft.com/office/drawing/2014/main" id="{119DDC4C-D516-4D00-981F-55F13B53C41E}"/>
+              </a:ext>
+            </a:extLst>
+          </p:cNvPr>
+          <p:cNvSpPr/>
+          <p:nvPr/>
+        </p:nvSpPr>
+        <p:spPr>
+          <a:xfrm>
+            <a:off x="8802219" y="702996"/>
+            <a:ext cx="1676400" cy="1540407"/>
+          </a:xfrm>
+          <a:prstGeom prst="rect">
+            <a:avLst/>
+          </a:prstGeom>
+          <a:solidFill>
+            <a:schemeClr val="bg2">
+              <a:lumMod val="90000"/>
+            </a:schemeClr>
+          </a:solidFill>
+          <a:ln>
+            <a:solidFill>
+              <a:schemeClr val="bg1">
+                <a:lumMod val="65000"/>
+              </a:schemeClr>
+            </a:solidFill>
+          </a:ln>
+        </p:spPr>
+        <p:style>
+          <a:lnRef idx="2">
+            <a:schemeClr val="accent1">
+              <a:shade val="50000"/>
+            </a:schemeClr>
+          </a:lnRef>
+          <a:fillRef idx="1">
+            <a:schemeClr val="accent1"/>
+          </a:fillRef>
+          <a:effectRef idx="0">
+            <a:schemeClr val="accent1"/>
+          </a:effectRef>
+          <a:fontRef idx="minor">
+            <a:schemeClr val="lt1"/>
+          </a:fontRef>
+        </p:style>
+        <p:txBody>
+          <a:bodyPr rtlCol="0" anchor="ctr"/>
+          <a:lstStyle/>
+          <a:p>
+            <a:pPr algn="ctr"/>
+            <a:r>
+              <a:rPr kumimoji="1" lang="en-US" altLang="ja-JP" sz="1600" dirty="0">
+                <a:solidFill>
+                  <a:schemeClr val="tx1"/>
+                </a:solidFill>
+                <a:latin typeface="Meiryo UI" panose="020B0604030504040204" pitchFamily="50" charset="-128"/>
+                <a:ea typeface="Meiryo UI" panose="020B0604030504040204" pitchFamily="50" charset="-128"/>
+              </a:rPr>
+              <a:t>FN</a:t>
+            </a:r>
+          </a:p>
+          <a:p>
+            <a:pPr algn="ctr"/>
+            <a:r>
+              <a:rPr lang="ja-JP" altLang="en-US" sz="1600" dirty="0">
+                <a:solidFill>
+                  <a:schemeClr val="tx1"/>
+                </a:solidFill>
+                <a:latin typeface="Meiryo UI" panose="020B0604030504040204" pitchFamily="50" charset="-128"/>
+                <a:ea typeface="Meiryo UI" panose="020B0604030504040204" pitchFamily="50" charset="-128"/>
+              </a:rPr>
+              <a:t>（</a:t>
+            </a:r>
+            <a:r>
+              <a:rPr lang="en-US" altLang="ja-JP" sz="1600" dirty="0">
+                <a:solidFill>
+                  <a:schemeClr val="tx1"/>
+                </a:solidFill>
+                <a:latin typeface="Meiryo UI" panose="020B0604030504040204" pitchFamily="50" charset="-128"/>
+                <a:ea typeface="Meiryo UI" panose="020B0604030504040204" pitchFamily="50" charset="-128"/>
+              </a:rPr>
+              <a:t>False</a:t>
+            </a:r>
+            <a:r>
+              <a:rPr lang="ja-JP" altLang="en-US" sz="1600" dirty="0">
+                <a:solidFill>
+                  <a:schemeClr val="tx1"/>
+                </a:solidFill>
+                <a:latin typeface="Meiryo UI" panose="020B0604030504040204" pitchFamily="50" charset="-128"/>
+                <a:ea typeface="Meiryo UI" panose="020B0604030504040204" pitchFamily="50" charset="-128"/>
+              </a:rPr>
+              <a:t> </a:t>
+            </a:r>
+            <a:r>
+              <a:rPr lang="en-US" altLang="ja-JP" sz="1600" dirty="0">
+                <a:solidFill>
+                  <a:schemeClr val="tx1"/>
+                </a:solidFill>
+                <a:latin typeface="Meiryo UI" panose="020B0604030504040204" pitchFamily="50" charset="-128"/>
+                <a:ea typeface="Meiryo UI" panose="020B0604030504040204" pitchFamily="50" charset="-128"/>
+              </a:rPr>
+              <a:t>Negative</a:t>
+            </a:r>
+            <a:r>
+              <a:rPr lang="ja-JP" altLang="en-US" sz="1600" dirty="0">
+                <a:solidFill>
+                  <a:schemeClr val="tx1"/>
+                </a:solidFill>
+                <a:latin typeface="Meiryo UI" panose="020B0604030504040204" pitchFamily="50" charset="-128"/>
+                <a:ea typeface="Meiryo UI" panose="020B0604030504040204" pitchFamily="50" charset="-128"/>
+              </a:rPr>
+              <a:t>、</a:t>
+            </a:r>
+            <a:endParaRPr lang="en-US" altLang="ja-JP" sz="1600" dirty="0">
+              <a:solidFill>
+                <a:schemeClr val="tx1"/>
+              </a:solidFill>
+              <a:latin typeface="Meiryo UI" panose="020B0604030504040204" pitchFamily="50" charset="-128"/>
+              <a:ea typeface="Meiryo UI" panose="020B0604030504040204" pitchFamily="50" charset="-128"/>
+            </a:endParaRPr>
+          </a:p>
+          <a:p>
+            <a:pPr algn="ctr"/>
+            <a:r>
+              <a:rPr kumimoji="1" lang="ja-JP" altLang="en-US" sz="1600" dirty="0">
+                <a:solidFill>
+                  <a:schemeClr val="tx1"/>
+                </a:solidFill>
+                <a:latin typeface="Meiryo UI" panose="020B0604030504040204" pitchFamily="50" charset="-128"/>
+                <a:ea typeface="Meiryo UI" panose="020B0604030504040204" pitchFamily="50" charset="-128"/>
+              </a:rPr>
+              <a:t>偽陰性、</a:t>
+            </a:r>
+            <a:endParaRPr kumimoji="1" lang="en-US" altLang="ja-JP" sz="1600" dirty="0">
+              <a:solidFill>
+                <a:schemeClr val="tx1"/>
+              </a:solidFill>
+              <a:latin typeface="Meiryo UI" panose="020B0604030504040204" pitchFamily="50" charset="-128"/>
+              <a:ea typeface="Meiryo UI" panose="020B0604030504040204" pitchFamily="50" charset="-128"/>
+            </a:endParaRPr>
+          </a:p>
+          <a:p>
+            <a:pPr algn="ctr"/>
+            <a:r>
+              <a:rPr lang="ja-JP" altLang="en-US" sz="1600" b="1" dirty="0">
+                <a:solidFill>
+                  <a:schemeClr val="tx1"/>
+                </a:solidFill>
+                <a:latin typeface="Meiryo UI" panose="020B0604030504040204" pitchFamily="50" charset="-128"/>
+                <a:ea typeface="Meiryo UI" panose="020B0604030504040204" pitchFamily="50" charset="-128"/>
+              </a:rPr>
+              <a:t>見逃し</a:t>
+            </a:r>
+            <a:endParaRPr kumimoji="1" lang="ja-JP" altLang="en-US" sz="1600" b="1" dirty="0">
+              <a:solidFill>
+                <a:schemeClr val="tx1"/>
+              </a:solidFill>
+              <a:latin typeface="Meiryo UI" panose="020B0604030504040204" pitchFamily="50" charset="-128"/>
+              <a:ea typeface="Meiryo UI" panose="020B0604030504040204" pitchFamily="50" charset="-128"/>
+            </a:endParaRPr>
+          </a:p>
+        </p:txBody>
+      </p:sp>
+      <p:sp>
+        <p:nvSpPr>
+          <p:cNvPr id="38" name="テキスト ボックス 37">
+            <a:extLst>
+              <a:ext uri="{FF2B5EF4-FFF2-40B4-BE49-F238E27FC236}">
+                <a16:creationId xmlns:a16="http://schemas.microsoft.com/office/drawing/2014/main" id="{C3E296E0-678B-497B-A5DA-0DBD2EE18E3E}"/>
+              </a:ext>
+            </a:extLst>
+          </p:cNvPr>
+          <p:cNvSpPr txBox="1"/>
+          <p:nvPr/>
+        </p:nvSpPr>
+        <p:spPr>
+          <a:xfrm>
+            <a:off x="7344894" y="235708"/>
+            <a:ext cx="1381125" cy="369332"/>
+          </a:xfrm>
+          <a:prstGeom prst="rect">
+            <a:avLst/>
+          </a:prstGeom>
+          <a:noFill/>
+          <a:ln>
+            <a:noFill/>
+          </a:ln>
+        </p:spPr>
+        <p:txBody>
+          <a:bodyPr wrap="square" rtlCol="0">
+            <a:spAutoFit/>
+          </a:bodyPr>
+          <a:lstStyle/>
+          <a:p>
+            <a:pPr algn="ctr"/>
+            <a:r>
+              <a:rPr lang="ja-JP" altLang="en-US" dirty="0">
+                <a:latin typeface="Meiryo UI" panose="020B0604030504040204" pitchFamily="50" charset="-128"/>
+                <a:ea typeface="Meiryo UI" panose="020B0604030504040204" pitchFamily="50" charset="-128"/>
+              </a:rPr>
+              <a:t>正と予測</a:t>
+            </a:r>
+            <a:endParaRPr kumimoji="1" lang="ja-JP" altLang="en-US" dirty="0">
+              <a:latin typeface="Meiryo UI" panose="020B0604030504040204" pitchFamily="50" charset="-128"/>
+              <a:ea typeface="Meiryo UI" panose="020B0604030504040204" pitchFamily="50" charset="-128"/>
+            </a:endParaRPr>
+          </a:p>
+        </p:txBody>
+      </p:sp>
+      <p:cxnSp>
+        <p:nvCxnSpPr>
+          <p:cNvPr id="39" name="直線コネクタ 38">
+            <a:extLst>
+              <a:ext uri="{FF2B5EF4-FFF2-40B4-BE49-F238E27FC236}">
+                <a16:creationId xmlns:a16="http://schemas.microsoft.com/office/drawing/2014/main" id="{29F9E9FB-8668-494E-BF41-C1BCC8851BE8}"/>
+              </a:ext>
+            </a:extLst>
+          </p:cNvPr>
+          <p:cNvCxnSpPr>
+            <a:cxnSpLocks/>
+          </p:cNvCxnSpPr>
+          <p:nvPr/>
+        </p:nvCxnSpPr>
+        <p:spPr>
+          <a:xfrm>
+            <a:off x="7344894" y="605041"/>
+            <a:ext cx="1381125" cy="0"/>
+          </a:xfrm>
+          <a:prstGeom prst="line">
+            <a:avLst/>
+          </a:prstGeom>
+          <a:ln w="25400">
+            <a:solidFill>
+              <a:schemeClr val="bg1">
+                <a:lumMod val="65000"/>
+              </a:schemeClr>
+            </a:solidFill>
+          </a:ln>
+        </p:spPr>
+        <p:style>
+          <a:lnRef idx="1">
+            <a:schemeClr val="accent1"/>
+          </a:lnRef>
+          <a:fillRef idx="0">
+            <a:schemeClr val="accent1"/>
+          </a:fillRef>
+          <a:effectRef idx="0">
+            <a:schemeClr val="accent1"/>
+          </a:effectRef>
+          <a:fontRef idx="minor">
+            <a:schemeClr val="tx1"/>
+          </a:fontRef>
+        </p:style>
+      </p:cxnSp>
+      <p:sp>
+        <p:nvSpPr>
+          <p:cNvPr id="40" name="テキスト ボックス 39">
+            <a:extLst>
+              <a:ext uri="{FF2B5EF4-FFF2-40B4-BE49-F238E27FC236}">
+                <a16:creationId xmlns:a16="http://schemas.microsoft.com/office/drawing/2014/main" id="{FE5E958E-1F68-4317-A333-3F317D7C1339}"/>
+              </a:ext>
+            </a:extLst>
+          </p:cNvPr>
+          <p:cNvSpPr txBox="1"/>
+          <p:nvPr/>
+        </p:nvSpPr>
+        <p:spPr>
+          <a:xfrm>
+            <a:off x="8906994" y="235706"/>
+            <a:ext cx="1495426" cy="369332"/>
+          </a:xfrm>
+          <a:prstGeom prst="rect">
+            <a:avLst/>
+          </a:prstGeom>
+          <a:noFill/>
+          <a:ln>
+            <a:noFill/>
+          </a:ln>
+        </p:spPr>
+        <p:txBody>
+          <a:bodyPr wrap="square" rtlCol="0">
+            <a:spAutoFit/>
+          </a:bodyPr>
+          <a:lstStyle/>
+          <a:p>
+            <a:pPr algn="ctr"/>
+            <a:r>
+              <a:rPr lang="ja-JP" altLang="en-US" dirty="0">
+                <a:latin typeface="Meiryo UI" panose="020B0604030504040204" pitchFamily="50" charset="-128"/>
+                <a:ea typeface="Meiryo UI" panose="020B0604030504040204" pitchFamily="50" charset="-128"/>
+              </a:rPr>
+              <a:t>負と予測</a:t>
+            </a:r>
+            <a:endParaRPr kumimoji="1" lang="ja-JP" altLang="en-US" dirty="0">
+              <a:latin typeface="Meiryo UI" panose="020B0604030504040204" pitchFamily="50" charset="-128"/>
+              <a:ea typeface="Meiryo UI" panose="020B0604030504040204" pitchFamily="50" charset="-128"/>
+            </a:endParaRPr>
+          </a:p>
+        </p:txBody>
+      </p:sp>
+      <p:cxnSp>
+        <p:nvCxnSpPr>
+          <p:cNvPr id="41" name="直線コネクタ 40">
+            <a:extLst>
+              <a:ext uri="{FF2B5EF4-FFF2-40B4-BE49-F238E27FC236}">
+                <a16:creationId xmlns:a16="http://schemas.microsoft.com/office/drawing/2014/main" id="{2B22D4C2-CB8E-43CB-B9FC-42AC5A22483F}"/>
+              </a:ext>
+            </a:extLst>
+          </p:cNvPr>
+          <p:cNvCxnSpPr>
+            <a:cxnSpLocks/>
+          </p:cNvCxnSpPr>
+          <p:nvPr/>
+        </p:nvCxnSpPr>
+        <p:spPr>
+          <a:xfrm>
+            <a:off x="8906994" y="605039"/>
+            <a:ext cx="1495426" cy="0"/>
+          </a:xfrm>
+          <a:prstGeom prst="line">
+            <a:avLst/>
+          </a:prstGeom>
+          <a:ln w="25400">
+            <a:solidFill>
+              <a:schemeClr val="bg1">
+                <a:lumMod val="65000"/>
+              </a:schemeClr>
+            </a:solidFill>
+          </a:ln>
+        </p:spPr>
+        <p:style>
+          <a:lnRef idx="1">
+            <a:schemeClr val="accent1"/>
+          </a:lnRef>
+          <a:fillRef idx="0">
+            <a:schemeClr val="accent1"/>
+          </a:fillRef>
+          <a:effectRef idx="0">
+            <a:schemeClr val="accent1"/>
+          </a:effectRef>
+          <a:fontRef idx="minor">
+            <a:schemeClr val="tx1"/>
+          </a:fontRef>
+        </p:style>
+      </p:cxnSp>
+      <p:sp>
+        <p:nvSpPr>
+          <p:cNvPr id="42" name="正方形/長方形 41">
+            <a:extLst>
+              <a:ext uri="{FF2B5EF4-FFF2-40B4-BE49-F238E27FC236}">
+                <a16:creationId xmlns:a16="http://schemas.microsoft.com/office/drawing/2014/main" id="{0D49D1B7-1620-45DA-AC52-FC86B488F4CF}"/>
+              </a:ext>
+            </a:extLst>
+          </p:cNvPr>
+          <p:cNvSpPr/>
+          <p:nvPr/>
+        </p:nvSpPr>
+        <p:spPr>
+          <a:xfrm>
+            <a:off x="5984502" y="702996"/>
+            <a:ext cx="1160367" cy="1540391"/>
+          </a:xfrm>
+          <a:prstGeom prst="rect">
+            <a:avLst/>
+          </a:prstGeom>
+          <a:solidFill>
+            <a:schemeClr val="bg2"/>
+          </a:solidFill>
+          <a:ln>
+            <a:solidFill>
+              <a:schemeClr val="bg1">
+                <a:lumMod val="65000"/>
+              </a:schemeClr>
+            </a:solidFill>
+          </a:ln>
+        </p:spPr>
+        <p:style>
+          <a:lnRef idx="2">
+            <a:schemeClr val="accent1">
+              <a:shade val="50000"/>
+            </a:schemeClr>
+          </a:lnRef>
+          <a:fillRef idx="1">
+            <a:schemeClr val="accent1"/>
+          </a:fillRef>
+          <a:effectRef idx="0">
+            <a:schemeClr val="accent1"/>
+          </a:effectRef>
+          <a:fontRef idx="minor">
+            <a:schemeClr val="lt1"/>
+          </a:fontRef>
+        </p:style>
+        <p:txBody>
+          <a:bodyPr rtlCol="0" anchor="ctr"/>
+          <a:lstStyle/>
+          <a:p>
+            <a:pPr algn="ctr"/>
+            <a:r>
+              <a:rPr kumimoji="1" lang="ja-JP" altLang="en-US" dirty="0">
+                <a:solidFill>
+                  <a:schemeClr val="tx1"/>
+                </a:solidFill>
+                <a:latin typeface="Meiryo UI" panose="020B0604030504040204" pitchFamily="50" charset="-128"/>
+                <a:ea typeface="Meiryo UI" panose="020B0604030504040204" pitchFamily="50" charset="-128"/>
+              </a:rPr>
+              <a:t>正例</a:t>
+            </a:r>
+          </a:p>
+        </p:txBody>
+      </p:sp>
+      <p:sp>
+        <p:nvSpPr>
+          <p:cNvPr id="43" name="正方形/長方形 42">
+            <a:extLst>
+              <a:ext uri="{FF2B5EF4-FFF2-40B4-BE49-F238E27FC236}">
+                <a16:creationId xmlns:a16="http://schemas.microsoft.com/office/drawing/2014/main" id="{03411865-D0BD-41B7-8EB6-57820344D1D1}"/>
+              </a:ext>
+            </a:extLst>
+          </p:cNvPr>
+          <p:cNvSpPr/>
+          <p:nvPr/>
+        </p:nvSpPr>
+        <p:spPr>
+          <a:xfrm>
+            <a:off x="5984502" y="2243387"/>
+            <a:ext cx="1160367" cy="1451586"/>
+          </a:xfrm>
+          <a:prstGeom prst="rect">
+            <a:avLst/>
+          </a:prstGeom>
+          <a:solidFill>
+            <a:schemeClr val="bg2"/>
+          </a:solidFill>
+          <a:ln>
+            <a:solidFill>
+              <a:schemeClr val="bg1">
+                <a:lumMod val="65000"/>
+              </a:schemeClr>
+            </a:solidFill>
+          </a:ln>
+        </p:spPr>
+        <p:style>
+          <a:lnRef idx="2">
+            <a:schemeClr val="accent1">
+              <a:shade val="50000"/>
+            </a:schemeClr>
+          </a:lnRef>
+          <a:fillRef idx="1">
+            <a:schemeClr val="accent1"/>
+          </a:fillRef>
+          <a:effectRef idx="0">
+            <a:schemeClr val="accent1"/>
+          </a:effectRef>
+          <a:fontRef idx="minor">
+            <a:schemeClr val="lt1"/>
+          </a:fontRef>
+        </p:style>
+        <p:txBody>
+          <a:bodyPr rtlCol="0" anchor="ctr"/>
+          <a:lstStyle/>
+          <a:p>
+            <a:pPr algn="ctr"/>
+            <a:r>
+              <a:rPr kumimoji="1" lang="ja-JP" altLang="en-US" dirty="0">
+                <a:solidFill>
+                  <a:schemeClr val="tx1"/>
+                </a:solidFill>
+                <a:latin typeface="Meiryo UI" panose="020B0604030504040204" pitchFamily="50" charset="-128"/>
+                <a:ea typeface="Meiryo UI" panose="020B0604030504040204" pitchFamily="50" charset="-128"/>
+              </a:rPr>
+              <a:t>負例</a:t>
+            </a:r>
           </a:p>
         </p:txBody>
       </p:sp>
     </p:spTree>
     <p:extLst>
       <p:ext uri="{BB962C8B-B14F-4D97-AF65-F5344CB8AC3E}">
-        <p14:creationId xmlns:p14="http://schemas.microsoft.com/office/powerpoint/2010/main" val="3602269759"/>
+        <p14:creationId xmlns:p14="http://schemas.microsoft.com/office/powerpoint/2010/main" val="67185949"/>
+      </p:ext>
+    </p:extLst>
+  </p:cSld>
+  <p:clrMapOvr>
+    <a:masterClrMapping/>
+  </p:clrMapOvr>
+</p:sld>
+</file>
+
+<file path=ppt/slides/slide4.xml><?xml version="1.0" encoding="utf-8"?>
+<p:sld xmlns:a="http://schemas.openxmlformats.org/drawingml/2006/main" xmlns:r="http://schemas.openxmlformats.org/officeDocument/2006/relationships" xmlns:p="http://schemas.openxmlformats.org/presentationml/2006/main">
+  <p:cSld>
+    <p:spTree>
+      <p:nvGrpSpPr>
+        <p:cNvPr id="1" name=""/>
+        <p:cNvGrpSpPr/>
+        <p:nvPr/>
+      </p:nvGrpSpPr>
+      <p:grpSpPr>
+        <a:xfrm>
+          <a:off x="0" y="0"/>
+          <a:ext cx="0" cy="0"/>
+          <a:chOff x="0" y="0"/>
+          <a:chExt cx="0" cy="0"/>
+        </a:xfrm>
+      </p:grpSpPr>
+      <p:cxnSp>
+        <p:nvCxnSpPr>
+          <p:cNvPr id="59" name="直線コネクタ 58">
+            <a:extLst>
+              <a:ext uri="{FF2B5EF4-FFF2-40B4-BE49-F238E27FC236}">
+                <a16:creationId xmlns:a16="http://schemas.microsoft.com/office/drawing/2014/main" id="{31DCDFEA-0894-49D4-8537-955560C096B0}"/>
+              </a:ext>
+            </a:extLst>
+          </p:cNvPr>
+          <p:cNvCxnSpPr>
+            <a:cxnSpLocks/>
+          </p:cNvCxnSpPr>
+          <p:nvPr/>
+        </p:nvCxnSpPr>
+        <p:spPr>
+          <a:xfrm>
+            <a:off x="9782010" y="2025390"/>
+            <a:ext cx="1090063" cy="1"/>
+          </a:xfrm>
+          <a:prstGeom prst="line">
+            <a:avLst/>
+          </a:prstGeom>
+          <a:ln w="25400"/>
+        </p:spPr>
+        <p:style>
+          <a:lnRef idx="1">
+            <a:schemeClr val="accent1"/>
+          </a:lnRef>
+          <a:fillRef idx="0">
+            <a:schemeClr val="accent1"/>
+          </a:fillRef>
+          <a:effectRef idx="0">
+            <a:schemeClr val="accent1"/>
+          </a:effectRef>
+          <a:fontRef idx="minor">
+            <a:schemeClr val="tx1"/>
+          </a:fontRef>
+        </p:style>
+      </p:cxnSp>
+      <p:sp>
+        <p:nvSpPr>
+          <p:cNvPr id="60" name="正方形/長方形 59">
+            <a:extLst>
+              <a:ext uri="{FF2B5EF4-FFF2-40B4-BE49-F238E27FC236}">
+                <a16:creationId xmlns:a16="http://schemas.microsoft.com/office/drawing/2014/main" id="{982C0071-552B-48CD-A8EE-FBCFE845AD42}"/>
+              </a:ext>
+            </a:extLst>
+          </p:cNvPr>
+          <p:cNvSpPr/>
+          <p:nvPr/>
+        </p:nvSpPr>
+        <p:spPr>
+          <a:xfrm>
+            <a:off x="10327042" y="2458356"/>
+            <a:ext cx="443914" cy="388419"/>
+          </a:xfrm>
+          <a:prstGeom prst="rect">
+            <a:avLst/>
+          </a:prstGeom>
+          <a:solidFill>
+            <a:schemeClr val="accent4"/>
+          </a:solidFill>
+        </p:spPr>
+        <p:style>
+          <a:lnRef idx="2">
+            <a:schemeClr val="accent1">
+              <a:shade val="50000"/>
+            </a:schemeClr>
+          </a:lnRef>
+          <a:fillRef idx="1">
+            <a:schemeClr val="accent1"/>
+          </a:fillRef>
+          <a:effectRef idx="0">
+            <a:schemeClr val="accent1"/>
+          </a:effectRef>
+          <a:fontRef idx="minor">
+            <a:schemeClr val="lt1"/>
+          </a:fontRef>
+        </p:style>
+        <p:txBody>
+          <a:bodyPr rtlCol="0" anchor="ctr"/>
+          <a:lstStyle/>
+          <a:p>
+            <a:pPr algn="ctr"/>
+            <a:r>
+              <a:rPr kumimoji="1" lang="en-US" altLang="ja-JP" sz="1200" dirty="0"/>
+              <a:t>TN</a:t>
+            </a:r>
+            <a:endParaRPr kumimoji="1" lang="ja-JP" altLang="en-US" sz="1200" dirty="0"/>
+          </a:p>
+        </p:txBody>
+      </p:sp>
+      <p:sp>
+        <p:nvSpPr>
+          <p:cNvPr id="61" name="正方形/長方形 60">
+            <a:extLst>
+              <a:ext uri="{FF2B5EF4-FFF2-40B4-BE49-F238E27FC236}">
+                <a16:creationId xmlns:a16="http://schemas.microsoft.com/office/drawing/2014/main" id="{8909DC91-0959-4AA9-8E67-82A2E52EFCD8}"/>
+              </a:ext>
+            </a:extLst>
+          </p:cNvPr>
+          <p:cNvSpPr/>
+          <p:nvPr/>
+        </p:nvSpPr>
+        <p:spPr>
+          <a:xfrm>
+            <a:off x="9883129" y="2458358"/>
+            <a:ext cx="443914" cy="388416"/>
+          </a:xfrm>
+          <a:prstGeom prst="rect">
+            <a:avLst/>
+          </a:prstGeom>
+        </p:spPr>
+        <p:style>
+          <a:lnRef idx="2">
+            <a:schemeClr val="accent1">
+              <a:shade val="50000"/>
+            </a:schemeClr>
+          </a:lnRef>
+          <a:fillRef idx="1">
+            <a:schemeClr val="accent1"/>
+          </a:fillRef>
+          <a:effectRef idx="0">
+            <a:schemeClr val="accent1"/>
+          </a:effectRef>
+          <a:fontRef idx="minor">
+            <a:schemeClr val="lt1"/>
+          </a:fontRef>
+        </p:style>
+        <p:txBody>
+          <a:bodyPr rtlCol="0" anchor="ctr"/>
+          <a:lstStyle/>
+          <a:p>
+            <a:pPr algn="ctr"/>
+            <a:r>
+              <a:rPr kumimoji="1" lang="en-US" altLang="ja-JP" sz="1200" dirty="0"/>
+              <a:t>FP</a:t>
+            </a:r>
+            <a:endParaRPr kumimoji="1" lang="ja-JP" altLang="en-US" sz="1200" dirty="0"/>
+          </a:p>
+        </p:txBody>
+      </p:sp>
+      <p:sp>
+        <p:nvSpPr>
+          <p:cNvPr id="62" name="正方形/長方形 61">
+            <a:extLst>
+              <a:ext uri="{FF2B5EF4-FFF2-40B4-BE49-F238E27FC236}">
+                <a16:creationId xmlns:a16="http://schemas.microsoft.com/office/drawing/2014/main" id="{A0994B14-1F58-42F5-910F-26A7638DD7F7}"/>
+              </a:ext>
+            </a:extLst>
+          </p:cNvPr>
+          <p:cNvSpPr/>
+          <p:nvPr/>
+        </p:nvSpPr>
+        <p:spPr>
+          <a:xfrm>
+            <a:off x="10327042" y="2069939"/>
+            <a:ext cx="443914" cy="388419"/>
+          </a:xfrm>
+          <a:prstGeom prst="rect">
+            <a:avLst/>
+          </a:prstGeom>
+          <a:solidFill>
+            <a:schemeClr val="accent6"/>
+          </a:solidFill>
+        </p:spPr>
+        <p:style>
+          <a:lnRef idx="2">
+            <a:schemeClr val="accent1">
+              <a:shade val="50000"/>
+            </a:schemeClr>
+          </a:lnRef>
+          <a:fillRef idx="1">
+            <a:schemeClr val="accent1"/>
+          </a:fillRef>
+          <a:effectRef idx="0">
+            <a:schemeClr val="accent1"/>
+          </a:effectRef>
+          <a:fontRef idx="minor">
+            <a:schemeClr val="lt1"/>
+          </a:fontRef>
+        </p:style>
+        <p:txBody>
+          <a:bodyPr rtlCol="0" anchor="ctr"/>
+          <a:lstStyle/>
+          <a:p>
+            <a:pPr algn="ctr"/>
+            <a:r>
+              <a:rPr kumimoji="1" lang="en-US" altLang="ja-JP" sz="1200" dirty="0"/>
+              <a:t>FN</a:t>
+            </a:r>
+            <a:endParaRPr kumimoji="1" lang="ja-JP" altLang="en-US" sz="1200" dirty="0"/>
+          </a:p>
+        </p:txBody>
+      </p:sp>
+      <p:sp>
+        <p:nvSpPr>
+          <p:cNvPr id="63" name="正方形/長方形 62">
+            <a:extLst>
+              <a:ext uri="{FF2B5EF4-FFF2-40B4-BE49-F238E27FC236}">
+                <a16:creationId xmlns:a16="http://schemas.microsoft.com/office/drawing/2014/main" id="{FF27480F-97ED-4E05-9283-47ADF6B17DDE}"/>
+              </a:ext>
+            </a:extLst>
+          </p:cNvPr>
+          <p:cNvSpPr/>
+          <p:nvPr/>
+        </p:nvSpPr>
+        <p:spPr>
+          <a:xfrm>
+            <a:off x="9883129" y="2072421"/>
+            <a:ext cx="443915" cy="388420"/>
+          </a:xfrm>
+          <a:prstGeom prst="rect">
+            <a:avLst/>
+          </a:prstGeom>
+          <a:solidFill>
+            <a:schemeClr val="accent2"/>
+          </a:solidFill>
+        </p:spPr>
+        <p:style>
+          <a:lnRef idx="2">
+            <a:schemeClr val="accent1">
+              <a:shade val="50000"/>
+            </a:schemeClr>
+          </a:lnRef>
+          <a:fillRef idx="1">
+            <a:schemeClr val="accent1"/>
+          </a:fillRef>
+          <a:effectRef idx="0">
+            <a:schemeClr val="accent1"/>
+          </a:effectRef>
+          <a:fontRef idx="minor">
+            <a:schemeClr val="lt1"/>
+          </a:fontRef>
+        </p:style>
+        <p:txBody>
+          <a:bodyPr rtlCol="0" anchor="ctr"/>
+          <a:lstStyle/>
+          <a:p>
+            <a:pPr algn="ctr"/>
+            <a:r>
+              <a:rPr kumimoji="1" lang="en-US" altLang="ja-JP" sz="1200" dirty="0"/>
+              <a:t>TP</a:t>
+            </a:r>
+            <a:endParaRPr kumimoji="1" lang="ja-JP" altLang="en-US" sz="1200" dirty="0"/>
+          </a:p>
+        </p:txBody>
+      </p:sp>
+      <p:sp>
+        <p:nvSpPr>
+          <p:cNvPr id="64" name="正方形/長方形 63">
+            <a:extLst>
+              <a:ext uri="{FF2B5EF4-FFF2-40B4-BE49-F238E27FC236}">
+                <a16:creationId xmlns:a16="http://schemas.microsoft.com/office/drawing/2014/main" id="{1452AF07-5836-4371-BCC7-17FCA3CB4541}"/>
+              </a:ext>
+            </a:extLst>
+          </p:cNvPr>
+          <p:cNvSpPr/>
+          <p:nvPr/>
+        </p:nvSpPr>
+        <p:spPr>
+          <a:xfrm>
+            <a:off x="10327042" y="1592423"/>
+            <a:ext cx="443914" cy="388419"/>
+          </a:xfrm>
+          <a:prstGeom prst="rect">
+            <a:avLst/>
+          </a:prstGeom>
+          <a:solidFill>
+            <a:schemeClr val="accent4"/>
+          </a:solidFill>
+        </p:spPr>
+        <p:style>
+          <a:lnRef idx="2">
+            <a:schemeClr val="accent1">
+              <a:shade val="50000"/>
+            </a:schemeClr>
+          </a:lnRef>
+          <a:fillRef idx="1">
+            <a:schemeClr val="accent1"/>
+          </a:fillRef>
+          <a:effectRef idx="0">
+            <a:schemeClr val="accent1"/>
+          </a:effectRef>
+          <a:fontRef idx="minor">
+            <a:schemeClr val="lt1"/>
+          </a:fontRef>
+        </p:style>
+        <p:txBody>
+          <a:bodyPr rtlCol="0" anchor="ctr"/>
+          <a:lstStyle/>
+          <a:p>
+            <a:pPr algn="ctr"/>
+            <a:r>
+              <a:rPr kumimoji="1" lang="en-US" altLang="ja-JP" sz="1200" dirty="0"/>
+              <a:t>TN</a:t>
+            </a:r>
+            <a:endParaRPr kumimoji="1" lang="ja-JP" altLang="en-US" sz="1200" dirty="0"/>
+          </a:p>
+        </p:txBody>
+      </p:sp>
+      <p:sp>
+        <p:nvSpPr>
+          <p:cNvPr id="67" name="正方形/長方形 66">
+            <a:extLst>
+              <a:ext uri="{FF2B5EF4-FFF2-40B4-BE49-F238E27FC236}">
+                <a16:creationId xmlns:a16="http://schemas.microsoft.com/office/drawing/2014/main" id="{44D7A977-4FFB-4AF3-A683-23352DFDA5DF}"/>
+              </a:ext>
+            </a:extLst>
+          </p:cNvPr>
+          <p:cNvSpPr/>
+          <p:nvPr/>
+        </p:nvSpPr>
+        <p:spPr>
+          <a:xfrm>
+            <a:off x="9883129" y="1206488"/>
+            <a:ext cx="443915" cy="388420"/>
+          </a:xfrm>
+          <a:prstGeom prst="rect">
+            <a:avLst/>
+          </a:prstGeom>
+          <a:solidFill>
+            <a:schemeClr val="accent2"/>
+          </a:solidFill>
+        </p:spPr>
+        <p:style>
+          <a:lnRef idx="2">
+            <a:schemeClr val="accent1">
+              <a:shade val="50000"/>
+            </a:schemeClr>
+          </a:lnRef>
+          <a:fillRef idx="1">
+            <a:schemeClr val="accent1"/>
+          </a:fillRef>
+          <a:effectRef idx="0">
+            <a:schemeClr val="accent1"/>
+          </a:effectRef>
+          <a:fontRef idx="minor">
+            <a:schemeClr val="lt1"/>
+          </a:fontRef>
+        </p:style>
+        <p:txBody>
+          <a:bodyPr rtlCol="0" anchor="ctr"/>
+          <a:lstStyle/>
+          <a:p>
+            <a:pPr algn="ctr"/>
+            <a:r>
+              <a:rPr kumimoji="1" lang="en-US" altLang="ja-JP" sz="1200" dirty="0"/>
+              <a:t>TP</a:t>
+            </a:r>
+            <a:endParaRPr kumimoji="1" lang="ja-JP" altLang="en-US" sz="1200" dirty="0"/>
+          </a:p>
+        </p:txBody>
+      </p:sp>
+      <p:cxnSp>
+        <p:nvCxnSpPr>
+          <p:cNvPr id="68" name="直線コネクタ 67">
+            <a:extLst>
+              <a:ext uri="{FF2B5EF4-FFF2-40B4-BE49-F238E27FC236}">
+                <a16:creationId xmlns:a16="http://schemas.microsoft.com/office/drawing/2014/main" id="{B4D5B39B-C4F8-44B2-A1FB-3DD999D99889}"/>
+              </a:ext>
+            </a:extLst>
+          </p:cNvPr>
+          <p:cNvCxnSpPr>
+            <a:cxnSpLocks/>
+          </p:cNvCxnSpPr>
+          <p:nvPr/>
+        </p:nvCxnSpPr>
+        <p:spPr>
+          <a:xfrm>
+            <a:off x="7381710" y="2025392"/>
+            <a:ext cx="1090063" cy="1"/>
+          </a:xfrm>
+          <a:prstGeom prst="line">
+            <a:avLst/>
+          </a:prstGeom>
+          <a:ln w="25400"/>
+        </p:spPr>
+        <p:style>
+          <a:lnRef idx="1">
+            <a:schemeClr val="accent1"/>
+          </a:lnRef>
+          <a:fillRef idx="0">
+            <a:schemeClr val="accent1"/>
+          </a:fillRef>
+          <a:effectRef idx="0">
+            <a:schemeClr val="accent1"/>
+          </a:effectRef>
+          <a:fontRef idx="minor">
+            <a:schemeClr val="tx1"/>
+          </a:fontRef>
+        </p:style>
+      </p:cxnSp>
+      <p:sp>
+        <p:nvSpPr>
+          <p:cNvPr id="70" name="正方形/長方形 69">
+            <a:extLst>
+              <a:ext uri="{FF2B5EF4-FFF2-40B4-BE49-F238E27FC236}">
+                <a16:creationId xmlns:a16="http://schemas.microsoft.com/office/drawing/2014/main" id="{10ACEA8C-AADA-4A58-B91E-3F632020E257}"/>
+              </a:ext>
+            </a:extLst>
+          </p:cNvPr>
+          <p:cNvSpPr/>
+          <p:nvPr/>
+        </p:nvSpPr>
+        <p:spPr>
+          <a:xfrm>
+            <a:off x="7699031" y="2458358"/>
+            <a:ext cx="443914" cy="388416"/>
+          </a:xfrm>
+          <a:prstGeom prst="rect">
+            <a:avLst/>
+          </a:prstGeom>
+        </p:spPr>
+        <p:style>
+          <a:lnRef idx="2">
+            <a:schemeClr val="accent1">
+              <a:shade val="50000"/>
+            </a:schemeClr>
+          </a:lnRef>
+          <a:fillRef idx="1">
+            <a:schemeClr val="accent1"/>
+          </a:fillRef>
+          <a:effectRef idx="0">
+            <a:schemeClr val="accent1"/>
+          </a:effectRef>
+          <a:fontRef idx="minor">
+            <a:schemeClr val="lt1"/>
+          </a:fontRef>
+        </p:style>
+        <p:txBody>
+          <a:bodyPr rtlCol="0" anchor="ctr"/>
+          <a:lstStyle/>
+          <a:p>
+            <a:pPr algn="ctr"/>
+            <a:r>
+              <a:rPr kumimoji="1" lang="en-US" altLang="ja-JP" sz="1200" dirty="0"/>
+              <a:t>FP</a:t>
+            </a:r>
+            <a:endParaRPr kumimoji="1" lang="ja-JP" altLang="en-US" sz="1200" dirty="0"/>
+          </a:p>
+        </p:txBody>
+      </p:sp>
+      <p:sp>
+        <p:nvSpPr>
+          <p:cNvPr id="72" name="正方形/長方形 71">
+            <a:extLst>
+              <a:ext uri="{FF2B5EF4-FFF2-40B4-BE49-F238E27FC236}">
+                <a16:creationId xmlns:a16="http://schemas.microsoft.com/office/drawing/2014/main" id="{628F8A9B-23B5-4FDE-BD54-D471A4A12841}"/>
+              </a:ext>
+            </a:extLst>
+          </p:cNvPr>
+          <p:cNvSpPr/>
+          <p:nvPr/>
+        </p:nvSpPr>
+        <p:spPr>
+          <a:xfrm>
+            <a:off x="7699031" y="2072421"/>
+            <a:ext cx="443915" cy="388420"/>
+          </a:xfrm>
+          <a:prstGeom prst="rect">
+            <a:avLst/>
+          </a:prstGeom>
+          <a:solidFill>
+            <a:schemeClr val="accent2"/>
+          </a:solidFill>
+        </p:spPr>
+        <p:style>
+          <a:lnRef idx="2">
+            <a:schemeClr val="accent1">
+              <a:shade val="50000"/>
+            </a:schemeClr>
+          </a:lnRef>
+          <a:fillRef idx="1">
+            <a:schemeClr val="accent1"/>
+          </a:fillRef>
+          <a:effectRef idx="0">
+            <a:schemeClr val="accent1"/>
+          </a:effectRef>
+          <a:fontRef idx="minor">
+            <a:schemeClr val="lt1"/>
+          </a:fontRef>
+        </p:style>
+        <p:txBody>
+          <a:bodyPr rtlCol="0" anchor="ctr"/>
+          <a:lstStyle/>
+          <a:p>
+            <a:pPr algn="ctr"/>
+            <a:r>
+              <a:rPr kumimoji="1" lang="en-US" altLang="ja-JP" sz="1200" dirty="0"/>
+              <a:t>TP</a:t>
+            </a:r>
+            <a:endParaRPr kumimoji="1" lang="ja-JP" altLang="en-US" sz="1200" dirty="0"/>
+          </a:p>
+        </p:txBody>
+      </p:sp>
+      <p:sp>
+        <p:nvSpPr>
+          <p:cNvPr id="76" name="正方形/長方形 75">
+            <a:extLst>
+              <a:ext uri="{FF2B5EF4-FFF2-40B4-BE49-F238E27FC236}">
+                <a16:creationId xmlns:a16="http://schemas.microsoft.com/office/drawing/2014/main" id="{8E203677-1EC3-465C-89BE-19BE8437E596}"/>
+              </a:ext>
+            </a:extLst>
+          </p:cNvPr>
+          <p:cNvSpPr/>
+          <p:nvPr/>
+        </p:nvSpPr>
+        <p:spPr>
+          <a:xfrm>
+            <a:off x="7704786" y="1589942"/>
+            <a:ext cx="443915" cy="388420"/>
+          </a:xfrm>
+          <a:prstGeom prst="rect">
+            <a:avLst/>
+          </a:prstGeom>
+          <a:solidFill>
+            <a:schemeClr val="accent2"/>
+          </a:solidFill>
+        </p:spPr>
+        <p:style>
+          <a:lnRef idx="2">
+            <a:schemeClr val="accent1">
+              <a:shade val="50000"/>
+            </a:schemeClr>
+          </a:lnRef>
+          <a:fillRef idx="1">
+            <a:schemeClr val="accent1"/>
+          </a:fillRef>
+          <a:effectRef idx="0">
+            <a:schemeClr val="accent1"/>
+          </a:effectRef>
+          <a:fontRef idx="minor">
+            <a:schemeClr val="lt1"/>
+          </a:fontRef>
+        </p:style>
+        <p:txBody>
+          <a:bodyPr rtlCol="0" anchor="ctr"/>
+          <a:lstStyle/>
+          <a:p>
+            <a:pPr algn="ctr"/>
+            <a:r>
+              <a:rPr kumimoji="1" lang="en-US" altLang="ja-JP" sz="1200" dirty="0"/>
+              <a:t>TP</a:t>
+            </a:r>
+            <a:endParaRPr kumimoji="1" lang="ja-JP" altLang="en-US" sz="1200" dirty="0"/>
+          </a:p>
+        </p:txBody>
+      </p:sp>
+      <p:cxnSp>
+        <p:nvCxnSpPr>
+          <p:cNvPr id="77" name="直線コネクタ 76">
+            <a:extLst>
+              <a:ext uri="{FF2B5EF4-FFF2-40B4-BE49-F238E27FC236}">
+                <a16:creationId xmlns:a16="http://schemas.microsoft.com/office/drawing/2014/main" id="{D57247D8-F46F-4CAB-B7D6-6999122E795B}"/>
+              </a:ext>
+            </a:extLst>
+          </p:cNvPr>
+          <p:cNvCxnSpPr>
+            <a:cxnSpLocks/>
+          </p:cNvCxnSpPr>
+          <p:nvPr/>
+        </p:nvCxnSpPr>
+        <p:spPr>
+          <a:xfrm>
+            <a:off x="5333730" y="2025392"/>
+            <a:ext cx="1090063" cy="1"/>
+          </a:xfrm>
+          <a:prstGeom prst="line">
+            <a:avLst/>
+          </a:prstGeom>
+          <a:ln w="25400"/>
+        </p:spPr>
+        <p:style>
+          <a:lnRef idx="1">
+            <a:schemeClr val="accent1"/>
+          </a:lnRef>
+          <a:fillRef idx="0">
+            <a:schemeClr val="accent1"/>
+          </a:fillRef>
+          <a:effectRef idx="0">
+            <a:schemeClr val="accent1"/>
+          </a:effectRef>
+          <a:fontRef idx="minor">
+            <a:schemeClr val="tx1"/>
+          </a:fontRef>
+        </p:style>
+      </p:cxnSp>
+      <p:sp>
+        <p:nvSpPr>
+          <p:cNvPr id="80" name="正方形/長方形 79">
+            <a:extLst>
+              <a:ext uri="{FF2B5EF4-FFF2-40B4-BE49-F238E27FC236}">
+                <a16:creationId xmlns:a16="http://schemas.microsoft.com/office/drawing/2014/main" id="{E99B6446-7C5E-4302-8338-D520DD9CDCBA}"/>
+              </a:ext>
+            </a:extLst>
+          </p:cNvPr>
+          <p:cNvSpPr/>
+          <p:nvPr/>
+        </p:nvSpPr>
+        <p:spPr>
+          <a:xfrm>
+            <a:off x="5878762" y="2069941"/>
+            <a:ext cx="443914" cy="388419"/>
+          </a:xfrm>
+          <a:prstGeom prst="rect">
+            <a:avLst/>
+          </a:prstGeom>
+          <a:solidFill>
+            <a:schemeClr val="accent6"/>
+          </a:solidFill>
+        </p:spPr>
+        <p:style>
+          <a:lnRef idx="2">
+            <a:schemeClr val="accent1">
+              <a:shade val="50000"/>
+            </a:schemeClr>
+          </a:lnRef>
+          <a:fillRef idx="1">
+            <a:schemeClr val="accent1"/>
+          </a:fillRef>
+          <a:effectRef idx="0">
+            <a:schemeClr val="accent1"/>
+          </a:effectRef>
+          <a:fontRef idx="minor">
+            <a:schemeClr val="lt1"/>
+          </a:fontRef>
+        </p:style>
+        <p:txBody>
+          <a:bodyPr rtlCol="0" anchor="ctr"/>
+          <a:lstStyle/>
+          <a:p>
+            <a:pPr algn="ctr"/>
+            <a:r>
+              <a:rPr kumimoji="1" lang="en-US" altLang="ja-JP" sz="1200" dirty="0"/>
+              <a:t>FN</a:t>
+            </a:r>
+            <a:endParaRPr kumimoji="1" lang="ja-JP" altLang="en-US" sz="1200" dirty="0"/>
+          </a:p>
+        </p:txBody>
+      </p:sp>
+      <p:sp>
+        <p:nvSpPr>
+          <p:cNvPr id="81" name="正方形/長方形 80">
+            <a:extLst>
+              <a:ext uri="{FF2B5EF4-FFF2-40B4-BE49-F238E27FC236}">
+                <a16:creationId xmlns:a16="http://schemas.microsoft.com/office/drawing/2014/main" id="{D3DF7A13-E8E5-4A03-8639-6FC18F379D2A}"/>
+              </a:ext>
+            </a:extLst>
+          </p:cNvPr>
+          <p:cNvSpPr/>
+          <p:nvPr/>
+        </p:nvSpPr>
+        <p:spPr>
+          <a:xfrm>
+            <a:off x="5434849" y="2072423"/>
+            <a:ext cx="443915" cy="388420"/>
+          </a:xfrm>
+          <a:prstGeom prst="rect">
+            <a:avLst/>
+          </a:prstGeom>
+          <a:solidFill>
+            <a:schemeClr val="accent2"/>
+          </a:solidFill>
+        </p:spPr>
+        <p:style>
+          <a:lnRef idx="2">
+            <a:schemeClr val="accent1">
+              <a:shade val="50000"/>
+            </a:schemeClr>
+          </a:lnRef>
+          <a:fillRef idx="1">
+            <a:schemeClr val="accent1"/>
+          </a:fillRef>
+          <a:effectRef idx="0">
+            <a:schemeClr val="accent1"/>
+          </a:effectRef>
+          <a:fontRef idx="minor">
+            <a:schemeClr val="lt1"/>
+          </a:fontRef>
+        </p:style>
+        <p:txBody>
+          <a:bodyPr rtlCol="0" anchor="ctr"/>
+          <a:lstStyle/>
+          <a:p>
+            <a:pPr algn="ctr"/>
+            <a:r>
+              <a:rPr kumimoji="1" lang="en-US" altLang="ja-JP" sz="1200" dirty="0"/>
+              <a:t>TP</a:t>
+            </a:r>
+            <a:endParaRPr kumimoji="1" lang="ja-JP" altLang="en-US" sz="1200" dirty="0"/>
+          </a:p>
+        </p:txBody>
+      </p:sp>
+      <p:sp>
+        <p:nvSpPr>
+          <p:cNvPr id="85" name="正方形/長方形 84">
+            <a:extLst>
+              <a:ext uri="{FF2B5EF4-FFF2-40B4-BE49-F238E27FC236}">
+                <a16:creationId xmlns:a16="http://schemas.microsoft.com/office/drawing/2014/main" id="{740A5B2D-4683-4B73-88B2-6D138FEB73E5}"/>
+              </a:ext>
+            </a:extLst>
+          </p:cNvPr>
+          <p:cNvSpPr/>
+          <p:nvPr/>
+        </p:nvSpPr>
+        <p:spPr>
+          <a:xfrm>
+            <a:off x="5656804" y="1589942"/>
+            <a:ext cx="443915" cy="388420"/>
+          </a:xfrm>
+          <a:prstGeom prst="rect">
+            <a:avLst/>
+          </a:prstGeom>
+          <a:solidFill>
+            <a:schemeClr val="accent2"/>
+          </a:solidFill>
+        </p:spPr>
+        <p:style>
+          <a:lnRef idx="2">
+            <a:schemeClr val="accent1">
+              <a:shade val="50000"/>
+            </a:schemeClr>
+          </a:lnRef>
+          <a:fillRef idx="1">
+            <a:schemeClr val="accent1"/>
+          </a:fillRef>
+          <a:effectRef idx="0">
+            <a:schemeClr val="accent1"/>
+          </a:effectRef>
+          <a:fontRef idx="minor">
+            <a:schemeClr val="lt1"/>
+          </a:fontRef>
+        </p:style>
+        <p:txBody>
+          <a:bodyPr rtlCol="0" anchor="ctr"/>
+          <a:lstStyle/>
+          <a:p>
+            <a:pPr algn="ctr"/>
+            <a:r>
+              <a:rPr kumimoji="1" lang="en-US" altLang="ja-JP" sz="1200" dirty="0"/>
+              <a:t>TP</a:t>
+            </a:r>
+            <a:endParaRPr kumimoji="1" lang="ja-JP" altLang="en-US" sz="1200" dirty="0"/>
+          </a:p>
+        </p:txBody>
+      </p:sp>
+      <p:cxnSp>
+        <p:nvCxnSpPr>
+          <p:cNvPr id="86" name="直線コネクタ 85">
+            <a:extLst>
+              <a:ext uri="{FF2B5EF4-FFF2-40B4-BE49-F238E27FC236}">
+                <a16:creationId xmlns:a16="http://schemas.microsoft.com/office/drawing/2014/main" id="{DEA2536F-5445-4B6F-A78C-C4C77C02C29C}"/>
+              </a:ext>
+            </a:extLst>
+          </p:cNvPr>
+          <p:cNvCxnSpPr>
+            <a:cxnSpLocks/>
+          </p:cNvCxnSpPr>
+          <p:nvPr/>
+        </p:nvCxnSpPr>
+        <p:spPr>
+          <a:xfrm>
+            <a:off x="5709469" y="4827640"/>
+            <a:ext cx="1090063" cy="1"/>
+          </a:xfrm>
+          <a:prstGeom prst="line">
+            <a:avLst/>
+          </a:prstGeom>
+          <a:ln w="25400"/>
+        </p:spPr>
+        <p:style>
+          <a:lnRef idx="1">
+            <a:schemeClr val="accent1"/>
+          </a:lnRef>
+          <a:fillRef idx="0">
+            <a:schemeClr val="accent1"/>
+          </a:fillRef>
+          <a:effectRef idx="0">
+            <a:schemeClr val="accent1"/>
+          </a:effectRef>
+          <a:fontRef idx="minor">
+            <a:schemeClr val="tx1"/>
+          </a:fontRef>
+        </p:style>
+      </p:cxnSp>
+      <p:sp>
+        <p:nvSpPr>
+          <p:cNvPr id="87" name="正方形/長方形 86">
+            <a:extLst>
+              <a:ext uri="{FF2B5EF4-FFF2-40B4-BE49-F238E27FC236}">
+                <a16:creationId xmlns:a16="http://schemas.microsoft.com/office/drawing/2014/main" id="{2DAF8C6F-CC31-4C93-9FB5-ACFC9FBE382E}"/>
+              </a:ext>
+            </a:extLst>
+          </p:cNvPr>
+          <p:cNvSpPr/>
+          <p:nvPr/>
+        </p:nvSpPr>
+        <p:spPr>
+          <a:xfrm>
+            <a:off x="6254501" y="4879639"/>
+            <a:ext cx="443914" cy="388419"/>
+          </a:xfrm>
+          <a:prstGeom prst="rect">
+            <a:avLst/>
+          </a:prstGeom>
+          <a:solidFill>
+            <a:schemeClr val="accent4"/>
+          </a:solidFill>
+        </p:spPr>
+        <p:style>
+          <a:lnRef idx="2">
+            <a:schemeClr val="accent1">
+              <a:shade val="50000"/>
+            </a:schemeClr>
+          </a:lnRef>
+          <a:fillRef idx="1">
+            <a:schemeClr val="accent1"/>
+          </a:fillRef>
+          <a:effectRef idx="0">
+            <a:schemeClr val="accent1"/>
+          </a:effectRef>
+          <a:fontRef idx="minor">
+            <a:schemeClr val="lt1"/>
+          </a:fontRef>
+        </p:style>
+        <p:txBody>
+          <a:bodyPr rtlCol="0" anchor="ctr"/>
+          <a:lstStyle/>
+          <a:p>
+            <a:pPr algn="ctr"/>
+            <a:r>
+              <a:rPr kumimoji="1" lang="en-US" altLang="ja-JP" sz="1200" dirty="0"/>
+              <a:t>TN</a:t>
+            </a:r>
+            <a:endParaRPr kumimoji="1" lang="ja-JP" altLang="en-US" sz="1200" dirty="0"/>
+          </a:p>
+        </p:txBody>
+      </p:sp>
+      <p:sp>
+        <p:nvSpPr>
+          <p:cNvPr id="88" name="正方形/長方形 87">
+            <a:extLst>
+              <a:ext uri="{FF2B5EF4-FFF2-40B4-BE49-F238E27FC236}">
+                <a16:creationId xmlns:a16="http://schemas.microsoft.com/office/drawing/2014/main" id="{0E2F2498-72EF-4B1C-8966-14936A224D79}"/>
+              </a:ext>
+            </a:extLst>
+          </p:cNvPr>
+          <p:cNvSpPr/>
+          <p:nvPr/>
+        </p:nvSpPr>
+        <p:spPr>
+          <a:xfrm>
+            <a:off x="5810588" y="4879641"/>
+            <a:ext cx="443914" cy="388416"/>
+          </a:xfrm>
+          <a:prstGeom prst="rect">
+            <a:avLst/>
+          </a:prstGeom>
+        </p:spPr>
+        <p:style>
+          <a:lnRef idx="2">
+            <a:schemeClr val="accent1">
+              <a:shade val="50000"/>
+            </a:schemeClr>
+          </a:lnRef>
+          <a:fillRef idx="1">
+            <a:schemeClr val="accent1"/>
+          </a:fillRef>
+          <a:effectRef idx="0">
+            <a:schemeClr val="accent1"/>
+          </a:effectRef>
+          <a:fontRef idx="minor">
+            <a:schemeClr val="lt1"/>
+          </a:fontRef>
+        </p:style>
+        <p:txBody>
+          <a:bodyPr rtlCol="0" anchor="ctr"/>
+          <a:lstStyle/>
+          <a:p>
+            <a:pPr algn="ctr"/>
+            <a:r>
+              <a:rPr kumimoji="1" lang="en-US" altLang="ja-JP" sz="1200" dirty="0"/>
+              <a:t>FP</a:t>
+            </a:r>
+            <a:endParaRPr kumimoji="1" lang="ja-JP" altLang="en-US" sz="1200" dirty="0"/>
+          </a:p>
+        </p:txBody>
+      </p:sp>
+      <p:sp>
+        <p:nvSpPr>
+          <p:cNvPr id="91" name="正方形/長方形 90">
+            <a:extLst>
+              <a:ext uri="{FF2B5EF4-FFF2-40B4-BE49-F238E27FC236}">
+                <a16:creationId xmlns:a16="http://schemas.microsoft.com/office/drawing/2014/main" id="{3D1CE239-C030-40AD-95E5-F35D1CF18B9E}"/>
+              </a:ext>
+            </a:extLst>
+          </p:cNvPr>
+          <p:cNvSpPr/>
+          <p:nvPr/>
+        </p:nvSpPr>
+        <p:spPr>
+          <a:xfrm>
+            <a:off x="7477074" y="4202948"/>
+            <a:ext cx="443914" cy="388419"/>
+          </a:xfrm>
+          <a:prstGeom prst="rect">
+            <a:avLst/>
+          </a:prstGeom>
+          <a:solidFill>
+            <a:schemeClr val="accent4"/>
+          </a:solidFill>
+        </p:spPr>
+        <p:style>
+          <a:lnRef idx="2">
+            <a:schemeClr val="accent1">
+              <a:shade val="50000"/>
+            </a:schemeClr>
+          </a:lnRef>
+          <a:fillRef idx="1">
+            <a:schemeClr val="accent1"/>
+          </a:fillRef>
+          <a:effectRef idx="0">
+            <a:schemeClr val="accent1"/>
+          </a:effectRef>
+          <a:fontRef idx="minor">
+            <a:schemeClr val="lt1"/>
+          </a:fontRef>
+        </p:style>
+        <p:txBody>
+          <a:bodyPr rtlCol="0" anchor="ctr"/>
+          <a:lstStyle/>
+          <a:p>
+            <a:pPr algn="ctr"/>
+            <a:r>
+              <a:rPr kumimoji="1" lang="en-US" altLang="ja-JP" sz="1200" dirty="0"/>
+              <a:t>TN</a:t>
+            </a:r>
+            <a:endParaRPr kumimoji="1" lang="ja-JP" altLang="en-US" sz="1200" dirty="0"/>
+          </a:p>
+        </p:txBody>
+      </p:sp>
+      <p:sp>
+        <p:nvSpPr>
+          <p:cNvPr id="92" name="正方形/長方形 91">
+            <a:extLst>
+              <a:ext uri="{FF2B5EF4-FFF2-40B4-BE49-F238E27FC236}">
+                <a16:creationId xmlns:a16="http://schemas.microsoft.com/office/drawing/2014/main" id="{78EE85E7-1EB3-4580-9837-E2FBA5F982A0}"/>
+              </a:ext>
+            </a:extLst>
+          </p:cNvPr>
+          <p:cNvSpPr/>
+          <p:nvPr/>
+        </p:nvSpPr>
+        <p:spPr>
+          <a:xfrm>
+            <a:off x="6032542" y="4379936"/>
+            <a:ext cx="443915" cy="388420"/>
+          </a:xfrm>
+          <a:prstGeom prst="rect">
+            <a:avLst/>
+          </a:prstGeom>
+          <a:solidFill>
+            <a:schemeClr val="accent2"/>
+          </a:solidFill>
+        </p:spPr>
+        <p:style>
+          <a:lnRef idx="2">
+            <a:schemeClr val="accent1">
+              <a:shade val="50000"/>
+            </a:schemeClr>
+          </a:lnRef>
+          <a:fillRef idx="1">
+            <a:schemeClr val="accent1"/>
+          </a:fillRef>
+          <a:effectRef idx="0">
+            <a:schemeClr val="accent1"/>
+          </a:effectRef>
+          <a:fontRef idx="minor">
+            <a:schemeClr val="lt1"/>
+          </a:fontRef>
+        </p:style>
+        <p:txBody>
+          <a:bodyPr rtlCol="0" anchor="ctr"/>
+          <a:lstStyle/>
+          <a:p>
+            <a:pPr algn="ctr"/>
+            <a:r>
+              <a:rPr kumimoji="1" lang="en-US" altLang="ja-JP" sz="1200" dirty="0"/>
+              <a:t>TP</a:t>
+            </a:r>
+            <a:endParaRPr kumimoji="1" lang="ja-JP" altLang="en-US" sz="1200" dirty="0"/>
+          </a:p>
+        </p:txBody>
+      </p:sp>
+    </p:spTree>
+    <p:extLst>
+      <p:ext uri="{BB962C8B-B14F-4D97-AF65-F5344CB8AC3E}">
+        <p14:creationId xmlns:p14="http://schemas.microsoft.com/office/powerpoint/2010/main" val="3663573038"/>
       </p:ext>
     </p:extLst>
   </p:cSld>

--- a/pub_writing/20200229_imbalance/挿絵.pptx
+++ b/pub_writing/20200229_imbalance/挿絵.pptx
@@ -9,6 +9,7 @@
     <p:sldId id="257" r:id="rId3"/>
     <p:sldId id="258" r:id="rId4"/>
     <p:sldId id="259" r:id="rId5"/>
+    <p:sldId id="260" r:id="rId6"/>
   </p:sldIdLst>
   <p:sldSz cx="12192000" cy="6858000"/>
   <p:notesSz cx="6858000" cy="9144000"/>
@@ -7137,6 +7138,1106 @@
 </p:sld>
 </file>
 
+<file path=ppt/slides/slide5.xml><?xml version="1.0" encoding="utf-8"?>
+<p:sld xmlns:a="http://schemas.openxmlformats.org/drawingml/2006/main" xmlns:r="http://schemas.openxmlformats.org/officeDocument/2006/relationships" xmlns:p="http://schemas.openxmlformats.org/presentationml/2006/main">
+  <p:cSld>
+    <p:spTree>
+      <p:nvGrpSpPr>
+        <p:cNvPr id="1" name=""/>
+        <p:cNvGrpSpPr/>
+        <p:nvPr/>
+      </p:nvGrpSpPr>
+      <p:grpSpPr>
+        <a:xfrm>
+          <a:off x="0" y="0"/>
+          <a:ext cx="0" cy="0"/>
+          <a:chOff x="0" y="0"/>
+          <a:chExt cx="0" cy="0"/>
+        </a:xfrm>
+      </p:grpSpPr>
+      <p:sp>
+        <p:nvSpPr>
+          <p:cNvPr id="14" name="正方形/長方形 13">
+            <a:extLst>
+              <a:ext uri="{FF2B5EF4-FFF2-40B4-BE49-F238E27FC236}">
+                <a16:creationId xmlns:a16="http://schemas.microsoft.com/office/drawing/2014/main" id="{514B3208-F36E-48BE-AEDA-563A7FDCA8C8}"/>
+              </a:ext>
+            </a:extLst>
+          </p:cNvPr>
+          <p:cNvSpPr/>
+          <p:nvPr/>
+        </p:nvSpPr>
+        <p:spPr>
+          <a:xfrm>
+            <a:off x="1426512" y="1309492"/>
+            <a:ext cx="1102840" cy="1086748"/>
+          </a:xfrm>
+          <a:prstGeom prst="rect">
+            <a:avLst/>
+          </a:prstGeom>
+          <a:solidFill>
+            <a:schemeClr val="accent2"/>
+          </a:solidFill>
+        </p:spPr>
+        <p:style>
+          <a:lnRef idx="2">
+            <a:schemeClr val="accent1">
+              <a:shade val="50000"/>
+            </a:schemeClr>
+          </a:lnRef>
+          <a:fillRef idx="1">
+            <a:schemeClr val="accent1"/>
+          </a:fillRef>
+          <a:effectRef idx="0">
+            <a:schemeClr val="accent1"/>
+          </a:effectRef>
+          <a:fontRef idx="minor">
+            <a:schemeClr val="lt1"/>
+          </a:fontRef>
+        </p:style>
+        <p:txBody>
+          <a:bodyPr rtlCol="0" anchor="ctr"/>
+          <a:lstStyle/>
+          <a:p>
+            <a:pPr algn="ctr"/>
+            <a:r>
+              <a:rPr kumimoji="1" lang="en-US" altLang="ja-JP" sz="1600" dirty="0">
+                <a:latin typeface="Meiryo UI" panose="020B0604030504040204" pitchFamily="50" charset="-128"/>
+                <a:ea typeface="Meiryo UI" panose="020B0604030504040204" pitchFamily="50" charset="-128"/>
+              </a:rPr>
+              <a:t>TP</a:t>
+            </a:r>
+            <a:r>
+              <a:rPr kumimoji="1" lang="ja-JP" altLang="en-US" sz="1600" dirty="0">
+                <a:latin typeface="Meiryo UI" panose="020B0604030504040204" pitchFamily="50" charset="-128"/>
+                <a:ea typeface="Meiryo UI" panose="020B0604030504040204" pitchFamily="50" charset="-128"/>
+              </a:rPr>
+              <a:t>の数</a:t>
+            </a:r>
+          </a:p>
+        </p:txBody>
+      </p:sp>
+      <p:sp>
+        <p:nvSpPr>
+          <p:cNvPr id="15" name="正方形/長方形 14">
+            <a:extLst>
+              <a:ext uri="{FF2B5EF4-FFF2-40B4-BE49-F238E27FC236}">
+                <a16:creationId xmlns:a16="http://schemas.microsoft.com/office/drawing/2014/main" id="{DFF573B5-F9F5-4A8D-AAE4-16028E280ADA}"/>
+              </a:ext>
+            </a:extLst>
+          </p:cNvPr>
+          <p:cNvSpPr/>
+          <p:nvPr/>
+        </p:nvSpPr>
+        <p:spPr>
+          <a:xfrm>
+            <a:off x="2529350" y="2396237"/>
+            <a:ext cx="1182688" cy="1024090"/>
+          </a:xfrm>
+          <a:prstGeom prst="rect">
+            <a:avLst/>
+          </a:prstGeom>
+          <a:solidFill>
+            <a:schemeClr val="accent4"/>
+          </a:solidFill>
+        </p:spPr>
+        <p:style>
+          <a:lnRef idx="2">
+            <a:schemeClr val="accent1">
+              <a:shade val="50000"/>
+            </a:schemeClr>
+          </a:lnRef>
+          <a:fillRef idx="1">
+            <a:schemeClr val="accent1"/>
+          </a:fillRef>
+          <a:effectRef idx="0">
+            <a:schemeClr val="accent1"/>
+          </a:effectRef>
+          <a:fontRef idx="minor">
+            <a:schemeClr val="lt1"/>
+          </a:fontRef>
+        </p:style>
+        <p:txBody>
+          <a:bodyPr rtlCol="0" anchor="ctr"/>
+          <a:lstStyle/>
+          <a:p>
+            <a:pPr algn="ctr"/>
+            <a:r>
+              <a:rPr kumimoji="1" lang="en-US" altLang="ja-JP" sz="1600" dirty="0">
+                <a:latin typeface="Meiryo UI" panose="020B0604030504040204" pitchFamily="50" charset="-128"/>
+                <a:ea typeface="Meiryo UI" panose="020B0604030504040204" pitchFamily="50" charset="-128"/>
+              </a:rPr>
+              <a:t>TN</a:t>
+            </a:r>
+            <a:r>
+              <a:rPr kumimoji="1" lang="ja-JP" altLang="en-US" sz="1600" dirty="0">
+                <a:latin typeface="Meiryo UI" panose="020B0604030504040204" pitchFamily="50" charset="-128"/>
+                <a:ea typeface="Meiryo UI" panose="020B0604030504040204" pitchFamily="50" charset="-128"/>
+              </a:rPr>
+              <a:t>の数</a:t>
+            </a:r>
+          </a:p>
+        </p:txBody>
+      </p:sp>
+      <p:sp>
+        <p:nvSpPr>
+          <p:cNvPr id="16" name="正方形/長方形 15">
+            <a:extLst>
+              <a:ext uri="{FF2B5EF4-FFF2-40B4-BE49-F238E27FC236}">
+                <a16:creationId xmlns:a16="http://schemas.microsoft.com/office/drawing/2014/main" id="{E8C23628-AAB4-439E-B571-9D7B877DE317}"/>
+              </a:ext>
+            </a:extLst>
+          </p:cNvPr>
+          <p:cNvSpPr/>
+          <p:nvPr/>
+        </p:nvSpPr>
+        <p:spPr>
+          <a:xfrm>
+            <a:off x="1426512" y="2404917"/>
+            <a:ext cx="1102839" cy="1024083"/>
+          </a:xfrm>
+          <a:prstGeom prst="rect">
+            <a:avLst/>
+          </a:prstGeom>
+        </p:spPr>
+        <p:style>
+          <a:lnRef idx="2">
+            <a:schemeClr val="accent1">
+              <a:shade val="50000"/>
+            </a:schemeClr>
+          </a:lnRef>
+          <a:fillRef idx="1">
+            <a:schemeClr val="accent1"/>
+          </a:fillRef>
+          <a:effectRef idx="0">
+            <a:schemeClr val="accent1"/>
+          </a:effectRef>
+          <a:fontRef idx="minor">
+            <a:schemeClr val="lt1"/>
+          </a:fontRef>
+        </p:style>
+        <p:txBody>
+          <a:bodyPr rtlCol="0" anchor="ctr"/>
+          <a:lstStyle/>
+          <a:p>
+            <a:pPr algn="ctr"/>
+            <a:r>
+              <a:rPr kumimoji="1" lang="en-US" altLang="ja-JP" sz="1600" dirty="0">
+                <a:latin typeface="Meiryo UI" panose="020B0604030504040204" pitchFamily="50" charset="-128"/>
+                <a:ea typeface="Meiryo UI" panose="020B0604030504040204" pitchFamily="50" charset="-128"/>
+              </a:rPr>
+              <a:t>FP</a:t>
+            </a:r>
+            <a:r>
+              <a:rPr kumimoji="1" lang="ja-JP" altLang="en-US" sz="1600" dirty="0">
+                <a:latin typeface="Meiryo UI" panose="020B0604030504040204" pitchFamily="50" charset="-128"/>
+                <a:ea typeface="Meiryo UI" panose="020B0604030504040204" pitchFamily="50" charset="-128"/>
+              </a:rPr>
+              <a:t>の数</a:t>
+            </a:r>
+          </a:p>
+        </p:txBody>
+      </p:sp>
+      <p:sp>
+        <p:nvSpPr>
+          <p:cNvPr id="17" name="正方形/長方形 16">
+            <a:extLst>
+              <a:ext uri="{FF2B5EF4-FFF2-40B4-BE49-F238E27FC236}">
+                <a16:creationId xmlns:a16="http://schemas.microsoft.com/office/drawing/2014/main" id="{681DE5B2-8F3C-49E7-A8BB-DE9FC8E5AE93}"/>
+              </a:ext>
+            </a:extLst>
+          </p:cNvPr>
+          <p:cNvSpPr/>
+          <p:nvPr/>
+        </p:nvSpPr>
+        <p:spPr>
+          <a:xfrm>
+            <a:off x="2529351" y="1309492"/>
+            <a:ext cx="1182687" cy="1086745"/>
+          </a:xfrm>
+          <a:prstGeom prst="rect">
+            <a:avLst/>
+          </a:prstGeom>
+          <a:solidFill>
+            <a:schemeClr val="accent6"/>
+          </a:solidFill>
+        </p:spPr>
+        <p:style>
+          <a:lnRef idx="2">
+            <a:schemeClr val="accent1">
+              <a:shade val="50000"/>
+            </a:schemeClr>
+          </a:lnRef>
+          <a:fillRef idx="1">
+            <a:schemeClr val="accent1"/>
+          </a:fillRef>
+          <a:effectRef idx="0">
+            <a:schemeClr val="accent1"/>
+          </a:effectRef>
+          <a:fontRef idx="minor">
+            <a:schemeClr val="lt1"/>
+          </a:fontRef>
+        </p:style>
+        <p:txBody>
+          <a:bodyPr rtlCol="0" anchor="ctr"/>
+          <a:lstStyle/>
+          <a:p>
+            <a:pPr algn="ctr"/>
+            <a:r>
+              <a:rPr kumimoji="1" lang="en-US" altLang="ja-JP" sz="1600" dirty="0">
+                <a:latin typeface="Meiryo UI" panose="020B0604030504040204" pitchFamily="50" charset="-128"/>
+                <a:ea typeface="Meiryo UI" panose="020B0604030504040204" pitchFamily="50" charset="-128"/>
+              </a:rPr>
+              <a:t>FN</a:t>
+            </a:r>
+            <a:r>
+              <a:rPr kumimoji="1" lang="ja-JP" altLang="en-US" sz="1600" dirty="0">
+                <a:latin typeface="Meiryo UI" panose="020B0604030504040204" pitchFamily="50" charset="-128"/>
+                <a:ea typeface="Meiryo UI" panose="020B0604030504040204" pitchFamily="50" charset="-128"/>
+              </a:rPr>
+              <a:t>の数</a:t>
+            </a:r>
+            <a:endParaRPr kumimoji="1" lang="ja-JP" altLang="en-US" sz="1600" b="1" dirty="0">
+              <a:latin typeface="Meiryo UI" panose="020B0604030504040204" pitchFamily="50" charset="-128"/>
+              <a:ea typeface="Meiryo UI" panose="020B0604030504040204" pitchFamily="50" charset="-128"/>
+            </a:endParaRPr>
+          </a:p>
+        </p:txBody>
+      </p:sp>
+      <p:sp>
+        <p:nvSpPr>
+          <p:cNvPr id="30" name="正方形/長方形 29">
+            <a:extLst>
+              <a:ext uri="{FF2B5EF4-FFF2-40B4-BE49-F238E27FC236}">
+                <a16:creationId xmlns:a16="http://schemas.microsoft.com/office/drawing/2014/main" id="{A5F1337A-3067-403D-A11F-B79B1D5A14E0}"/>
+              </a:ext>
+            </a:extLst>
+          </p:cNvPr>
+          <p:cNvSpPr/>
+          <p:nvPr/>
+        </p:nvSpPr>
+        <p:spPr>
+          <a:xfrm>
+            <a:off x="5085745" y="1309492"/>
+            <a:ext cx="1102840" cy="1086748"/>
+          </a:xfrm>
+          <a:prstGeom prst="rect">
+            <a:avLst/>
+          </a:prstGeom>
+          <a:solidFill>
+            <a:schemeClr val="accent2"/>
+          </a:solidFill>
+        </p:spPr>
+        <p:style>
+          <a:lnRef idx="2">
+            <a:schemeClr val="accent1">
+              <a:shade val="50000"/>
+            </a:schemeClr>
+          </a:lnRef>
+          <a:fillRef idx="1">
+            <a:schemeClr val="accent1"/>
+          </a:fillRef>
+          <a:effectRef idx="0">
+            <a:schemeClr val="accent1"/>
+          </a:effectRef>
+          <a:fontRef idx="minor">
+            <a:schemeClr val="lt1"/>
+          </a:fontRef>
+        </p:style>
+        <p:txBody>
+          <a:bodyPr rtlCol="0" anchor="ctr"/>
+          <a:lstStyle/>
+          <a:p>
+            <a:pPr algn="ctr"/>
+            <a:r>
+              <a:rPr kumimoji="1" lang="ja-JP" altLang="en-US" sz="1600" dirty="0">
+                <a:latin typeface="Meiryo UI" panose="020B0604030504040204" pitchFamily="50" charset="-128"/>
+                <a:ea typeface="Meiryo UI" panose="020B0604030504040204" pitchFamily="50" charset="-128"/>
+              </a:rPr>
+              <a:t>１データ当たりの損失</a:t>
+            </a:r>
+          </a:p>
+        </p:txBody>
+      </p:sp>
+      <p:sp>
+        <p:nvSpPr>
+          <p:cNvPr id="31" name="正方形/長方形 30">
+            <a:extLst>
+              <a:ext uri="{FF2B5EF4-FFF2-40B4-BE49-F238E27FC236}">
+                <a16:creationId xmlns:a16="http://schemas.microsoft.com/office/drawing/2014/main" id="{0BD37B1E-4D80-4B6F-82A7-01746F043EB8}"/>
+              </a:ext>
+            </a:extLst>
+          </p:cNvPr>
+          <p:cNvSpPr/>
+          <p:nvPr/>
+        </p:nvSpPr>
+        <p:spPr>
+          <a:xfrm>
+            <a:off x="6188583" y="2396237"/>
+            <a:ext cx="1182688" cy="1024090"/>
+          </a:xfrm>
+          <a:prstGeom prst="rect">
+            <a:avLst/>
+          </a:prstGeom>
+          <a:solidFill>
+            <a:schemeClr val="accent4"/>
+          </a:solidFill>
+        </p:spPr>
+        <p:style>
+          <a:lnRef idx="2">
+            <a:schemeClr val="accent1">
+              <a:shade val="50000"/>
+            </a:schemeClr>
+          </a:lnRef>
+          <a:fillRef idx="1">
+            <a:schemeClr val="accent1"/>
+          </a:fillRef>
+          <a:effectRef idx="0">
+            <a:schemeClr val="accent1"/>
+          </a:effectRef>
+          <a:fontRef idx="minor">
+            <a:schemeClr val="lt1"/>
+          </a:fontRef>
+        </p:style>
+        <p:txBody>
+          <a:bodyPr rtlCol="0" anchor="ctr"/>
+          <a:lstStyle/>
+          <a:p>
+            <a:pPr algn="ctr"/>
+            <a:r>
+              <a:rPr lang="ja-JP" altLang="en-US" sz="1600" dirty="0">
+                <a:latin typeface="Meiryo UI" panose="020B0604030504040204" pitchFamily="50" charset="-128"/>
+                <a:ea typeface="Meiryo UI" panose="020B0604030504040204" pitchFamily="50" charset="-128"/>
+              </a:rPr>
+              <a:t>１データ当たりの損失</a:t>
+            </a:r>
+          </a:p>
+        </p:txBody>
+      </p:sp>
+      <p:sp>
+        <p:nvSpPr>
+          <p:cNvPr id="32" name="正方形/長方形 31">
+            <a:extLst>
+              <a:ext uri="{FF2B5EF4-FFF2-40B4-BE49-F238E27FC236}">
+                <a16:creationId xmlns:a16="http://schemas.microsoft.com/office/drawing/2014/main" id="{6065F572-3C02-4DF5-B95A-7542EB543822}"/>
+              </a:ext>
+            </a:extLst>
+          </p:cNvPr>
+          <p:cNvSpPr/>
+          <p:nvPr/>
+        </p:nvSpPr>
+        <p:spPr>
+          <a:xfrm>
+            <a:off x="5085745" y="2404917"/>
+            <a:ext cx="1102839" cy="1024083"/>
+          </a:xfrm>
+          <a:prstGeom prst="rect">
+            <a:avLst/>
+          </a:prstGeom>
+        </p:spPr>
+        <p:style>
+          <a:lnRef idx="2">
+            <a:schemeClr val="accent1">
+              <a:shade val="50000"/>
+            </a:schemeClr>
+          </a:lnRef>
+          <a:fillRef idx="1">
+            <a:schemeClr val="accent1"/>
+          </a:fillRef>
+          <a:effectRef idx="0">
+            <a:schemeClr val="accent1"/>
+          </a:effectRef>
+          <a:fontRef idx="minor">
+            <a:schemeClr val="lt1"/>
+          </a:fontRef>
+        </p:style>
+        <p:txBody>
+          <a:bodyPr rtlCol="0" anchor="ctr"/>
+          <a:lstStyle/>
+          <a:p>
+            <a:pPr algn="ctr"/>
+            <a:r>
+              <a:rPr lang="ja-JP" altLang="en-US" sz="1600" dirty="0">
+                <a:latin typeface="Meiryo UI" panose="020B0604030504040204" pitchFamily="50" charset="-128"/>
+                <a:ea typeface="Meiryo UI" panose="020B0604030504040204" pitchFamily="50" charset="-128"/>
+              </a:rPr>
+              <a:t>１データ当たりの損失</a:t>
+            </a:r>
+          </a:p>
+        </p:txBody>
+      </p:sp>
+      <p:sp>
+        <p:nvSpPr>
+          <p:cNvPr id="33" name="正方形/長方形 32">
+            <a:extLst>
+              <a:ext uri="{FF2B5EF4-FFF2-40B4-BE49-F238E27FC236}">
+                <a16:creationId xmlns:a16="http://schemas.microsoft.com/office/drawing/2014/main" id="{699B60D8-A6CE-48D8-A4B0-E9915B081B6E}"/>
+              </a:ext>
+            </a:extLst>
+          </p:cNvPr>
+          <p:cNvSpPr/>
+          <p:nvPr/>
+        </p:nvSpPr>
+        <p:spPr>
+          <a:xfrm>
+            <a:off x="6188584" y="1309492"/>
+            <a:ext cx="1182687" cy="1086745"/>
+          </a:xfrm>
+          <a:prstGeom prst="rect">
+            <a:avLst/>
+          </a:prstGeom>
+          <a:solidFill>
+            <a:schemeClr val="accent6"/>
+          </a:solidFill>
+        </p:spPr>
+        <p:style>
+          <a:lnRef idx="2">
+            <a:schemeClr val="accent1">
+              <a:shade val="50000"/>
+            </a:schemeClr>
+          </a:lnRef>
+          <a:fillRef idx="1">
+            <a:schemeClr val="accent1"/>
+          </a:fillRef>
+          <a:effectRef idx="0">
+            <a:schemeClr val="accent1"/>
+          </a:effectRef>
+          <a:fontRef idx="minor">
+            <a:schemeClr val="lt1"/>
+          </a:fontRef>
+        </p:style>
+        <p:txBody>
+          <a:bodyPr rtlCol="0" anchor="ctr"/>
+          <a:lstStyle/>
+          <a:p>
+            <a:pPr algn="ctr"/>
+            <a:r>
+              <a:rPr kumimoji="1" lang="en-US" altLang="ja-JP" sz="1600" b="1" dirty="0">
+                <a:latin typeface="Meiryo UI" panose="020B0604030504040204" pitchFamily="50" charset="-128"/>
+                <a:ea typeface="Meiryo UI" panose="020B0604030504040204" pitchFamily="50" charset="-128"/>
+              </a:rPr>
+              <a:t>1</a:t>
+            </a:r>
+            <a:r>
+              <a:rPr kumimoji="1" lang="ja-JP" altLang="en-US" sz="1600" b="1" dirty="0">
+                <a:latin typeface="Meiryo UI" panose="020B0604030504040204" pitchFamily="50" charset="-128"/>
+                <a:ea typeface="Meiryo UI" panose="020B0604030504040204" pitchFamily="50" charset="-128"/>
+              </a:rPr>
+              <a:t>データ当たりの</a:t>
+            </a:r>
+          </a:p>
+        </p:txBody>
+      </p:sp>
+      <p:sp>
+        <p:nvSpPr>
+          <p:cNvPr id="44" name="正方形/長方形 43">
+            <a:extLst>
+              <a:ext uri="{FF2B5EF4-FFF2-40B4-BE49-F238E27FC236}">
+                <a16:creationId xmlns:a16="http://schemas.microsoft.com/office/drawing/2014/main" id="{1AF7085B-9208-457E-9380-B67C0AFBB931}"/>
+              </a:ext>
+            </a:extLst>
+          </p:cNvPr>
+          <p:cNvSpPr/>
+          <p:nvPr/>
+        </p:nvSpPr>
+        <p:spPr>
+          <a:xfrm>
+            <a:off x="8744979" y="1309492"/>
+            <a:ext cx="1102840" cy="1086748"/>
+          </a:xfrm>
+          <a:prstGeom prst="rect">
+            <a:avLst/>
+          </a:prstGeom>
+          <a:solidFill>
+            <a:schemeClr val="accent2"/>
+          </a:solidFill>
+        </p:spPr>
+        <p:style>
+          <a:lnRef idx="2">
+            <a:schemeClr val="accent1">
+              <a:shade val="50000"/>
+            </a:schemeClr>
+          </a:lnRef>
+          <a:fillRef idx="1">
+            <a:schemeClr val="accent1"/>
+          </a:fillRef>
+          <a:effectRef idx="0">
+            <a:schemeClr val="accent1"/>
+          </a:effectRef>
+          <a:fontRef idx="minor">
+            <a:schemeClr val="lt1"/>
+          </a:fontRef>
+        </p:style>
+        <p:txBody>
+          <a:bodyPr rtlCol="0" anchor="ctr"/>
+          <a:lstStyle/>
+          <a:p>
+            <a:pPr algn="ctr"/>
+            <a:r>
+              <a:rPr kumimoji="1" lang="en-US" altLang="ja-JP" sz="1600" dirty="0">
+                <a:latin typeface="Meiryo UI" panose="020B0604030504040204" pitchFamily="50" charset="-128"/>
+                <a:ea typeface="Meiryo UI" panose="020B0604030504040204" pitchFamily="50" charset="-128"/>
+              </a:rPr>
+              <a:t>TP</a:t>
+            </a:r>
+            <a:r>
+              <a:rPr kumimoji="1" lang="ja-JP" altLang="en-US" sz="1600" dirty="0">
+                <a:latin typeface="Meiryo UI" panose="020B0604030504040204" pitchFamily="50" charset="-128"/>
+                <a:ea typeface="Meiryo UI" panose="020B0604030504040204" pitchFamily="50" charset="-128"/>
+              </a:rPr>
+              <a:t>全体の損失</a:t>
+            </a:r>
+          </a:p>
+        </p:txBody>
+      </p:sp>
+      <p:sp>
+        <p:nvSpPr>
+          <p:cNvPr id="45" name="正方形/長方形 44">
+            <a:extLst>
+              <a:ext uri="{FF2B5EF4-FFF2-40B4-BE49-F238E27FC236}">
+                <a16:creationId xmlns:a16="http://schemas.microsoft.com/office/drawing/2014/main" id="{75DA3A5F-8450-4BDF-8D8A-E153487D9437}"/>
+              </a:ext>
+            </a:extLst>
+          </p:cNvPr>
+          <p:cNvSpPr/>
+          <p:nvPr/>
+        </p:nvSpPr>
+        <p:spPr>
+          <a:xfrm>
+            <a:off x="9847817" y="2396237"/>
+            <a:ext cx="1182688" cy="1024090"/>
+          </a:xfrm>
+          <a:prstGeom prst="rect">
+            <a:avLst/>
+          </a:prstGeom>
+          <a:solidFill>
+            <a:schemeClr val="accent4"/>
+          </a:solidFill>
+        </p:spPr>
+        <p:style>
+          <a:lnRef idx="2">
+            <a:schemeClr val="accent1">
+              <a:shade val="50000"/>
+            </a:schemeClr>
+          </a:lnRef>
+          <a:fillRef idx="1">
+            <a:schemeClr val="accent1"/>
+          </a:fillRef>
+          <a:effectRef idx="0">
+            <a:schemeClr val="accent1"/>
+          </a:effectRef>
+          <a:fontRef idx="minor">
+            <a:schemeClr val="lt1"/>
+          </a:fontRef>
+        </p:style>
+        <p:txBody>
+          <a:bodyPr rtlCol="0" anchor="ctr"/>
+          <a:lstStyle/>
+          <a:p>
+            <a:pPr algn="ctr"/>
+            <a:r>
+              <a:rPr kumimoji="1" lang="en-US" altLang="ja-JP" sz="1600" dirty="0">
+                <a:latin typeface="Meiryo UI" panose="020B0604030504040204" pitchFamily="50" charset="-128"/>
+                <a:ea typeface="Meiryo UI" panose="020B0604030504040204" pitchFamily="50" charset="-128"/>
+              </a:rPr>
+              <a:t>TN</a:t>
+            </a:r>
+            <a:r>
+              <a:rPr kumimoji="1" lang="ja-JP" altLang="en-US" sz="1600" dirty="0">
+                <a:latin typeface="Meiryo UI" panose="020B0604030504040204" pitchFamily="50" charset="-128"/>
+                <a:ea typeface="Meiryo UI" panose="020B0604030504040204" pitchFamily="50" charset="-128"/>
+              </a:rPr>
+              <a:t>全体の損失</a:t>
+            </a:r>
+          </a:p>
+        </p:txBody>
+      </p:sp>
+      <p:sp>
+        <p:nvSpPr>
+          <p:cNvPr id="46" name="正方形/長方形 45">
+            <a:extLst>
+              <a:ext uri="{FF2B5EF4-FFF2-40B4-BE49-F238E27FC236}">
+                <a16:creationId xmlns:a16="http://schemas.microsoft.com/office/drawing/2014/main" id="{97D2079B-D083-4B2B-953D-37D4EDE8C4FD}"/>
+              </a:ext>
+            </a:extLst>
+          </p:cNvPr>
+          <p:cNvSpPr/>
+          <p:nvPr/>
+        </p:nvSpPr>
+        <p:spPr>
+          <a:xfrm>
+            <a:off x="8744979" y="2404917"/>
+            <a:ext cx="1102839" cy="1024083"/>
+          </a:xfrm>
+          <a:prstGeom prst="rect">
+            <a:avLst/>
+          </a:prstGeom>
+        </p:spPr>
+        <p:style>
+          <a:lnRef idx="2">
+            <a:schemeClr val="accent1">
+              <a:shade val="50000"/>
+            </a:schemeClr>
+          </a:lnRef>
+          <a:fillRef idx="1">
+            <a:schemeClr val="accent1"/>
+          </a:fillRef>
+          <a:effectRef idx="0">
+            <a:schemeClr val="accent1"/>
+          </a:effectRef>
+          <a:fontRef idx="minor">
+            <a:schemeClr val="lt1"/>
+          </a:fontRef>
+        </p:style>
+        <p:txBody>
+          <a:bodyPr rtlCol="0" anchor="ctr"/>
+          <a:lstStyle/>
+          <a:p>
+            <a:pPr algn="ctr"/>
+            <a:r>
+              <a:rPr kumimoji="1" lang="en-US" altLang="ja-JP" sz="1600" dirty="0">
+                <a:latin typeface="Meiryo UI" panose="020B0604030504040204" pitchFamily="50" charset="-128"/>
+                <a:ea typeface="Meiryo UI" panose="020B0604030504040204" pitchFamily="50" charset="-128"/>
+              </a:rPr>
+              <a:t>FP</a:t>
+            </a:r>
+            <a:r>
+              <a:rPr kumimoji="1" lang="ja-JP" altLang="en-US" sz="1600" dirty="0">
+                <a:latin typeface="Meiryo UI" panose="020B0604030504040204" pitchFamily="50" charset="-128"/>
+                <a:ea typeface="Meiryo UI" panose="020B0604030504040204" pitchFamily="50" charset="-128"/>
+              </a:rPr>
+              <a:t>全体の損失</a:t>
+            </a:r>
+          </a:p>
+        </p:txBody>
+      </p:sp>
+      <p:sp>
+        <p:nvSpPr>
+          <p:cNvPr id="47" name="正方形/長方形 46">
+            <a:extLst>
+              <a:ext uri="{FF2B5EF4-FFF2-40B4-BE49-F238E27FC236}">
+                <a16:creationId xmlns:a16="http://schemas.microsoft.com/office/drawing/2014/main" id="{DCB34E86-3107-45CC-A289-7476919101E7}"/>
+              </a:ext>
+            </a:extLst>
+          </p:cNvPr>
+          <p:cNvSpPr/>
+          <p:nvPr/>
+        </p:nvSpPr>
+        <p:spPr>
+          <a:xfrm>
+            <a:off x="9847818" y="1309492"/>
+            <a:ext cx="1182687" cy="1086745"/>
+          </a:xfrm>
+          <a:prstGeom prst="rect">
+            <a:avLst/>
+          </a:prstGeom>
+          <a:solidFill>
+            <a:schemeClr val="accent6"/>
+          </a:solidFill>
+        </p:spPr>
+        <p:style>
+          <a:lnRef idx="2">
+            <a:schemeClr val="accent1">
+              <a:shade val="50000"/>
+            </a:schemeClr>
+          </a:lnRef>
+          <a:fillRef idx="1">
+            <a:schemeClr val="accent1"/>
+          </a:fillRef>
+          <a:effectRef idx="0">
+            <a:schemeClr val="accent1"/>
+          </a:effectRef>
+          <a:fontRef idx="minor">
+            <a:schemeClr val="lt1"/>
+          </a:fontRef>
+        </p:style>
+        <p:txBody>
+          <a:bodyPr rtlCol="0" anchor="ctr"/>
+          <a:lstStyle/>
+          <a:p>
+            <a:pPr algn="ctr"/>
+            <a:r>
+              <a:rPr kumimoji="1" lang="en-US" altLang="ja-JP" sz="1600" dirty="0">
+                <a:latin typeface="Meiryo UI" panose="020B0604030504040204" pitchFamily="50" charset="-128"/>
+                <a:ea typeface="Meiryo UI" panose="020B0604030504040204" pitchFamily="50" charset="-128"/>
+              </a:rPr>
+              <a:t>FN</a:t>
+            </a:r>
+            <a:r>
+              <a:rPr kumimoji="1" lang="ja-JP" altLang="en-US" sz="1600" dirty="0">
+                <a:latin typeface="Meiryo UI" panose="020B0604030504040204" pitchFamily="50" charset="-128"/>
+                <a:ea typeface="Meiryo UI" panose="020B0604030504040204" pitchFamily="50" charset="-128"/>
+              </a:rPr>
+              <a:t>全体の損失</a:t>
+            </a:r>
+            <a:endParaRPr kumimoji="1" lang="ja-JP" altLang="en-US" sz="1600" b="1" dirty="0">
+              <a:latin typeface="Meiryo UI" panose="020B0604030504040204" pitchFamily="50" charset="-128"/>
+              <a:ea typeface="Meiryo UI" panose="020B0604030504040204" pitchFamily="50" charset="-128"/>
+            </a:endParaRPr>
+          </a:p>
+        </p:txBody>
+      </p:sp>
+      <p:sp>
+        <p:nvSpPr>
+          <p:cNvPr id="3" name="テキスト ボックス 2">
+            <a:extLst>
+              <a:ext uri="{FF2B5EF4-FFF2-40B4-BE49-F238E27FC236}">
+                <a16:creationId xmlns:a16="http://schemas.microsoft.com/office/drawing/2014/main" id="{A211EA44-860F-4A87-8F03-196C23B2FA8A}"/>
+              </a:ext>
+            </a:extLst>
+          </p:cNvPr>
+          <p:cNvSpPr txBox="1"/>
+          <p:nvPr/>
+        </p:nvSpPr>
+        <p:spPr>
+          <a:xfrm>
+            <a:off x="4222377" y="2220251"/>
+            <a:ext cx="340659" cy="369332"/>
+          </a:xfrm>
+          <a:prstGeom prst="rect">
+            <a:avLst/>
+          </a:prstGeom>
+          <a:noFill/>
+        </p:spPr>
+        <p:txBody>
+          <a:bodyPr wrap="square" rtlCol="0">
+            <a:spAutoFit/>
+          </a:bodyPr>
+          <a:lstStyle/>
+          <a:p>
+            <a:r>
+              <a:rPr lang="en-US" altLang="ja-JP" b="1" dirty="0"/>
+              <a:t>X</a:t>
+            </a:r>
+            <a:endParaRPr kumimoji="1" lang="ja-JP" altLang="en-US" b="1" dirty="0"/>
+          </a:p>
+        </p:txBody>
+      </p:sp>
+      <p:sp>
+        <p:nvSpPr>
+          <p:cNvPr id="48" name="テキスト ボックス 47">
+            <a:extLst>
+              <a:ext uri="{FF2B5EF4-FFF2-40B4-BE49-F238E27FC236}">
+                <a16:creationId xmlns:a16="http://schemas.microsoft.com/office/drawing/2014/main" id="{70826A86-9289-4C6F-8661-76420D0C852F}"/>
+              </a:ext>
+            </a:extLst>
+          </p:cNvPr>
+          <p:cNvSpPr txBox="1"/>
+          <p:nvPr/>
+        </p:nvSpPr>
+        <p:spPr>
+          <a:xfrm>
+            <a:off x="7887795" y="2220251"/>
+            <a:ext cx="340659" cy="369332"/>
+          </a:xfrm>
+          <a:prstGeom prst="rect">
+            <a:avLst/>
+          </a:prstGeom>
+          <a:noFill/>
+        </p:spPr>
+        <p:txBody>
+          <a:bodyPr wrap="square" rtlCol="0">
+            <a:spAutoFit/>
+          </a:bodyPr>
+          <a:lstStyle/>
+          <a:p>
+            <a:r>
+              <a:rPr lang="en-US" altLang="ja-JP" b="1" dirty="0"/>
+              <a:t>=</a:t>
+            </a:r>
+            <a:endParaRPr kumimoji="1" lang="ja-JP" altLang="en-US" b="1" dirty="0"/>
+          </a:p>
+        </p:txBody>
+      </p:sp>
+      <p:sp>
+        <p:nvSpPr>
+          <p:cNvPr id="49" name="テキスト ボックス 48">
+            <a:extLst>
+              <a:ext uri="{FF2B5EF4-FFF2-40B4-BE49-F238E27FC236}">
+                <a16:creationId xmlns:a16="http://schemas.microsoft.com/office/drawing/2014/main" id="{E9E30270-3EF4-40F9-A209-448347427758}"/>
+              </a:ext>
+            </a:extLst>
+          </p:cNvPr>
+          <p:cNvSpPr txBox="1"/>
+          <p:nvPr/>
+        </p:nvSpPr>
+        <p:spPr>
+          <a:xfrm>
+            <a:off x="1781637" y="823050"/>
+            <a:ext cx="1495426" cy="369332"/>
+          </a:xfrm>
+          <a:prstGeom prst="rect">
+            <a:avLst/>
+          </a:prstGeom>
+          <a:noFill/>
+        </p:spPr>
+        <p:txBody>
+          <a:bodyPr wrap="square" rtlCol="0">
+            <a:spAutoFit/>
+          </a:bodyPr>
+          <a:lstStyle/>
+          <a:p>
+            <a:pPr algn="ctr"/>
+            <a:r>
+              <a:rPr kumimoji="1" lang="ja-JP" altLang="en-US" dirty="0">
+                <a:latin typeface="Meiryo UI" panose="020B0604030504040204" pitchFamily="50" charset="-128"/>
+                <a:ea typeface="Meiryo UI" panose="020B0604030504040204" pitchFamily="50" charset="-128"/>
+              </a:rPr>
+              <a:t>混合行列</a:t>
+            </a:r>
+          </a:p>
+        </p:txBody>
+      </p:sp>
+      <p:cxnSp>
+        <p:nvCxnSpPr>
+          <p:cNvPr id="50" name="直線コネクタ 49">
+            <a:extLst>
+              <a:ext uri="{FF2B5EF4-FFF2-40B4-BE49-F238E27FC236}">
+                <a16:creationId xmlns:a16="http://schemas.microsoft.com/office/drawing/2014/main" id="{C95929C9-8D4F-4502-819F-04830C310465}"/>
+              </a:ext>
+            </a:extLst>
+          </p:cNvPr>
+          <p:cNvCxnSpPr>
+            <a:cxnSpLocks/>
+          </p:cNvCxnSpPr>
+          <p:nvPr/>
+        </p:nvCxnSpPr>
+        <p:spPr>
+          <a:xfrm>
+            <a:off x="1781637" y="1192383"/>
+            <a:ext cx="1495426" cy="0"/>
+          </a:xfrm>
+          <a:prstGeom prst="line">
+            <a:avLst/>
+          </a:prstGeom>
+          <a:ln w="25400"/>
+        </p:spPr>
+        <p:style>
+          <a:lnRef idx="1">
+            <a:schemeClr val="accent1"/>
+          </a:lnRef>
+          <a:fillRef idx="0">
+            <a:schemeClr val="accent1"/>
+          </a:fillRef>
+          <a:effectRef idx="0">
+            <a:schemeClr val="accent1"/>
+          </a:effectRef>
+          <a:fontRef idx="minor">
+            <a:schemeClr val="tx1"/>
+          </a:fontRef>
+        </p:style>
+      </p:cxnSp>
+      <p:sp>
+        <p:nvSpPr>
+          <p:cNvPr id="51" name="テキスト ボックス 50">
+            <a:extLst>
+              <a:ext uri="{FF2B5EF4-FFF2-40B4-BE49-F238E27FC236}">
+                <a16:creationId xmlns:a16="http://schemas.microsoft.com/office/drawing/2014/main" id="{5295DDC6-1981-4E73-9F56-6F78EA80D32D}"/>
+              </a:ext>
+            </a:extLst>
+          </p:cNvPr>
+          <p:cNvSpPr txBox="1"/>
+          <p:nvPr/>
+        </p:nvSpPr>
+        <p:spPr>
+          <a:xfrm>
+            <a:off x="5306752" y="571242"/>
+            <a:ext cx="1954305" cy="646331"/>
+          </a:xfrm>
+          <a:prstGeom prst="rect">
+            <a:avLst/>
+          </a:prstGeom>
+          <a:noFill/>
+        </p:spPr>
+        <p:txBody>
+          <a:bodyPr wrap="square" rtlCol="0">
+            <a:spAutoFit/>
+          </a:bodyPr>
+          <a:lstStyle/>
+          <a:p>
+            <a:pPr algn="ctr"/>
+            <a:r>
+              <a:rPr kumimoji="1" lang="ja-JP" altLang="en-US" dirty="0">
+                <a:latin typeface="Meiryo UI" panose="020B0604030504040204" pitchFamily="50" charset="-128"/>
+                <a:ea typeface="Meiryo UI" panose="020B0604030504040204" pitchFamily="50" charset="-128"/>
+              </a:rPr>
+              <a:t>損失行列</a:t>
+            </a:r>
+            <a:endParaRPr kumimoji="1" lang="en-US" altLang="ja-JP" dirty="0">
+              <a:latin typeface="Meiryo UI" panose="020B0604030504040204" pitchFamily="50" charset="-128"/>
+              <a:ea typeface="Meiryo UI" panose="020B0604030504040204" pitchFamily="50" charset="-128"/>
+            </a:endParaRPr>
+          </a:p>
+          <a:p>
+            <a:pPr algn="ctr"/>
+            <a:r>
+              <a:rPr kumimoji="1" lang="ja-JP" altLang="en-US" dirty="0">
+                <a:latin typeface="Meiryo UI" panose="020B0604030504040204" pitchFamily="50" charset="-128"/>
+                <a:ea typeface="Meiryo UI" panose="020B0604030504040204" pitchFamily="50" charset="-128"/>
+              </a:rPr>
+              <a:t>（</a:t>
+            </a:r>
+            <a:r>
+              <a:rPr kumimoji="1" lang="en-US" altLang="ja-JP" dirty="0">
+                <a:latin typeface="Meiryo UI" panose="020B0604030504040204" pitchFamily="50" charset="-128"/>
+                <a:ea typeface="Meiryo UI" panose="020B0604030504040204" pitchFamily="50" charset="-128"/>
+              </a:rPr>
+              <a:t>1</a:t>
+            </a:r>
+            <a:r>
+              <a:rPr kumimoji="1" lang="ja-JP" altLang="en-US" dirty="0">
+                <a:latin typeface="Meiryo UI" panose="020B0604030504040204" pitchFamily="50" charset="-128"/>
+                <a:ea typeface="Meiryo UI" panose="020B0604030504040204" pitchFamily="50" charset="-128"/>
+              </a:rPr>
+              <a:t>データ当たり）</a:t>
+            </a:r>
+          </a:p>
+        </p:txBody>
+      </p:sp>
+      <p:cxnSp>
+        <p:nvCxnSpPr>
+          <p:cNvPr id="52" name="直線コネクタ 51">
+            <a:extLst>
+              <a:ext uri="{FF2B5EF4-FFF2-40B4-BE49-F238E27FC236}">
+                <a16:creationId xmlns:a16="http://schemas.microsoft.com/office/drawing/2014/main" id="{BB1B0816-CA25-47CE-AE07-0308BB5DB619}"/>
+              </a:ext>
+            </a:extLst>
+          </p:cNvPr>
+          <p:cNvCxnSpPr>
+            <a:cxnSpLocks/>
+          </p:cNvCxnSpPr>
+          <p:nvPr/>
+        </p:nvCxnSpPr>
+        <p:spPr>
+          <a:xfrm>
+            <a:off x="5440870" y="1192383"/>
+            <a:ext cx="1686071" cy="0"/>
+          </a:xfrm>
+          <a:prstGeom prst="line">
+            <a:avLst/>
+          </a:prstGeom>
+          <a:ln w="25400"/>
+        </p:spPr>
+        <p:style>
+          <a:lnRef idx="1">
+            <a:schemeClr val="accent1"/>
+          </a:lnRef>
+          <a:fillRef idx="0">
+            <a:schemeClr val="accent1"/>
+          </a:fillRef>
+          <a:effectRef idx="0">
+            <a:schemeClr val="accent1"/>
+          </a:effectRef>
+          <a:fontRef idx="minor">
+            <a:schemeClr val="tx1"/>
+          </a:fontRef>
+        </p:style>
+      </p:cxnSp>
+      <p:sp>
+        <p:nvSpPr>
+          <p:cNvPr id="53" name="テキスト ボックス 52">
+            <a:extLst>
+              <a:ext uri="{FF2B5EF4-FFF2-40B4-BE49-F238E27FC236}">
+                <a16:creationId xmlns:a16="http://schemas.microsoft.com/office/drawing/2014/main" id="{71ED1461-5C8B-4856-A6E5-B210A3C9428F}"/>
+              </a:ext>
+            </a:extLst>
+          </p:cNvPr>
+          <p:cNvSpPr txBox="1"/>
+          <p:nvPr/>
+        </p:nvSpPr>
+        <p:spPr>
+          <a:xfrm>
+            <a:off x="8955387" y="571242"/>
+            <a:ext cx="1954305" cy="646331"/>
+          </a:xfrm>
+          <a:prstGeom prst="rect">
+            <a:avLst/>
+          </a:prstGeom>
+          <a:noFill/>
+        </p:spPr>
+        <p:txBody>
+          <a:bodyPr wrap="square" rtlCol="0">
+            <a:spAutoFit/>
+          </a:bodyPr>
+          <a:lstStyle/>
+          <a:p>
+            <a:pPr algn="ctr"/>
+            <a:r>
+              <a:rPr kumimoji="1" lang="ja-JP" altLang="en-US" dirty="0">
+                <a:latin typeface="Meiryo UI" panose="020B0604030504040204" pitchFamily="50" charset="-128"/>
+                <a:ea typeface="Meiryo UI" panose="020B0604030504040204" pitchFamily="50" charset="-128"/>
+              </a:rPr>
+              <a:t>損失行列</a:t>
+            </a:r>
+            <a:endParaRPr kumimoji="1" lang="en-US" altLang="ja-JP" dirty="0">
+              <a:latin typeface="Meiryo UI" panose="020B0604030504040204" pitchFamily="50" charset="-128"/>
+              <a:ea typeface="Meiryo UI" panose="020B0604030504040204" pitchFamily="50" charset="-128"/>
+            </a:endParaRPr>
+          </a:p>
+          <a:p>
+            <a:pPr algn="ctr"/>
+            <a:r>
+              <a:rPr kumimoji="1" lang="ja-JP" altLang="en-US" dirty="0">
+                <a:latin typeface="Meiryo UI" panose="020B0604030504040204" pitchFamily="50" charset="-128"/>
+                <a:ea typeface="Meiryo UI" panose="020B0604030504040204" pitchFamily="50" charset="-128"/>
+              </a:rPr>
+              <a:t>（全体）</a:t>
+            </a:r>
+          </a:p>
+        </p:txBody>
+      </p:sp>
+      <p:cxnSp>
+        <p:nvCxnSpPr>
+          <p:cNvPr id="54" name="直線コネクタ 53">
+            <a:extLst>
+              <a:ext uri="{FF2B5EF4-FFF2-40B4-BE49-F238E27FC236}">
+                <a16:creationId xmlns:a16="http://schemas.microsoft.com/office/drawing/2014/main" id="{85DE0B7E-EE4D-42B7-A6F4-D2531FC32A25}"/>
+              </a:ext>
+            </a:extLst>
+          </p:cNvPr>
+          <p:cNvCxnSpPr>
+            <a:cxnSpLocks/>
+          </p:cNvCxnSpPr>
+          <p:nvPr/>
+        </p:nvCxnSpPr>
+        <p:spPr>
+          <a:xfrm>
+            <a:off x="9089505" y="1192383"/>
+            <a:ext cx="1686071" cy="0"/>
+          </a:xfrm>
+          <a:prstGeom prst="line">
+            <a:avLst/>
+          </a:prstGeom>
+          <a:ln w="25400"/>
+        </p:spPr>
+        <p:style>
+          <a:lnRef idx="1">
+            <a:schemeClr val="accent1"/>
+          </a:lnRef>
+          <a:fillRef idx="0">
+            <a:schemeClr val="accent1"/>
+          </a:fillRef>
+          <a:effectRef idx="0">
+            <a:schemeClr val="accent1"/>
+          </a:effectRef>
+          <a:fontRef idx="minor">
+            <a:schemeClr val="tx1"/>
+          </a:fontRef>
+        </p:style>
+      </p:cxnSp>
+    </p:spTree>
+    <p:extLst>
+      <p:ext uri="{BB962C8B-B14F-4D97-AF65-F5344CB8AC3E}">
+        <p14:creationId xmlns:p14="http://schemas.microsoft.com/office/powerpoint/2010/main" val="2183231339"/>
+      </p:ext>
+    </p:extLst>
+  </p:cSld>
+  <p:clrMapOvr>
+    <a:masterClrMapping/>
+  </p:clrMapOvr>
+</p:sld>
+</file>
+
 <file path=ppt/theme/theme1.xml><?xml version="1.0" encoding="utf-8"?>
 <a:theme xmlns:a="http://schemas.openxmlformats.org/drawingml/2006/main" name="Office テーマ">
   <a:themeElements>

--- a/pub_writing/20200229_imbalance/挿絵.pptx
+++ b/pub_writing/20200229_imbalance/挿絵.pptx
@@ -9,7 +9,8 @@
     <p:sldId id="257" r:id="rId3"/>
     <p:sldId id="258" r:id="rId4"/>
     <p:sldId id="259" r:id="rId5"/>
-    <p:sldId id="260" r:id="rId6"/>
+    <p:sldId id="261" r:id="rId6"/>
+    <p:sldId id="260" r:id="rId7"/>
   </p:sldIdLst>
   <p:sldSz cx="12192000" cy="6858000"/>
   <p:notesSz cx="6858000" cy="9144000"/>
@@ -263,7 +264,7 @@
           <a:p>
             <a:fld id="{FB7CF62E-CE0A-4A24-BF36-7EEB5EF31D49}" type="datetimeFigureOut">
               <a:rPr kumimoji="1" lang="ja-JP" altLang="en-US" smtClean="0"/>
-              <a:t>2020/1/26</a:t>
+              <a:t>2020/2/1</a:t>
             </a:fld>
             <a:endParaRPr kumimoji="1" lang="ja-JP" altLang="en-US"/>
           </a:p>
@@ -493,7 +494,7 @@
           <a:p>
             <a:fld id="{FB7CF62E-CE0A-4A24-BF36-7EEB5EF31D49}" type="datetimeFigureOut">
               <a:rPr kumimoji="1" lang="ja-JP" altLang="en-US" smtClean="0"/>
-              <a:t>2020/1/26</a:t>
+              <a:t>2020/2/1</a:t>
             </a:fld>
             <a:endParaRPr kumimoji="1" lang="ja-JP" altLang="en-US"/>
           </a:p>
@@ -733,7 +734,7 @@
           <a:p>
             <a:fld id="{FB7CF62E-CE0A-4A24-BF36-7EEB5EF31D49}" type="datetimeFigureOut">
               <a:rPr kumimoji="1" lang="ja-JP" altLang="en-US" smtClean="0"/>
-              <a:t>2020/1/26</a:t>
+              <a:t>2020/2/1</a:t>
             </a:fld>
             <a:endParaRPr kumimoji="1" lang="ja-JP" altLang="en-US"/>
           </a:p>
@@ -963,7 +964,7 @@
           <a:p>
             <a:fld id="{FB7CF62E-CE0A-4A24-BF36-7EEB5EF31D49}" type="datetimeFigureOut">
               <a:rPr kumimoji="1" lang="ja-JP" altLang="en-US" smtClean="0"/>
-              <a:t>2020/1/26</a:t>
+              <a:t>2020/2/1</a:t>
             </a:fld>
             <a:endParaRPr kumimoji="1" lang="ja-JP" altLang="en-US"/>
           </a:p>
@@ -1238,7 +1239,7 @@
           <a:p>
             <a:fld id="{FB7CF62E-CE0A-4A24-BF36-7EEB5EF31D49}" type="datetimeFigureOut">
               <a:rPr kumimoji="1" lang="ja-JP" altLang="en-US" smtClean="0"/>
-              <a:t>2020/1/26</a:t>
+              <a:t>2020/2/1</a:t>
             </a:fld>
             <a:endParaRPr kumimoji="1" lang="ja-JP" altLang="en-US"/>
           </a:p>
@@ -1567,7 +1568,7 @@
           <a:p>
             <a:fld id="{FB7CF62E-CE0A-4A24-BF36-7EEB5EF31D49}" type="datetimeFigureOut">
               <a:rPr kumimoji="1" lang="ja-JP" altLang="en-US" smtClean="0"/>
-              <a:t>2020/1/26</a:t>
+              <a:t>2020/2/1</a:t>
             </a:fld>
             <a:endParaRPr kumimoji="1" lang="ja-JP" altLang="en-US"/>
           </a:p>
@@ -2043,7 +2044,7 @@
           <a:p>
             <a:fld id="{FB7CF62E-CE0A-4A24-BF36-7EEB5EF31D49}" type="datetimeFigureOut">
               <a:rPr kumimoji="1" lang="ja-JP" altLang="en-US" smtClean="0"/>
-              <a:t>2020/1/26</a:t>
+              <a:t>2020/2/1</a:t>
             </a:fld>
             <a:endParaRPr kumimoji="1" lang="ja-JP" altLang="en-US"/>
           </a:p>
@@ -2184,7 +2185,7 @@
           <a:p>
             <a:fld id="{FB7CF62E-CE0A-4A24-BF36-7EEB5EF31D49}" type="datetimeFigureOut">
               <a:rPr kumimoji="1" lang="ja-JP" altLang="en-US" smtClean="0"/>
-              <a:t>2020/1/26</a:t>
+              <a:t>2020/2/1</a:t>
             </a:fld>
             <a:endParaRPr kumimoji="1" lang="ja-JP" altLang="en-US"/>
           </a:p>
@@ -2297,7 +2298,7 @@
           <a:p>
             <a:fld id="{FB7CF62E-CE0A-4A24-BF36-7EEB5EF31D49}" type="datetimeFigureOut">
               <a:rPr kumimoji="1" lang="ja-JP" altLang="en-US" smtClean="0"/>
-              <a:t>2020/1/26</a:t>
+              <a:t>2020/2/1</a:t>
             </a:fld>
             <a:endParaRPr kumimoji="1" lang="ja-JP" altLang="en-US"/>
           </a:p>
@@ -2640,7 +2641,7 @@
           <a:p>
             <a:fld id="{FB7CF62E-CE0A-4A24-BF36-7EEB5EF31D49}" type="datetimeFigureOut">
               <a:rPr kumimoji="1" lang="ja-JP" altLang="en-US" smtClean="0"/>
-              <a:t>2020/1/26</a:t>
+              <a:t>2020/2/1</a:t>
             </a:fld>
             <a:endParaRPr kumimoji="1" lang="ja-JP" altLang="en-US"/>
           </a:p>
@@ -2928,7 +2929,7 @@
           <a:p>
             <a:fld id="{FB7CF62E-CE0A-4A24-BF36-7EEB5EF31D49}" type="datetimeFigureOut">
               <a:rPr kumimoji="1" lang="ja-JP" altLang="en-US" smtClean="0"/>
-              <a:t>2020/1/26</a:t>
+              <a:t>2020/2/1</a:t>
             </a:fld>
             <a:endParaRPr kumimoji="1" lang="ja-JP" altLang="en-US"/>
           </a:p>
@@ -3201,7 +3202,7 @@
           <a:p>
             <a:fld id="{FB7CF62E-CE0A-4A24-BF36-7EEB5EF31D49}" type="datetimeFigureOut">
               <a:rPr kumimoji="1" lang="ja-JP" altLang="en-US" smtClean="0"/>
-              <a:t>2020/1/26</a:t>
+              <a:t>2020/2/1</a:t>
             </a:fld>
             <a:endParaRPr kumimoji="1" lang="ja-JP" altLang="en-US"/>
           </a:p>
@@ -7155,6 +7156,1031 @@
           <a:chExt cx="0" cy="0"/>
         </a:xfrm>
       </p:grpSpPr>
+      <p:cxnSp>
+        <p:nvCxnSpPr>
+          <p:cNvPr id="59" name="直線コネクタ 58">
+            <a:extLst>
+              <a:ext uri="{FF2B5EF4-FFF2-40B4-BE49-F238E27FC236}">
+                <a16:creationId xmlns:a16="http://schemas.microsoft.com/office/drawing/2014/main" id="{31DCDFEA-0894-49D4-8537-955560C096B0}"/>
+              </a:ext>
+            </a:extLst>
+          </p:cNvPr>
+          <p:cNvCxnSpPr>
+            <a:cxnSpLocks/>
+          </p:cNvCxnSpPr>
+          <p:nvPr/>
+        </p:nvCxnSpPr>
+        <p:spPr>
+          <a:xfrm>
+            <a:off x="9782010" y="2025390"/>
+            <a:ext cx="1090063" cy="1"/>
+          </a:xfrm>
+          <a:prstGeom prst="line">
+            <a:avLst/>
+          </a:prstGeom>
+          <a:ln w="25400"/>
+        </p:spPr>
+        <p:style>
+          <a:lnRef idx="1">
+            <a:schemeClr val="accent1"/>
+          </a:lnRef>
+          <a:fillRef idx="0">
+            <a:schemeClr val="accent1"/>
+          </a:fillRef>
+          <a:effectRef idx="0">
+            <a:schemeClr val="accent1"/>
+          </a:effectRef>
+          <a:fontRef idx="minor">
+            <a:schemeClr val="tx1"/>
+          </a:fontRef>
+        </p:style>
+      </p:cxnSp>
+      <p:sp>
+        <p:nvSpPr>
+          <p:cNvPr id="60" name="正方形/長方形 59">
+            <a:extLst>
+              <a:ext uri="{FF2B5EF4-FFF2-40B4-BE49-F238E27FC236}">
+                <a16:creationId xmlns:a16="http://schemas.microsoft.com/office/drawing/2014/main" id="{982C0071-552B-48CD-A8EE-FBCFE845AD42}"/>
+              </a:ext>
+            </a:extLst>
+          </p:cNvPr>
+          <p:cNvSpPr/>
+          <p:nvPr/>
+        </p:nvSpPr>
+        <p:spPr>
+          <a:xfrm>
+            <a:off x="10327042" y="2458356"/>
+            <a:ext cx="443914" cy="388419"/>
+          </a:xfrm>
+          <a:prstGeom prst="rect">
+            <a:avLst/>
+          </a:prstGeom>
+          <a:solidFill>
+            <a:schemeClr val="accent4"/>
+          </a:solidFill>
+        </p:spPr>
+        <p:style>
+          <a:lnRef idx="2">
+            <a:schemeClr val="accent1">
+              <a:shade val="50000"/>
+            </a:schemeClr>
+          </a:lnRef>
+          <a:fillRef idx="1">
+            <a:schemeClr val="accent1"/>
+          </a:fillRef>
+          <a:effectRef idx="0">
+            <a:schemeClr val="accent1"/>
+          </a:effectRef>
+          <a:fontRef idx="minor">
+            <a:schemeClr val="lt1"/>
+          </a:fontRef>
+        </p:style>
+        <p:txBody>
+          <a:bodyPr rtlCol="0" anchor="ctr"/>
+          <a:lstStyle/>
+          <a:p>
+            <a:pPr algn="ctr"/>
+            <a:r>
+              <a:rPr kumimoji="1" lang="en-US" altLang="ja-JP" sz="1200" dirty="0"/>
+              <a:t>TN</a:t>
+            </a:r>
+            <a:endParaRPr kumimoji="1" lang="ja-JP" altLang="en-US" sz="1200" dirty="0"/>
+          </a:p>
+        </p:txBody>
+      </p:sp>
+      <p:sp>
+        <p:nvSpPr>
+          <p:cNvPr id="61" name="正方形/長方形 60">
+            <a:extLst>
+              <a:ext uri="{FF2B5EF4-FFF2-40B4-BE49-F238E27FC236}">
+                <a16:creationId xmlns:a16="http://schemas.microsoft.com/office/drawing/2014/main" id="{8909DC91-0959-4AA9-8E67-82A2E52EFCD8}"/>
+              </a:ext>
+            </a:extLst>
+          </p:cNvPr>
+          <p:cNvSpPr/>
+          <p:nvPr/>
+        </p:nvSpPr>
+        <p:spPr>
+          <a:xfrm>
+            <a:off x="9883129" y="2458358"/>
+            <a:ext cx="443914" cy="388416"/>
+          </a:xfrm>
+          <a:prstGeom prst="rect">
+            <a:avLst/>
+          </a:prstGeom>
+        </p:spPr>
+        <p:style>
+          <a:lnRef idx="2">
+            <a:schemeClr val="accent1">
+              <a:shade val="50000"/>
+            </a:schemeClr>
+          </a:lnRef>
+          <a:fillRef idx="1">
+            <a:schemeClr val="accent1"/>
+          </a:fillRef>
+          <a:effectRef idx="0">
+            <a:schemeClr val="accent1"/>
+          </a:effectRef>
+          <a:fontRef idx="minor">
+            <a:schemeClr val="lt1"/>
+          </a:fontRef>
+        </p:style>
+        <p:txBody>
+          <a:bodyPr rtlCol="0" anchor="ctr"/>
+          <a:lstStyle/>
+          <a:p>
+            <a:pPr algn="ctr"/>
+            <a:r>
+              <a:rPr kumimoji="1" lang="en-US" altLang="ja-JP" sz="1200" dirty="0"/>
+              <a:t>FP</a:t>
+            </a:r>
+            <a:endParaRPr kumimoji="1" lang="ja-JP" altLang="en-US" sz="1200" dirty="0"/>
+          </a:p>
+        </p:txBody>
+      </p:sp>
+      <p:sp>
+        <p:nvSpPr>
+          <p:cNvPr id="62" name="正方形/長方形 61">
+            <a:extLst>
+              <a:ext uri="{FF2B5EF4-FFF2-40B4-BE49-F238E27FC236}">
+                <a16:creationId xmlns:a16="http://schemas.microsoft.com/office/drawing/2014/main" id="{A0994B14-1F58-42F5-910F-26A7638DD7F7}"/>
+              </a:ext>
+            </a:extLst>
+          </p:cNvPr>
+          <p:cNvSpPr/>
+          <p:nvPr/>
+        </p:nvSpPr>
+        <p:spPr>
+          <a:xfrm>
+            <a:off x="10327042" y="2069939"/>
+            <a:ext cx="443914" cy="388419"/>
+          </a:xfrm>
+          <a:prstGeom prst="rect">
+            <a:avLst/>
+          </a:prstGeom>
+          <a:solidFill>
+            <a:schemeClr val="accent6"/>
+          </a:solidFill>
+        </p:spPr>
+        <p:style>
+          <a:lnRef idx="2">
+            <a:schemeClr val="accent1">
+              <a:shade val="50000"/>
+            </a:schemeClr>
+          </a:lnRef>
+          <a:fillRef idx="1">
+            <a:schemeClr val="accent1"/>
+          </a:fillRef>
+          <a:effectRef idx="0">
+            <a:schemeClr val="accent1"/>
+          </a:effectRef>
+          <a:fontRef idx="minor">
+            <a:schemeClr val="lt1"/>
+          </a:fontRef>
+        </p:style>
+        <p:txBody>
+          <a:bodyPr rtlCol="0" anchor="ctr"/>
+          <a:lstStyle/>
+          <a:p>
+            <a:pPr algn="ctr"/>
+            <a:r>
+              <a:rPr kumimoji="1" lang="en-US" altLang="ja-JP" sz="1200" dirty="0"/>
+              <a:t>FN</a:t>
+            </a:r>
+            <a:endParaRPr kumimoji="1" lang="ja-JP" altLang="en-US" sz="1200" dirty="0"/>
+          </a:p>
+        </p:txBody>
+      </p:sp>
+      <p:sp>
+        <p:nvSpPr>
+          <p:cNvPr id="63" name="正方形/長方形 62">
+            <a:extLst>
+              <a:ext uri="{FF2B5EF4-FFF2-40B4-BE49-F238E27FC236}">
+                <a16:creationId xmlns:a16="http://schemas.microsoft.com/office/drawing/2014/main" id="{FF27480F-97ED-4E05-9283-47ADF6B17DDE}"/>
+              </a:ext>
+            </a:extLst>
+          </p:cNvPr>
+          <p:cNvSpPr/>
+          <p:nvPr/>
+        </p:nvSpPr>
+        <p:spPr>
+          <a:xfrm>
+            <a:off x="9883129" y="2072421"/>
+            <a:ext cx="443915" cy="388420"/>
+          </a:xfrm>
+          <a:prstGeom prst="rect">
+            <a:avLst/>
+          </a:prstGeom>
+          <a:solidFill>
+            <a:schemeClr val="accent2"/>
+          </a:solidFill>
+        </p:spPr>
+        <p:style>
+          <a:lnRef idx="2">
+            <a:schemeClr val="accent1">
+              <a:shade val="50000"/>
+            </a:schemeClr>
+          </a:lnRef>
+          <a:fillRef idx="1">
+            <a:schemeClr val="accent1"/>
+          </a:fillRef>
+          <a:effectRef idx="0">
+            <a:schemeClr val="accent1"/>
+          </a:effectRef>
+          <a:fontRef idx="minor">
+            <a:schemeClr val="lt1"/>
+          </a:fontRef>
+        </p:style>
+        <p:txBody>
+          <a:bodyPr rtlCol="0" anchor="ctr"/>
+          <a:lstStyle/>
+          <a:p>
+            <a:pPr algn="ctr"/>
+            <a:r>
+              <a:rPr kumimoji="1" lang="en-US" altLang="ja-JP" sz="1200" dirty="0"/>
+              <a:t>TP</a:t>
+            </a:r>
+            <a:endParaRPr kumimoji="1" lang="ja-JP" altLang="en-US" sz="1200" dirty="0"/>
+          </a:p>
+        </p:txBody>
+      </p:sp>
+      <p:sp>
+        <p:nvSpPr>
+          <p:cNvPr id="64" name="正方形/長方形 63">
+            <a:extLst>
+              <a:ext uri="{FF2B5EF4-FFF2-40B4-BE49-F238E27FC236}">
+                <a16:creationId xmlns:a16="http://schemas.microsoft.com/office/drawing/2014/main" id="{1452AF07-5836-4371-BCC7-17FCA3CB4541}"/>
+              </a:ext>
+            </a:extLst>
+          </p:cNvPr>
+          <p:cNvSpPr/>
+          <p:nvPr/>
+        </p:nvSpPr>
+        <p:spPr>
+          <a:xfrm>
+            <a:off x="10327042" y="1592423"/>
+            <a:ext cx="443914" cy="388419"/>
+          </a:xfrm>
+          <a:prstGeom prst="rect">
+            <a:avLst/>
+          </a:prstGeom>
+          <a:solidFill>
+            <a:schemeClr val="accent4"/>
+          </a:solidFill>
+        </p:spPr>
+        <p:style>
+          <a:lnRef idx="2">
+            <a:schemeClr val="accent1">
+              <a:shade val="50000"/>
+            </a:schemeClr>
+          </a:lnRef>
+          <a:fillRef idx="1">
+            <a:schemeClr val="accent1"/>
+          </a:fillRef>
+          <a:effectRef idx="0">
+            <a:schemeClr val="accent1"/>
+          </a:effectRef>
+          <a:fontRef idx="minor">
+            <a:schemeClr val="lt1"/>
+          </a:fontRef>
+        </p:style>
+        <p:txBody>
+          <a:bodyPr rtlCol="0" anchor="ctr"/>
+          <a:lstStyle/>
+          <a:p>
+            <a:pPr algn="ctr"/>
+            <a:r>
+              <a:rPr kumimoji="1" lang="en-US" altLang="ja-JP" sz="1200" dirty="0"/>
+              <a:t>TN</a:t>
+            </a:r>
+            <a:endParaRPr kumimoji="1" lang="ja-JP" altLang="en-US" sz="1200" dirty="0"/>
+          </a:p>
+        </p:txBody>
+      </p:sp>
+      <p:sp>
+        <p:nvSpPr>
+          <p:cNvPr id="67" name="正方形/長方形 66">
+            <a:extLst>
+              <a:ext uri="{FF2B5EF4-FFF2-40B4-BE49-F238E27FC236}">
+                <a16:creationId xmlns:a16="http://schemas.microsoft.com/office/drawing/2014/main" id="{44D7A977-4FFB-4AF3-A683-23352DFDA5DF}"/>
+              </a:ext>
+            </a:extLst>
+          </p:cNvPr>
+          <p:cNvSpPr/>
+          <p:nvPr/>
+        </p:nvSpPr>
+        <p:spPr>
+          <a:xfrm>
+            <a:off x="9883129" y="1206488"/>
+            <a:ext cx="443915" cy="388420"/>
+          </a:xfrm>
+          <a:prstGeom prst="rect">
+            <a:avLst/>
+          </a:prstGeom>
+          <a:solidFill>
+            <a:schemeClr val="accent2"/>
+          </a:solidFill>
+        </p:spPr>
+        <p:style>
+          <a:lnRef idx="2">
+            <a:schemeClr val="accent1">
+              <a:shade val="50000"/>
+            </a:schemeClr>
+          </a:lnRef>
+          <a:fillRef idx="1">
+            <a:schemeClr val="accent1"/>
+          </a:fillRef>
+          <a:effectRef idx="0">
+            <a:schemeClr val="accent1"/>
+          </a:effectRef>
+          <a:fontRef idx="minor">
+            <a:schemeClr val="lt1"/>
+          </a:fontRef>
+        </p:style>
+        <p:txBody>
+          <a:bodyPr rtlCol="0" anchor="ctr"/>
+          <a:lstStyle/>
+          <a:p>
+            <a:pPr algn="ctr"/>
+            <a:r>
+              <a:rPr kumimoji="1" lang="en-US" altLang="ja-JP" sz="1200" dirty="0"/>
+              <a:t>TP</a:t>
+            </a:r>
+            <a:endParaRPr kumimoji="1" lang="ja-JP" altLang="en-US" sz="1200" dirty="0"/>
+          </a:p>
+        </p:txBody>
+      </p:sp>
+      <p:cxnSp>
+        <p:nvCxnSpPr>
+          <p:cNvPr id="68" name="直線コネクタ 67">
+            <a:extLst>
+              <a:ext uri="{FF2B5EF4-FFF2-40B4-BE49-F238E27FC236}">
+                <a16:creationId xmlns:a16="http://schemas.microsoft.com/office/drawing/2014/main" id="{B4D5B39B-C4F8-44B2-A1FB-3DD999D99889}"/>
+              </a:ext>
+            </a:extLst>
+          </p:cNvPr>
+          <p:cNvCxnSpPr>
+            <a:cxnSpLocks/>
+          </p:cNvCxnSpPr>
+          <p:nvPr/>
+        </p:nvCxnSpPr>
+        <p:spPr>
+          <a:xfrm>
+            <a:off x="7381710" y="2025392"/>
+            <a:ext cx="1090063" cy="1"/>
+          </a:xfrm>
+          <a:prstGeom prst="line">
+            <a:avLst/>
+          </a:prstGeom>
+          <a:ln w="25400"/>
+        </p:spPr>
+        <p:style>
+          <a:lnRef idx="1">
+            <a:schemeClr val="accent1"/>
+          </a:lnRef>
+          <a:fillRef idx="0">
+            <a:schemeClr val="accent1"/>
+          </a:fillRef>
+          <a:effectRef idx="0">
+            <a:schemeClr val="accent1"/>
+          </a:effectRef>
+          <a:fontRef idx="minor">
+            <a:schemeClr val="tx1"/>
+          </a:fontRef>
+        </p:style>
+      </p:cxnSp>
+      <p:sp>
+        <p:nvSpPr>
+          <p:cNvPr id="70" name="正方形/長方形 69">
+            <a:extLst>
+              <a:ext uri="{FF2B5EF4-FFF2-40B4-BE49-F238E27FC236}">
+                <a16:creationId xmlns:a16="http://schemas.microsoft.com/office/drawing/2014/main" id="{10ACEA8C-AADA-4A58-B91E-3F632020E257}"/>
+              </a:ext>
+            </a:extLst>
+          </p:cNvPr>
+          <p:cNvSpPr/>
+          <p:nvPr/>
+        </p:nvSpPr>
+        <p:spPr>
+          <a:xfrm>
+            <a:off x="3706973" y="2472067"/>
+            <a:ext cx="324594" cy="284013"/>
+          </a:xfrm>
+          <a:prstGeom prst="rect">
+            <a:avLst/>
+          </a:prstGeom>
+        </p:spPr>
+        <p:style>
+          <a:lnRef idx="2">
+            <a:schemeClr val="accent1">
+              <a:shade val="50000"/>
+            </a:schemeClr>
+          </a:lnRef>
+          <a:fillRef idx="1">
+            <a:schemeClr val="accent1"/>
+          </a:fillRef>
+          <a:effectRef idx="0">
+            <a:schemeClr val="accent1"/>
+          </a:effectRef>
+          <a:fontRef idx="minor">
+            <a:schemeClr val="lt1"/>
+          </a:fontRef>
+        </p:style>
+        <p:txBody>
+          <a:bodyPr rtlCol="0" anchor="ctr"/>
+          <a:lstStyle/>
+          <a:p>
+            <a:pPr algn="ctr"/>
+            <a:r>
+              <a:rPr kumimoji="1" lang="en-US" altLang="ja-JP" sz="800" dirty="0"/>
+              <a:t>FP</a:t>
+            </a:r>
+            <a:endParaRPr kumimoji="1" lang="ja-JP" altLang="en-US" sz="800" dirty="0"/>
+          </a:p>
+        </p:txBody>
+      </p:sp>
+      <p:sp>
+        <p:nvSpPr>
+          <p:cNvPr id="72" name="正方形/長方形 71">
+            <a:extLst>
+              <a:ext uri="{FF2B5EF4-FFF2-40B4-BE49-F238E27FC236}">
+                <a16:creationId xmlns:a16="http://schemas.microsoft.com/office/drawing/2014/main" id="{628F8A9B-23B5-4FDE-BD54-D471A4A12841}"/>
+              </a:ext>
+            </a:extLst>
+          </p:cNvPr>
+          <p:cNvSpPr/>
+          <p:nvPr/>
+        </p:nvSpPr>
+        <p:spPr>
+          <a:xfrm>
+            <a:off x="7699031" y="2072421"/>
+            <a:ext cx="443915" cy="388420"/>
+          </a:xfrm>
+          <a:prstGeom prst="rect">
+            <a:avLst/>
+          </a:prstGeom>
+          <a:solidFill>
+            <a:schemeClr val="accent2"/>
+          </a:solidFill>
+        </p:spPr>
+        <p:style>
+          <a:lnRef idx="2">
+            <a:schemeClr val="accent1">
+              <a:shade val="50000"/>
+            </a:schemeClr>
+          </a:lnRef>
+          <a:fillRef idx="1">
+            <a:schemeClr val="accent1"/>
+          </a:fillRef>
+          <a:effectRef idx="0">
+            <a:schemeClr val="accent1"/>
+          </a:effectRef>
+          <a:fontRef idx="minor">
+            <a:schemeClr val="lt1"/>
+          </a:fontRef>
+        </p:style>
+        <p:txBody>
+          <a:bodyPr rtlCol="0" anchor="ctr"/>
+          <a:lstStyle/>
+          <a:p>
+            <a:pPr algn="ctr"/>
+            <a:r>
+              <a:rPr kumimoji="1" lang="en-US" altLang="ja-JP" sz="1200" dirty="0"/>
+              <a:t>TP</a:t>
+            </a:r>
+            <a:endParaRPr kumimoji="1" lang="ja-JP" altLang="en-US" sz="1200" dirty="0"/>
+          </a:p>
+        </p:txBody>
+      </p:sp>
+      <p:sp>
+        <p:nvSpPr>
+          <p:cNvPr id="76" name="正方形/長方形 75">
+            <a:extLst>
+              <a:ext uri="{FF2B5EF4-FFF2-40B4-BE49-F238E27FC236}">
+                <a16:creationId xmlns:a16="http://schemas.microsoft.com/office/drawing/2014/main" id="{8E203677-1EC3-465C-89BE-19BE8437E596}"/>
+              </a:ext>
+            </a:extLst>
+          </p:cNvPr>
+          <p:cNvSpPr/>
+          <p:nvPr/>
+        </p:nvSpPr>
+        <p:spPr>
+          <a:xfrm>
+            <a:off x="7704786" y="1589942"/>
+            <a:ext cx="443915" cy="388420"/>
+          </a:xfrm>
+          <a:prstGeom prst="rect">
+            <a:avLst/>
+          </a:prstGeom>
+          <a:solidFill>
+            <a:schemeClr val="accent2"/>
+          </a:solidFill>
+        </p:spPr>
+        <p:style>
+          <a:lnRef idx="2">
+            <a:schemeClr val="accent1">
+              <a:shade val="50000"/>
+            </a:schemeClr>
+          </a:lnRef>
+          <a:fillRef idx="1">
+            <a:schemeClr val="accent1"/>
+          </a:fillRef>
+          <a:effectRef idx="0">
+            <a:schemeClr val="accent1"/>
+          </a:effectRef>
+          <a:fontRef idx="minor">
+            <a:schemeClr val="lt1"/>
+          </a:fontRef>
+        </p:style>
+        <p:txBody>
+          <a:bodyPr rtlCol="0" anchor="ctr"/>
+          <a:lstStyle/>
+          <a:p>
+            <a:pPr algn="ctr"/>
+            <a:r>
+              <a:rPr kumimoji="1" lang="en-US" altLang="ja-JP" sz="1200" dirty="0"/>
+              <a:t>TP</a:t>
+            </a:r>
+            <a:endParaRPr kumimoji="1" lang="ja-JP" altLang="en-US" sz="1200" dirty="0"/>
+          </a:p>
+        </p:txBody>
+      </p:sp>
+      <p:cxnSp>
+        <p:nvCxnSpPr>
+          <p:cNvPr id="77" name="直線コネクタ 76">
+            <a:extLst>
+              <a:ext uri="{FF2B5EF4-FFF2-40B4-BE49-F238E27FC236}">
+                <a16:creationId xmlns:a16="http://schemas.microsoft.com/office/drawing/2014/main" id="{D57247D8-F46F-4CAB-B7D6-6999122E795B}"/>
+              </a:ext>
+            </a:extLst>
+          </p:cNvPr>
+          <p:cNvCxnSpPr>
+            <a:cxnSpLocks/>
+          </p:cNvCxnSpPr>
+          <p:nvPr/>
+        </p:nvCxnSpPr>
+        <p:spPr>
+          <a:xfrm>
+            <a:off x="5333730" y="2025392"/>
+            <a:ext cx="1090063" cy="1"/>
+          </a:xfrm>
+          <a:prstGeom prst="line">
+            <a:avLst/>
+          </a:prstGeom>
+          <a:ln w="25400"/>
+        </p:spPr>
+        <p:style>
+          <a:lnRef idx="1">
+            <a:schemeClr val="accent1"/>
+          </a:lnRef>
+          <a:fillRef idx="0">
+            <a:schemeClr val="accent1"/>
+          </a:fillRef>
+          <a:effectRef idx="0">
+            <a:schemeClr val="accent1"/>
+          </a:effectRef>
+          <a:fontRef idx="minor">
+            <a:schemeClr val="tx1"/>
+          </a:fontRef>
+        </p:style>
+      </p:cxnSp>
+      <p:sp>
+        <p:nvSpPr>
+          <p:cNvPr id="80" name="正方形/長方形 79">
+            <a:extLst>
+              <a:ext uri="{FF2B5EF4-FFF2-40B4-BE49-F238E27FC236}">
+                <a16:creationId xmlns:a16="http://schemas.microsoft.com/office/drawing/2014/main" id="{E99B6446-7C5E-4302-8338-D520DD9CDCBA}"/>
+              </a:ext>
+            </a:extLst>
+          </p:cNvPr>
+          <p:cNvSpPr/>
+          <p:nvPr/>
+        </p:nvSpPr>
+        <p:spPr>
+          <a:xfrm>
+            <a:off x="4150888" y="2083649"/>
+            <a:ext cx="324594" cy="284016"/>
+          </a:xfrm>
+          <a:prstGeom prst="rect">
+            <a:avLst/>
+          </a:prstGeom>
+          <a:solidFill>
+            <a:schemeClr val="accent6"/>
+          </a:solidFill>
+        </p:spPr>
+        <p:style>
+          <a:lnRef idx="2">
+            <a:schemeClr val="accent1">
+              <a:shade val="50000"/>
+            </a:schemeClr>
+          </a:lnRef>
+          <a:fillRef idx="1">
+            <a:schemeClr val="accent1"/>
+          </a:fillRef>
+          <a:effectRef idx="0">
+            <a:schemeClr val="accent1"/>
+          </a:effectRef>
+          <a:fontRef idx="minor">
+            <a:schemeClr val="lt1"/>
+          </a:fontRef>
+        </p:style>
+        <p:txBody>
+          <a:bodyPr rtlCol="0" anchor="ctr"/>
+          <a:lstStyle/>
+          <a:p>
+            <a:pPr algn="ctr"/>
+            <a:r>
+              <a:rPr kumimoji="1" lang="en-US" altLang="ja-JP" sz="800" dirty="0"/>
+              <a:t>FN</a:t>
+            </a:r>
+            <a:endParaRPr kumimoji="1" lang="ja-JP" altLang="en-US" sz="800" dirty="0"/>
+          </a:p>
+        </p:txBody>
+      </p:sp>
+      <p:sp>
+        <p:nvSpPr>
+          <p:cNvPr id="81" name="正方形/長方形 80">
+            <a:extLst>
+              <a:ext uri="{FF2B5EF4-FFF2-40B4-BE49-F238E27FC236}">
+                <a16:creationId xmlns:a16="http://schemas.microsoft.com/office/drawing/2014/main" id="{D3DF7A13-E8E5-4A03-8639-6FC18F379D2A}"/>
+              </a:ext>
+            </a:extLst>
+          </p:cNvPr>
+          <p:cNvSpPr/>
+          <p:nvPr/>
+        </p:nvSpPr>
+        <p:spPr>
+          <a:xfrm>
+            <a:off x="3706974" y="2083647"/>
+            <a:ext cx="324595" cy="284017"/>
+          </a:xfrm>
+          <a:prstGeom prst="rect">
+            <a:avLst/>
+          </a:prstGeom>
+          <a:solidFill>
+            <a:schemeClr val="accent2"/>
+          </a:solidFill>
+        </p:spPr>
+        <p:style>
+          <a:lnRef idx="2">
+            <a:schemeClr val="accent1">
+              <a:shade val="50000"/>
+            </a:schemeClr>
+          </a:lnRef>
+          <a:fillRef idx="1">
+            <a:schemeClr val="accent1"/>
+          </a:fillRef>
+          <a:effectRef idx="0">
+            <a:schemeClr val="accent1"/>
+          </a:effectRef>
+          <a:fontRef idx="minor">
+            <a:schemeClr val="lt1"/>
+          </a:fontRef>
+        </p:style>
+        <p:txBody>
+          <a:bodyPr rtlCol="0" anchor="ctr"/>
+          <a:lstStyle/>
+          <a:p>
+            <a:pPr algn="ctr"/>
+            <a:r>
+              <a:rPr kumimoji="1" lang="en-US" altLang="ja-JP" sz="800" dirty="0"/>
+              <a:t>TP</a:t>
+            </a:r>
+            <a:endParaRPr kumimoji="1" lang="ja-JP" altLang="en-US" sz="800" dirty="0"/>
+          </a:p>
+        </p:txBody>
+      </p:sp>
+      <p:sp>
+        <p:nvSpPr>
+          <p:cNvPr id="85" name="正方形/長方形 84">
+            <a:extLst>
+              <a:ext uri="{FF2B5EF4-FFF2-40B4-BE49-F238E27FC236}">
+                <a16:creationId xmlns:a16="http://schemas.microsoft.com/office/drawing/2014/main" id="{740A5B2D-4683-4B73-88B2-6D138FEB73E5}"/>
+              </a:ext>
+            </a:extLst>
+          </p:cNvPr>
+          <p:cNvSpPr/>
+          <p:nvPr/>
+        </p:nvSpPr>
+        <p:spPr>
+          <a:xfrm>
+            <a:off x="5656804" y="1589942"/>
+            <a:ext cx="443915" cy="388420"/>
+          </a:xfrm>
+          <a:prstGeom prst="rect">
+            <a:avLst/>
+          </a:prstGeom>
+          <a:solidFill>
+            <a:schemeClr val="accent2"/>
+          </a:solidFill>
+        </p:spPr>
+        <p:style>
+          <a:lnRef idx="2">
+            <a:schemeClr val="accent1">
+              <a:shade val="50000"/>
+            </a:schemeClr>
+          </a:lnRef>
+          <a:fillRef idx="1">
+            <a:schemeClr val="accent1"/>
+          </a:fillRef>
+          <a:effectRef idx="0">
+            <a:schemeClr val="accent1"/>
+          </a:effectRef>
+          <a:fontRef idx="minor">
+            <a:schemeClr val="lt1"/>
+          </a:fontRef>
+        </p:style>
+        <p:txBody>
+          <a:bodyPr rtlCol="0" anchor="ctr"/>
+          <a:lstStyle/>
+          <a:p>
+            <a:pPr algn="ctr"/>
+            <a:r>
+              <a:rPr kumimoji="1" lang="en-US" altLang="ja-JP" sz="1200" dirty="0"/>
+              <a:t>TP</a:t>
+            </a:r>
+            <a:endParaRPr kumimoji="1" lang="ja-JP" altLang="en-US" sz="1200" dirty="0"/>
+          </a:p>
+        </p:txBody>
+      </p:sp>
+      <p:cxnSp>
+        <p:nvCxnSpPr>
+          <p:cNvPr id="86" name="直線コネクタ 85">
+            <a:extLst>
+              <a:ext uri="{FF2B5EF4-FFF2-40B4-BE49-F238E27FC236}">
+                <a16:creationId xmlns:a16="http://schemas.microsoft.com/office/drawing/2014/main" id="{DEA2536F-5445-4B6F-A78C-C4C77C02C29C}"/>
+              </a:ext>
+            </a:extLst>
+          </p:cNvPr>
+          <p:cNvCxnSpPr>
+            <a:cxnSpLocks/>
+          </p:cNvCxnSpPr>
+          <p:nvPr/>
+        </p:nvCxnSpPr>
+        <p:spPr>
+          <a:xfrm>
+            <a:off x="5709469" y="4827640"/>
+            <a:ext cx="1090063" cy="1"/>
+          </a:xfrm>
+          <a:prstGeom prst="line">
+            <a:avLst/>
+          </a:prstGeom>
+          <a:ln w="25400"/>
+        </p:spPr>
+        <p:style>
+          <a:lnRef idx="1">
+            <a:schemeClr val="accent1"/>
+          </a:lnRef>
+          <a:fillRef idx="0">
+            <a:schemeClr val="accent1"/>
+          </a:fillRef>
+          <a:effectRef idx="0">
+            <a:schemeClr val="accent1"/>
+          </a:effectRef>
+          <a:fontRef idx="minor">
+            <a:schemeClr val="tx1"/>
+          </a:fontRef>
+        </p:style>
+      </p:cxnSp>
+      <p:sp>
+        <p:nvSpPr>
+          <p:cNvPr id="87" name="正方形/長方形 86">
+            <a:extLst>
+              <a:ext uri="{FF2B5EF4-FFF2-40B4-BE49-F238E27FC236}">
+                <a16:creationId xmlns:a16="http://schemas.microsoft.com/office/drawing/2014/main" id="{2DAF8C6F-CC31-4C93-9FB5-ACFC9FBE382E}"/>
+              </a:ext>
+            </a:extLst>
+          </p:cNvPr>
+          <p:cNvSpPr/>
+          <p:nvPr/>
+        </p:nvSpPr>
+        <p:spPr>
+          <a:xfrm>
+            <a:off x="6254501" y="4879639"/>
+            <a:ext cx="443914" cy="388419"/>
+          </a:xfrm>
+          <a:prstGeom prst="rect">
+            <a:avLst/>
+          </a:prstGeom>
+          <a:solidFill>
+            <a:schemeClr val="accent4"/>
+          </a:solidFill>
+        </p:spPr>
+        <p:style>
+          <a:lnRef idx="2">
+            <a:schemeClr val="accent1">
+              <a:shade val="50000"/>
+            </a:schemeClr>
+          </a:lnRef>
+          <a:fillRef idx="1">
+            <a:schemeClr val="accent1"/>
+          </a:fillRef>
+          <a:effectRef idx="0">
+            <a:schemeClr val="accent1"/>
+          </a:effectRef>
+          <a:fontRef idx="minor">
+            <a:schemeClr val="lt1"/>
+          </a:fontRef>
+        </p:style>
+        <p:txBody>
+          <a:bodyPr rtlCol="0" anchor="ctr"/>
+          <a:lstStyle/>
+          <a:p>
+            <a:pPr algn="ctr"/>
+            <a:r>
+              <a:rPr kumimoji="1" lang="en-US" altLang="ja-JP" sz="1200" dirty="0"/>
+              <a:t>TN</a:t>
+            </a:r>
+            <a:endParaRPr kumimoji="1" lang="ja-JP" altLang="en-US" sz="1200" dirty="0"/>
+          </a:p>
+        </p:txBody>
+      </p:sp>
+      <p:sp>
+        <p:nvSpPr>
+          <p:cNvPr id="88" name="正方形/長方形 87">
+            <a:extLst>
+              <a:ext uri="{FF2B5EF4-FFF2-40B4-BE49-F238E27FC236}">
+                <a16:creationId xmlns:a16="http://schemas.microsoft.com/office/drawing/2014/main" id="{0E2F2498-72EF-4B1C-8966-14936A224D79}"/>
+              </a:ext>
+            </a:extLst>
+          </p:cNvPr>
+          <p:cNvSpPr/>
+          <p:nvPr/>
+        </p:nvSpPr>
+        <p:spPr>
+          <a:xfrm>
+            <a:off x="5810588" y="4879641"/>
+            <a:ext cx="443914" cy="388416"/>
+          </a:xfrm>
+          <a:prstGeom prst="rect">
+            <a:avLst/>
+          </a:prstGeom>
+        </p:spPr>
+        <p:style>
+          <a:lnRef idx="2">
+            <a:schemeClr val="accent1">
+              <a:shade val="50000"/>
+            </a:schemeClr>
+          </a:lnRef>
+          <a:fillRef idx="1">
+            <a:schemeClr val="accent1"/>
+          </a:fillRef>
+          <a:effectRef idx="0">
+            <a:schemeClr val="accent1"/>
+          </a:effectRef>
+          <a:fontRef idx="minor">
+            <a:schemeClr val="lt1"/>
+          </a:fontRef>
+        </p:style>
+        <p:txBody>
+          <a:bodyPr rtlCol="0" anchor="ctr"/>
+          <a:lstStyle/>
+          <a:p>
+            <a:pPr algn="ctr"/>
+            <a:r>
+              <a:rPr kumimoji="1" lang="en-US" altLang="ja-JP" sz="1200" dirty="0"/>
+              <a:t>FP</a:t>
+            </a:r>
+            <a:endParaRPr kumimoji="1" lang="ja-JP" altLang="en-US" sz="1200" dirty="0"/>
+          </a:p>
+        </p:txBody>
+      </p:sp>
+      <p:sp>
+        <p:nvSpPr>
+          <p:cNvPr id="91" name="正方形/長方形 90">
+            <a:extLst>
+              <a:ext uri="{FF2B5EF4-FFF2-40B4-BE49-F238E27FC236}">
+                <a16:creationId xmlns:a16="http://schemas.microsoft.com/office/drawing/2014/main" id="{3D1CE239-C030-40AD-95E5-F35D1CF18B9E}"/>
+              </a:ext>
+            </a:extLst>
+          </p:cNvPr>
+          <p:cNvSpPr/>
+          <p:nvPr/>
+        </p:nvSpPr>
+        <p:spPr>
+          <a:xfrm>
+            <a:off x="4150886" y="2472067"/>
+            <a:ext cx="324594" cy="284016"/>
+          </a:xfrm>
+          <a:prstGeom prst="rect">
+            <a:avLst/>
+          </a:prstGeom>
+          <a:solidFill>
+            <a:schemeClr val="accent4"/>
+          </a:solidFill>
+        </p:spPr>
+        <p:style>
+          <a:lnRef idx="2">
+            <a:schemeClr val="accent1">
+              <a:shade val="50000"/>
+            </a:schemeClr>
+          </a:lnRef>
+          <a:fillRef idx="1">
+            <a:schemeClr val="accent1"/>
+          </a:fillRef>
+          <a:effectRef idx="0">
+            <a:schemeClr val="accent1"/>
+          </a:effectRef>
+          <a:fontRef idx="minor">
+            <a:schemeClr val="lt1"/>
+          </a:fontRef>
+        </p:style>
+        <p:txBody>
+          <a:bodyPr rtlCol="0" anchor="ctr"/>
+          <a:lstStyle/>
+          <a:p>
+            <a:pPr algn="ctr"/>
+            <a:r>
+              <a:rPr kumimoji="1" lang="en-US" altLang="ja-JP" sz="800" dirty="0"/>
+              <a:t>TN</a:t>
+            </a:r>
+            <a:endParaRPr kumimoji="1" lang="ja-JP" altLang="en-US" sz="800" dirty="0"/>
+          </a:p>
+        </p:txBody>
+      </p:sp>
+      <p:sp>
+        <p:nvSpPr>
+          <p:cNvPr id="92" name="正方形/長方形 91">
+            <a:extLst>
+              <a:ext uri="{FF2B5EF4-FFF2-40B4-BE49-F238E27FC236}">
+                <a16:creationId xmlns:a16="http://schemas.microsoft.com/office/drawing/2014/main" id="{78EE85E7-1EB3-4580-9837-E2FBA5F982A0}"/>
+              </a:ext>
+            </a:extLst>
+          </p:cNvPr>
+          <p:cNvSpPr/>
+          <p:nvPr/>
+        </p:nvSpPr>
+        <p:spPr>
+          <a:xfrm>
+            <a:off x="6032542" y="4379936"/>
+            <a:ext cx="443915" cy="388420"/>
+          </a:xfrm>
+          <a:prstGeom prst="rect">
+            <a:avLst/>
+          </a:prstGeom>
+          <a:solidFill>
+            <a:schemeClr val="accent2"/>
+          </a:solidFill>
+        </p:spPr>
+        <p:style>
+          <a:lnRef idx="2">
+            <a:schemeClr val="accent1">
+              <a:shade val="50000"/>
+            </a:schemeClr>
+          </a:lnRef>
+          <a:fillRef idx="1">
+            <a:schemeClr val="accent1"/>
+          </a:fillRef>
+          <a:effectRef idx="0">
+            <a:schemeClr val="accent1"/>
+          </a:effectRef>
+          <a:fontRef idx="minor">
+            <a:schemeClr val="lt1"/>
+          </a:fontRef>
+        </p:style>
+        <p:txBody>
+          <a:bodyPr rtlCol="0" anchor="ctr"/>
+          <a:lstStyle/>
+          <a:p>
+            <a:pPr algn="ctr"/>
+            <a:r>
+              <a:rPr kumimoji="1" lang="en-US" altLang="ja-JP" sz="1200" dirty="0"/>
+              <a:t>TP</a:t>
+            </a:r>
+            <a:endParaRPr kumimoji="1" lang="ja-JP" altLang="en-US" sz="1200" dirty="0"/>
+          </a:p>
+        </p:txBody>
+      </p:sp>
+    </p:spTree>
+    <p:extLst>
+      <p:ext uri="{BB962C8B-B14F-4D97-AF65-F5344CB8AC3E}">
+        <p14:creationId xmlns:p14="http://schemas.microsoft.com/office/powerpoint/2010/main" val="2005545263"/>
+      </p:ext>
+    </p:extLst>
+  </p:cSld>
+  <p:clrMapOvr>
+    <a:masterClrMapping/>
+  </p:clrMapOvr>
+</p:sld>
+</file>
+
+<file path=ppt/slides/slide6.xml><?xml version="1.0" encoding="utf-8"?>
+<p:sld xmlns:a="http://schemas.openxmlformats.org/drawingml/2006/main" xmlns:r="http://schemas.openxmlformats.org/officeDocument/2006/relationships" xmlns:p="http://schemas.openxmlformats.org/presentationml/2006/main">
+  <p:cSld>
+    <p:spTree>
+      <p:nvGrpSpPr>
+        <p:cNvPr id="1" name=""/>
+        <p:cNvGrpSpPr/>
+        <p:nvPr/>
+      </p:nvGrpSpPr>
+      <p:grpSpPr>
+        <a:xfrm>
+          <a:off x="0" y="0"/>
+          <a:ext cx="0" cy="0"/>
+          <a:chOff x="0" y="0"/>
+          <a:chExt cx="0" cy="0"/>
+        </a:xfrm>
+      </p:grpSpPr>
       <p:sp>
         <p:nvSpPr>
           <p:cNvPr id="14" name="正方形/長方形 13">
